--- a/docs/assets/presentations/presentation-elaboration.pptx
+++ b/docs/assets/presentations/presentation-elaboration.pptx
@@ -12,8 +12,8 @@
     <p:sldId id="259" r:id="rId3"/>
     <p:sldId id="260" r:id="rId4"/>
     <p:sldId id="261" r:id="rId5"/>
-    <p:sldId id="262" r:id="rId6"/>
-    <p:sldId id="267" r:id="rId7"/>
+    <p:sldId id="267" r:id="rId6"/>
+    <p:sldId id="262" r:id="rId7"/>
     <p:sldId id="263" r:id="rId8"/>
     <p:sldId id="264" r:id="rId9"/>
     <p:sldId id="265" r:id="rId10"/>
@@ -482,6 +482,90 @@
     </a:lvl9pPr>
   </p:notesStyle>
 </p:notesMaster>
+</file>
+
+<file path=ppt/notesSlides/notesSlide1.xml><?xml version="1.0" encoding="utf-8"?>
+<p:notes xmlns:a="http://schemas.openxmlformats.org/drawingml/2006/main" xmlns:r="http://schemas.openxmlformats.org/officeDocument/2006/relationships" xmlns:p="http://schemas.openxmlformats.org/presentationml/2006/main">
+  <p:cSld>
+    <p:spTree>
+      <p:nvGrpSpPr>
+        <p:cNvPr id="1" name=""/>
+        <p:cNvGrpSpPr/>
+        <p:nvPr/>
+      </p:nvGrpSpPr>
+      <p:grpSpPr>
+        <a:xfrm>
+          <a:off x="0" y="0"/>
+          <a:ext cx="0" cy="0"/>
+          <a:chOff x="0" y="0"/>
+          <a:chExt cx="0" cy="0"/>
+        </a:xfrm>
+      </p:grpSpPr>
+      <p:sp>
+        <p:nvSpPr>
+          <p:cNvPr id="2" name="Marcador de Posição da Imagem do Diapositivo 1"/>
+          <p:cNvSpPr>
+            <a:spLocks noGrp="1" noRot="1" noChangeAspect="1"/>
+          </p:cNvSpPr>
+          <p:nvPr>
+            <p:ph type="sldImg"/>
+          </p:nvPr>
+        </p:nvSpPr>
+        <p:spPr/>
+      </p:sp>
+      <p:sp>
+        <p:nvSpPr>
+          <p:cNvPr id="3" name="Marcador de Posição de Notas 2"/>
+          <p:cNvSpPr>
+            <a:spLocks noGrp="1"/>
+          </p:cNvSpPr>
+          <p:nvPr>
+            <p:ph type="body" idx="1"/>
+          </p:nvPr>
+        </p:nvSpPr>
+        <p:spPr/>
+        <p:txBody>
+          <a:bodyPr/>
+          <a:lstStyle/>
+          <a:p>
+            <a:endParaRPr lang="pt-PT" dirty="0"/>
+          </a:p>
+        </p:txBody>
+      </p:sp>
+      <p:sp>
+        <p:nvSpPr>
+          <p:cNvPr id="4" name="Marcador de Posição do Número do Diapositivo 3"/>
+          <p:cNvSpPr>
+            <a:spLocks noGrp="1"/>
+          </p:cNvSpPr>
+          <p:nvPr>
+            <p:ph type="sldNum" sz="quarter" idx="5"/>
+          </p:nvPr>
+        </p:nvSpPr>
+        <p:spPr/>
+        <p:txBody>
+          <a:bodyPr/>
+          <a:lstStyle/>
+          <a:p>
+            <a:fld id="{A23BA633-D24B-473E-B335-FB4AC6894846}" type="slidenum">
+              <a:rPr lang="pt-PT" smtClean="0"/>
+              <a:t>1</a:t>
+            </a:fld>
+            <a:endParaRPr lang="pt-PT"/>
+          </a:p>
+        </p:txBody>
+      </p:sp>
+    </p:spTree>
+    <p:extLst>
+      <p:ext uri="{BB962C8B-B14F-4D97-AF65-F5344CB8AC3E}">
+        <p14:creationId xmlns:p14="http://schemas.microsoft.com/office/powerpoint/2010/main" val="1572340951"/>
+      </p:ext>
+    </p:extLst>
+  </p:cSld>
+  <p:clrMapOvr>
+    <a:masterClrMapping/>
+  </p:clrMapOvr>
+</p:notes>
 </file>
 
 <file path=ppt/slideLayouts/slideLayout1.xml><?xml version="1.0" encoding="utf-8"?>
@@ -3758,12 +3842,20 @@
               <a:buChar char="•"/>
             </a:pPr>
             <a:r>
+              <a:rPr lang="pt-PT" sz="2400" dirty="0" err="1">
+                <a:latin typeface="Calibri Light" panose="020F0302020204030204" pitchFamily="34" charset="0"/>
+                <a:ea typeface="Calibri Light" panose="020F0302020204030204" pitchFamily="34" charset="0"/>
+                <a:cs typeface="Calibri Light" panose="020F0302020204030204" pitchFamily="34" charset="0"/>
+              </a:rPr>
+              <a:t>Reduced</a:t>
+            </a:r>
+            <a:r>
               <a:rPr lang="pt-PT" sz="2400" dirty="0">
                 <a:latin typeface="Calibri Light" panose="020F0302020204030204" pitchFamily="34" charset="0"/>
                 <a:ea typeface="Calibri Light" panose="020F0302020204030204" pitchFamily="34" charset="0"/>
                 <a:cs typeface="Calibri Light" panose="020F0302020204030204" pitchFamily="34" charset="0"/>
               </a:rPr>
-              <a:t>False positives/negatives</a:t>
+              <a:t> false positives/negatives</a:t>
             </a:r>
           </a:p>
           <a:p>
@@ -4285,4240 +4377,6 @@
 </file>
 
 <file path=ppt/slides/slide5.xml><?xml version="1.0" encoding="utf-8"?>
-<p:sld xmlns:a="http://schemas.openxmlformats.org/drawingml/2006/main" xmlns:r="http://schemas.openxmlformats.org/officeDocument/2006/relationships" xmlns:p="http://schemas.openxmlformats.org/presentationml/2006/main">
-  <p:cSld>
-    <p:spTree>
-      <p:nvGrpSpPr>
-        <p:cNvPr id="1" name=""/>
-        <p:cNvGrpSpPr/>
-        <p:nvPr/>
-      </p:nvGrpSpPr>
-      <p:grpSpPr>
-        <a:xfrm>
-          <a:off x="0" y="0"/>
-          <a:ext cx="0" cy="0"/>
-          <a:chOff x="0" y="0"/>
-          <a:chExt cx="0" cy="0"/>
-        </a:xfrm>
-      </p:grpSpPr>
-      <p:sp>
-        <p:nvSpPr>
-          <p:cNvPr id="2" name="Título 1">
-            <a:extLst>
-              <a:ext uri="{FF2B5EF4-FFF2-40B4-BE49-F238E27FC236}">
-                <a16:creationId xmlns:a16="http://schemas.microsoft.com/office/drawing/2014/main" id="{36D3FD89-1446-FF1A-2ADD-A1F89E5EFBA9}"/>
-              </a:ext>
-            </a:extLst>
-          </p:cNvPr>
-          <p:cNvSpPr>
-            <a:spLocks noGrp="1"/>
-          </p:cNvSpPr>
-          <p:nvPr>
-            <p:ph type="title"/>
-          </p:nvPr>
-        </p:nvSpPr>
-        <p:spPr/>
-        <p:txBody>
-          <a:bodyPr/>
-          <a:lstStyle/>
-          <a:p>
-            <a:r>
-              <a:rPr lang="pt-PT" dirty="0" err="1">
-                <a:latin typeface="+mj-lt"/>
-              </a:rPr>
-              <a:t>Actors</a:t>
-            </a:r>
-            <a:endParaRPr lang="pt-PT" dirty="0">
-              <a:latin typeface="+mj-lt"/>
-            </a:endParaRPr>
-          </a:p>
-        </p:txBody>
-      </p:sp>
-      <p:sp>
-        <p:nvSpPr>
-          <p:cNvPr id="4" name="object 4">
-            <a:extLst>
-              <a:ext uri="{FF2B5EF4-FFF2-40B4-BE49-F238E27FC236}">
-                <a16:creationId xmlns:a16="http://schemas.microsoft.com/office/drawing/2014/main" id="{2602A6FF-6BED-D25A-735F-C46A4920A799}"/>
-              </a:ext>
-            </a:extLst>
-          </p:cNvPr>
-          <p:cNvSpPr txBox="1">
-            <a:spLocks noGrp="1"/>
-          </p:cNvSpPr>
-          <p:nvPr>
-            <p:ph type="sldNum" sz="quarter" idx="7"/>
-          </p:nvPr>
-        </p:nvSpPr>
-        <p:spPr>
-          <a:xfrm>
-            <a:off x="11908535" y="6537756"/>
-            <a:ext cx="231140" cy="330200"/>
-          </a:xfrm>
-          <a:prstGeom prst="rect">
-            <a:avLst/>
-          </a:prstGeom>
-        </p:spPr>
-        <p:txBody>
-          <a:bodyPr vert="horz" wrap="square" lIns="0" tIns="0" rIns="0" bIns="0" rtlCol="0">
-            <a:spAutoFit/>
-          </a:bodyPr>
-          <a:lstStyle/>
-          <a:p>
-            <a:pPr marL="38100">
-              <a:lnSpc>
-                <a:spcPts val="2380"/>
-              </a:lnSpc>
-            </a:pPr>
-            <a:fld id="{81D60167-4931-47E6-BA6A-407CBD079E47}" type="slidenum">
-              <a:rPr dirty="0"/>
-              <a:t>5</a:t>
-            </a:fld>
-            <a:endParaRPr dirty="0"/>
-          </a:p>
-        </p:txBody>
-      </p:sp>
-      <p:grpSp>
-        <p:nvGrpSpPr>
-          <p:cNvPr id="25" name="Agrupar 24">
-            <a:extLst>
-              <a:ext uri="{FF2B5EF4-FFF2-40B4-BE49-F238E27FC236}">
-                <a16:creationId xmlns:a16="http://schemas.microsoft.com/office/drawing/2014/main" id="{8DB7864E-7B7C-6A0B-44B7-65FE8CD3158F}"/>
-              </a:ext>
-            </a:extLst>
-          </p:cNvPr>
-          <p:cNvGrpSpPr/>
-          <p:nvPr/>
-        </p:nvGrpSpPr>
-        <p:grpSpPr>
-          <a:xfrm>
-            <a:off x="1124399" y="2112070"/>
-            <a:ext cx="9943200" cy="3813667"/>
-            <a:chOff x="2512650" y="2258388"/>
-            <a:chExt cx="7679050" cy="2710286"/>
-          </a:xfrm>
-        </p:grpSpPr>
-        <p:sp>
-          <p:nvSpPr>
-            <p:cNvPr id="5" name="Google Shape;413;p67">
-              <a:extLst>
-                <a:ext uri="{FF2B5EF4-FFF2-40B4-BE49-F238E27FC236}">
-                  <a16:creationId xmlns:a16="http://schemas.microsoft.com/office/drawing/2014/main" id="{9492147D-6E98-0FE3-4EBD-FF6E195381D1}"/>
-                </a:ext>
-              </a:extLst>
-            </p:cNvPr>
-            <p:cNvSpPr txBox="1">
-              <a:spLocks/>
-            </p:cNvSpPr>
-            <p:nvPr/>
-          </p:nvSpPr>
-          <p:spPr>
-            <a:xfrm>
-              <a:off x="2615334" y="3886200"/>
-              <a:ext cx="2179477" cy="795600"/>
-            </a:xfrm>
-            <a:prstGeom prst="rect">
-              <a:avLst/>
-            </a:prstGeom>
-          </p:spPr>
-          <p:txBody>
-            <a:bodyPr spcFirstLastPara="1" wrap="square" lIns="91425" tIns="91425" rIns="91425" bIns="91425" anchor="ctr" anchorCtr="0">
-              <a:noAutofit/>
-            </a:bodyPr>
-            <a:lstStyle>
-              <a:lvl1pPr marL="0">
-                <a:defRPr b="0" i="0">
-                  <a:solidFill>
-                    <a:schemeClr val="tx1"/>
-                  </a:solidFill>
-                  <a:latin typeface="+mn-lt"/>
-                  <a:ea typeface="+mn-ea"/>
-                  <a:cs typeface="+mn-cs"/>
-                </a:defRPr>
-              </a:lvl1pPr>
-              <a:lvl2pPr marL="457200">
-                <a:defRPr>
-                  <a:latin typeface="+mn-lt"/>
-                  <a:ea typeface="+mn-ea"/>
-                  <a:cs typeface="+mn-cs"/>
-                </a:defRPr>
-              </a:lvl2pPr>
-              <a:lvl3pPr marL="914400">
-                <a:defRPr>
-                  <a:latin typeface="+mn-lt"/>
-                  <a:ea typeface="+mn-ea"/>
-                  <a:cs typeface="+mn-cs"/>
-                </a:defRPr>
-              </a:lvl3pPr>
-              <a:lvl4pPr marL="1371600">
-                <a:defRPr>
-                  <a:latin typeface="+mn-lt"/>
-                  <a:ea typeface="+mn-ea"/>
-                  <a:cs typeface="+mn-cs"/>
-                </a:defRPr>
-              </a:lvl4pPr>
-              <a:lvl5pPr marL="1828800">
-                <a:defRPr>
-                  <a:latin typeface="+mn-lt"/>
-                  <a:ea typeface="+mn-ea"/>
-                  <a:cs typeface="+mn-cs"/>
-                </a:defRPr>
-              </a:lvl5pPr>
-              <a:lvl6pPr marL="2286000">
-                <a:defRPr>
-                  <a:latin typeface="+mn-lt"/>
-                  <a:ea typeface="+mn-ea"/>
-                  <a:cs typeface="+mn-cs"/>
-                </a:defRPr>
-              </a:lvl6pPr>
-              <a:lvl7pPr marL="2743200">
-                <a:defRPr>
-                  <a:latin typeface="+mn-lt"/>
-                  <a:ea typeface="+mn-ea"/>
-                  <a:cs typeface="+mn-cs"/>
-                </a:defRPr>
-              </a:lvl7pPr>
-              <a:lvl8pPr marL="3200400">
-                <a:defRPr>
-                  <a:latin typeface="+mn-lt"/>
-                  <a:ea typeface="+mn-ea"/>
-                  <a:cs typeface="+mn-cs"/>
-                </a:defRPr>
-              </a:lvl8pPr>
-              <a:lvl9pPr marL="3657600">
-                <a:defRPr>
-                  <a:latin typeface="+mn-lt"/>
-                  <a:ea typeface="+mn-ea"/>
-                  <a:cs typeface="+mn-cs"/>
-                </a:defRPr>
-              </a:lvl9pPr>
-            </a:lstStyle>
-            <a:p>
-              <a:r>
-                <a:rPr lang="en" sz="2000" kern="0" dirty="0">
-                  <a:latin typeface="Calibri Light" panose="020F0302020204030204" pitchFamily="34" charset="0"/>
-                  <a:ea typeface="Calibri Light" panose="020F0302020204030204" pitchFamily="34" charset="0"/>
-                  <a:cs typeface="Calibri Light" panose="020F0302020204030204" pitchFamily="34" charset="0"/>
-                </a:rPr>
-                <a:t>Journalists, Researchers, Social Media Users, Teachers, Students, etc.</a:t>
-              </a:r>
-              <a:endParaRPr lang="en-US" sz="2000" kern="0" dirty="0">
-                <a:latin typeface="Calibri Light" panose="020F0302020204030204" pitchFamily="34" charset="0"/>
-                <a:ea typeface="Calibri Light" panose="020F0302020204030204" pitchFamily="34" charset="0"/>
-                <a:cs typeface="Calibri Light" panose="020F0302020204030204" pitchFamily="34" charset="0"/>
-              </a:endParaRPr>
-            </a:p>
-          </p:txBody>
-        </p:sp>
-        <p:sp>
-          <p:nvSpPr>
-            <p:cNvPr id="6" name="Google Shape;415;p67">
-              <a:extLst>
-                <a:ext uri="{FF2B5EF4-FFF2-40B4-BE49-F238E27FC236}">
-                  <a16:creationId xmlns:a16="http://schemas.microsoft.com/office/drawing/2014/main" id="{094C65B8-4CCC-9144-4768-291EAE724CC4}"/>
-                </a:ext>
-              </a:extLst>
-            </p:cNvPr>
-            <p:cNvSpPr txBox="1">
-              <a:spLocks/>
-            </p:cNvSpPr>
-            <p:nvPr/>
-          </p:nvSpPr>
-          <p:spPr>
-            <a:xfrm>
-              <a:off x="2832618" y="2961300"/>
-              <a:ext cx="1940045" cy="483600"/>
-            </a:xfrm>
-            <a:prstGeom prst="rect">
-              <a:avLst/>
-            </a:prstGeom>
-          </p:spPr>
-          <p:txBody>
-            <a:bodyPr spcFirstLastPara="1" wrap="square" lIns="91425" tIns="91425" rIns="91425" bIns="91425" anchor="ctr" anchorCtr="0">
-              <a:noAutofit/>
-            </a:bodyPr>
-            <a:lstStyle>
-              <a:lvl1pPr>
-                <a:defRPr>
-                  <a:latin typeface="+mj-lt"/>
-                  <a:ea typeface="+mj-ea"/>
-                  <a:cs typeface="+mj-cs"/>
-                </a:defRPr>
-              </a:lvl1pPr>
-            </a:lstStyle>
-            <a:p>
-              <a:pPr algn="ctr"/>
-              <a:r>
-                <a:rPr lang="pt-PT" sz="2400" kern="0" dirty="0">
-                  <a:solidFill>
-                    <a:sysClr val="windowText" lastClr="000000"/>
-                  </a:solidFill>
-                </a:rPr>
-                <a:t>Regular </a:t>
-              </a:r>
-              <a:r>
-                <a:rPr lang="pt-PT" sz="2400" kern="0" dirty="0" err="1">
-                  <a:solidFill>
-                    <a:sysClr val="windowText" lastClr="000000"/>
-                  </a:solidFill>
-                </a:rPr>
-                <a:t>User</a:t>
-              </a:r>
-              <a:endParaRPr lang="pt-PT" sz="2400" kern="0" dirty="0">
-                <a:solidFill>
-                  <a:sysClr val="windowText" lastClr="000000"/>
-                </a:solidFill>
-              </a:endParaRPr>
-            </a:p>
-            <a:p>
-              <a:pPr algn="ctr"/>
-              <a:r>
-                <a:rPr lang="pt-PT" sz="2400" kern="0" dirty="0">
-                  <a:solidFill>
-                    <a:sysClr val="windowText" lastClr="000000"/>
-                  </a:solidFill>
-                </a:rPr>
-                <a:t>(</a:t>
-              </a:r>
-              <a:r>
-                <a:rPr lang="pt-PT" sz="2400" kern="0" dirty="0" err="1">
-                  <a:solidFill>
-                    <a:sysClr val="windowText" lastClr="000000"/>
-                  </a:solidFill>
-                </a:rPr>
-                <a:t>most</a:t>
-              </a:r>
-              <a:r>
-                <a:rPr lang="pt-PT" sz="2400" kern="0" dirty="0">
-                  <a:solidFill>
-                    <a:sysClr val="windowText" lastClr="000000"/>
-                  </a:solidFill>
-                </a:rPr>
-                <a:t> </a:t>
-              </a:r>
-              <a:r>
-                <a:rPr lang="pt-PT" sz="2400" kern="0" dirty="0" err="1">
-                  <a:solidFill>
-                    <a:sysClr val="windowText" lastClr="000000"/>
-                  </a:solidFill>
-                </a:rPr>
-                <a:t>features</a:t>
-              </a:r>
-              <a:r>
-                <a:rPr lang="pt-PT" sz="2400" kern="0" dirty="0">
-                  <a:solidFill>
-                    <a:sysClr val="windowText" lastClr="000000"/>
-                  </a:solidFill>
-                </a:rPr>
-                <a:t>)</a:t>
-              </a:r>
-            </a:p>
-          </p:txBody>
-        </p:sp>
-        <p:sp>
-          <p:nvSpPr>
-            <p:cNvPr id="7" name="Google Shape;416;p67">
-              <a:extLst>
-                <a:ext uri="{FF2B5EF4-FFF2-40B4-BE49-F238E27FC236}">
-                  <a16:creationId xmlns:a16="http://schemas.microsoft.com/office/drawing/2014/main" id="{9722CD94-B522-23A4-44B4-4821D6262076}"/>
-                </a:ext>
-              </a:extLst>
-            </p:cNvPr>
-            <p:cNvSpPr txBox="1">
-              <a:spLocks/>
-            </p:cNvSpPr>
-            <p:nvPr/>
-          </p:nvSpPr>
-          <p:spPr>
-            <a:xfrm>
-              <a:off x="5163200" y="2979903"/>
-              <a:ext cx="2409300" cy="483600"/>
-            </a:xfrm>
-            <a:prstGeom prst="rect">
-              <a:avLst/>
-            </a:prstGeom>
-          </p:spPr>
-          <p:txBody>
-            <a:bodyPr spcFirstLastPara="1" wrap="square" lIns="91425" tIns="91425" rIns="91425" bIns="91425" anchor="ctr" anchorCtr="0">
-              <a:noAutofit/>
-            </a:bodyPr>
-            <a:lstStyle>
-              <a:lvl1pPr>
-                <a:defRPr>
-                  <a:latin typeface="+mj-lt"/>
-                  <a:ea typeface="+mj-ea"/>
-                  <a:cs typeface="+mj-cs"/>
-                </a:defRPr>
-              </a:lvl1pPr>
-            </a:lstStyle>
-            <a:p>
-              <a:pPr algn="ctr"/>
-              <a:r>
-                <a:rPr lang="en" sz="2400" kern="0" dirty="0">
-                  <a:solidFill>
-                    <a:sysClr val="windowText" lastClr="000000"/>
-                  </a:solidFill>
-                </a:rPr>
-                <a:t>Admin</a:t>
-              </a:r>
-            </a:p>
-            <a:p>
-              <a:pPr algn="ctr"/>
-              <a:r>
-                <a:rPr lang="en" sz="2400" kern="0" dirty="0">
-                  <a:solidFill>
-                    <a:sysClr val="windowText" lastClr="000000"/>
-                  </a:solidFill>
-                </a:rPr>
-                <a:t>(all permissions)</a:t>
-              </a:r>
-              <a:endParaRPr lang="en-US" kern="0" dirty="0">
-                <a:solidFill>
-                  <a:sysClr val="windowText" lastClr="000000"/>
-                </a:solidFill>
-              </a:endParaRPr>
-            </a:p>
-          </p:txBody>
-        </p:sp>
-        <p:sp>
-          <p:nvSpPr>
-            <p:cNvPr id="8" name="Google Shape;417;p67">
-              <a:extLst>
-                <a:ext uri="{FF2B5EF4-FFF2-40B4-BE49-F238E27FC236}">
-                  <a16:creationId xmlns:a16="http://schemas.microsoft.com/office/drawing/2014/main" id="{DF43F7EE-DEF0-1036-D466-7E3EE25D24AC}"/>
-                </a:ext>
-              </a:extLst>
-            </p:cNvPr>
-            <p:cNvSpPr txBox="1">
-              <a:spLocks/>
-            </p:cNvSpPr>
-            <p:nvPr/>
-          </p:nvSpPr>
-          <p:spPr>
-            <a:xfrm>
-              <a:off x="5287665" y="3900373"/>
-              <a:ext cx="2118550" cy="795600"/>
-            </a:xfrm>
-            <a:prstGeom prst="rect">
-              <a:avLst/>
-            </a:prstGeom>
-          </p:spPr>
-          <p:txBody>
-            <a:bodyPr spcFirstLastPara="1" wrap="square" lIns="91425" tIns="91425" rIns="91425" bIns="91425" anchor="ctr" anchorCtr="0">
-              <a:noAutofit/>
-            </a:bodyPr>
-            <a:lstStyle>
-              <a:lvl1pPr marL="0">
-                <a:defRPr>
-                  <a:latin typeface="+mn-lt"/>
-                  <a:ea typeface="+mn-ea"/>
-                  <a:cs typeface="+mn-cs"/>
-                </a:defRPr>
-              </a:lvl1pPr>
-              <a:lvl2pPr marL="457200">
-                <a:defRPr>
-                  <a:latin typeface="+mn-lt"/>
-                  <a:ea typeface="+mn-ea"/>
-                  <a:cs typeface="+mn-cs"/>
-                </a:defRPr>
-              </a:lvl2pPr>
-              <a:lvl3pPr marL="914400">
-                <a:defRPr>
-                  <a:latin typeface="+mn-lt"/>
-                  <a:ea typeface="+mn-ea"/>
-                  <a:cs typeface="+mn-cs"/>
-                </a:defRPr>
-              </a:lvl3pPr>
-              <a:lvl4pPr marL="1371600">
-                <a:defRPr>
-                  <a:latin typeface="+mn-lt"/>
-                  <a:ea typeface="+mn-ea"/>
-                  <a:cs typeface="+mn-cs"/>
-                </a:defRPr>
-              </a:lvl4pPr>
-              <a:lvl5pPr marL="1828800">
-                <a:defRPr>
-                  <a:latin typeface="+mn-lt"/>
-                  <a:ea typeface="+mn-ea"/>
-                  <a:cs typeface="+mn-cs"/>
-                </a:defRPr>
-              </a:lvl5pPr>
-              <a:lvl6pPr marL="2286000">
-                <a:defRPr>
-                  <a:latin typeface="+mn-lt"/>
-                  <a:ea typeface="+mn-ea"/>
-                  <a:cs typeface="+mn-cs"/>
-                </a:defRPr>
-              </a:lvl6pPr>
-              <a:lvl7pPr marL="2743200">
-                <a:defRPr>
-                  <a:latin typeface="+mn-lt"/>
-                  <a:ea typeface="+mn-ea"/>
-                  <a:cs typeface="+mn-cs"/>
-                </a:defRPr>
-              </a:lvl7pPr>
-              <a:lvl8pPr marL="3200400">
-                <a:defRPr>
-                  <a:latin typeface="+mn-lt"/>
-                  <a:ea typeface="+mn-ea"/>
-                  <a:cs typeface="+mn-cs"/>
-                </a:defRPr>
-              </a:lvl8pPr>
-              <a:lvl9pPr marL="3657600">
-                <a:defRPr>
-                  <a:latin typeface="+mn-lt"/>
-                  <a:ea typeface="+mn-ea"/>
-                  <a:cs typeface="+mn-cs"/>
-                </a:defRPr>
-              </a:lvl9pPr>
-            </a:lstStyle>
-            <a:p>
-              <a:pPr>
-                <a:spcAft>
-                  <a:spcPts val="600"/>
-                </a:spcAft>
-                <a:buClr>
-                  <a:schemeClr val="dk1"/>
-                </a:buClr>
-                <a:buSzPct val="100000"/>
-              </a:pPr>
-              <a:r>
-                <a:rPr lang="en" sz="2000" kern="0" dirty="0">
-                  <a:solidFill>
-                    <a:sysClr val="windowText" lastClr="000000"/>
-                  </a:solidFill>
-                  <a:latin typeface="Calibri Light" panose="020F0302020204030204" pitchFamily="34" charset="0"/>
-                  <a:ea typeface="Calibri Light" panose="020F0302020204030204" pitchFamily="34" charset="0"/>
-                  <a:cs typeface="Calibri Light" panose="020F0302020204030204" pitchFamily="34" charset="0"/>
-                </a:rPr>
-                <a:t>Our team (4).</a:t>
-              </a:r>
-            </a:p>
-            <a:p>
-              <a:pPr>
-                <a:buClr>
-                  <a:schemeClr val="dk1"/>
-                </a:buClr>
-                <a:buSzPct val="100000"/>
-              </a:pPr>
-              <a:r>
-                <a:rPr lang="en-US" sz="2000" kern="0" dirty="0">
-                  <a:solidFill>
-                    <a:sysClr val="windowText" lastClr="000000"/>
-                  </a:solidFill>
-                  <a:latin typeface="Calibri Light" panose="020F0302020204030204" pitchFamily="34" charset="0"/>
-                  <a:ea typeface="Calibri Light" panose="020F0302020204030204" pitchFamily="34" charset="0"/>
-                  <a:cs typeface="Calibri Light" panose="020F0302020204030204" pitchFamily="34" charset="0"/>
-                </a:rPr>
-                <a:t>Can accept/refuse and enable/disable LMs and metrics</a:t>
-              </a:r>
-            </a:p>
-          </p:txBody>
-        </p:sp>
-        <p:sp>
-          <p:nvSpPr>
-            <p:cNvPr id="9" name="Google Shape;418;p67">
-              <a:extLst>
-                <a:ext uri="{FF2B5EF4-FFF2-40B4-BE49-F238E27FC236}">
-                  <a16:creationId xmlns:a16="http://schemas.microsoft.com/office/drawing/2014/main" id="{E0BE6EC8-022E-924A-1F0C-06F13E6C9719}"/>
-                </a:ext>
-              </a:extLst>
-            </p:cNvPr>
-            <p:cNvSpPr txBox="1">
-              <a:spLocks/>
-            </p:cNvSpPr>
-            <p:nvPr/>
-          </p:nvSpPr>
-          <p:spPr>
-            <a:xfrm>
-              <a:off x="7751050" y="2979903"/>
-              <a:ext cx="2409300" cy="483600"/>
-            </a:xfrm>
-            <a:prstGeom prst="rect">
-              <a:avLst/>
-            </a:prstGeom>
-          </p:spPr>
-          <p:txBody>
-            <a:bodyPr spcFirstLastPara="1" wrap="square" lIns="91425" tIns="91425" rIns="91425" bIns="91425" anchor="ctr" anchorCtr="0">
-              <a:noAutofit/>
-            </a:bodyPr>
-            <a:lstStyle>
-              <a:defPPr>
-                <a:defRPr lang="pt-PT"/>
-              </a:defPPr>
-              <a:lvl1pPr marL="0" algn="ctr" defTabSz="914400" rtl="0" eaLnBrk="1" latinLnBrk="0" hangingPunct="1">
-                <a:defRPr sz="1800" kern="1200">
-                  <a:solidFill>
-                    <a:schemeClr val="tx1">
-                      <a:tint val="75000"/>
-                    </a:schemeClr>
-                  </a:solidFill>
-                  <a:latin typeface="+mn-lt"/>
-                  <a:ea typeface="+mn-ea"/>
-                  <a:cs typeface="+mn-cs"/>
-                </a:defRPr>
-              </a:lvl1pPr>
-              <a:lvl2pPr marL="457200" algn="l" defTabSz="914400" rtl="0" eaLnBrk="1" latinLnBrk="0" hangingPunct="1">
-                <a:defRPr sz="1800" kern="1200">
-                  <a:solidFill>
-                    <a:schemeClr val="tx1"/>
-                  </a:solidFill>
-                  <a:latin typeface="+mn-lt"/>
-                  <a:ea typeface="+mn-ea"/>
-                  <a:cs typeface="+mn-cs"/>
-                </a:defRPr>
-              </a:lvl2pPr>
-              <a:lvl3pPr marL="914400" algn="l" defTabSz="914400" rtl="0" eaLnBrk="1" latinLnBrk="0" hangingPunct="1">
-                <a:defRPr sz="1800" kern="1200">
-                  <a:solidFill>
-                    <a:schemeClr val="tx1"/>
-                  </a:solidFill>
-                  <a:latin typeface="+mn-lt"/>
-                  <a:ea typeface="+mn-ea"/>
-                  <a:cs typeface="+mn-cs"/>
-                </a:defRPr>
-              </a:lvl3pPr>
-              <a:lvl4pPr marL="1371600" algn="l" defTabSz="914400" rtl="0" eaLnBrk="1" latinLnBrk="0" hangingPunct="1">
-                <a:defRPr sz="1800" kern="1200">
-                  <a:solidFill>
-                    <a:schemeClr val="tx1"/>
-                  </a:solidFill>
-                  <a:latin typeface="+mn-lt"/>
-                  <a:ea typeface="+mn-ea"/>
-                  <a:cs typeface="+mn-cs"/>
-                </a:defRPr>
-              </a:lvl4pPr>
-              <a:lvl5pPr marL="1828800" algn="l" defTabSz="914400" rtl="0" eaLnBrk="1" latinLnBrk="0" hangingPunct="1">
-                <a:defRPr sz="1800" kern="1200">
-                  <a:solidFill>
-                    <a:schemeClr val="tx1"/>
-                  </a:solidFill>
-                  <a:latin typeface="+mn-lt"/>
-                  <a:ea typeface="+mn-ea"/>
-                  <a:cs typeface="+mn-cs"/>
-                </a:defRPr>
-              </a:lvl5pPr>
-              <a:lvl6pPr marL="2286000" algn="l" defTabSz="914400" rtl="0" eaLnBrk="1" latinLnBrk="0" hangingPunct="1">
-                <a:defRPr sz="1800" kern="1200">
-                  <a:solidFill>
-                    <a:schemeClr val="tx1"/>
-                  </a:solidFill>
-                  <a:latin typeface="+mn-lt"/>
-                  <a:ea typeface="+mn-ea"/>
-                  <a:cs typeface="+mn-cs"/>
-                </a:defRPr>
-              </a:lvl6pPr>
-              <a:lvl7pPr marL="2743200" algn="l" defTabSz="914400" rtl="0" eaLnBrk="1" latinLnBrk="0" hangingPunct="1">
-                <a:defRPr sz="1800" kern="1200">
-                  <a:solidFill>
-                    <a:schemeClr val="tx1"/>
-                  </a:solidFill>
-                  <a:latin typeface="+mn-lt"/>
-                  <a:ea typeface="+mn-ea"/>
-                  <a:cs typeface="+mn-cs"/>
-                </a:defRPr>
-              </a:lvl7pPr>
-              <a:lvl8pPr marL="3200400" algn="l" defTabSz="914400" rtl="0" eaLnBrk="1" latinLnBrk="0" hangingPunct="1">
-                <a:defRPr sz="1800" kern="1200">
-                  <a:solidFill>
-                    <a:schemeClr val="tx1"/>
-                  </a:solidFill>
-                  <a:latin typeface="+mn-lt"/>
-                  <a:ea typeface="+mn-ea"/>
-                  <a:cs typeface="+mn-cs"/>
-                </a:defRPr>
-              </a:lvl8pPr>
-              <a:lvl9pPr marL="3657600" algn="l" defTabSz="914400" rtl="0" eaLnBrk="1" latinLnBrk="0" hangingPunct="1">
-                <a:defRPr sz="1800" kern="1200">
-                  <a:solidFill>
-                    <a:schemeClr val="tx1"/>
-                  </a:solidFill>
-                  <a:latin typeface="+mn-lt"/>
-                  <a:ea typeface="+mn-ea"/>
-                  <a:cs typeface="+mn-cs"/>
-                </a:defRPr>
-              </a:lvl9pPr>
-            </a:lstStyle>
-            <a:p>
-              <a:pPr>
-                <a:buClr>
-                  <a:schemeClr val="dk1"/>
-                </a:buClr>
-                <a:buSzPts val="1100"/>
-              </a:pPr>
-              <a:r>
-                <a:rPr lang="pt-PT" sz="2400" dirty="0" err="1">
-                  <a:solidFill>
-                    <a:schemeClr val="tx1"/>
-                  </a:solidFill>
-                </a:rPr>
-                <a:t>External</a:t>
-              </a:r>
-              <a:r>
-                <a:rPr lang="pt-PT" sz="2400" dirty="0">
-                  <a:solidFill>
-                    <a:schemeClr val="tx1"/>
-                  </a:solidFill>
-                </a:rPr>
-                <a:t> LM </a:t>
-              </a:r>
-              <a:r>
-                <a:rPr lang="pt-PT" sz="2400" dirty="0" err="1">
-                  <a:solidFill>
-                    <a:schemeClr val="tx1"/>
-                  </a:solidFill>
-                </a:rPr>
-                <a:t>Developer</a:t>
-              </a:r>
-              <a:endParaRPr lang="pt-PT" sz="2400" dirty="0">
-                <a:solidFill>
-                  <a:schemeClr val="tx1"/>
-                </a:solidFill>
-              </a:endParaRPr>
-            </a:p>
-          </p:txBody>
-        </p:sp>
-        <p:sp>
-          <p:nvSpPr>
-            <p:cNvPr id="10" name="Google Shape;419;p67">
-              <a:extLst>
-                <a:ext uri="{FF2B5EF4-FFF2-40B4-BE49-F238E27FC236}">
-                  <a16:creationId xmlns:a16="http://schemas.microsoft.com/office/drawing/2014/main" id="{658A023A-7E00-D23C-97A2-717D1041CB63}"/>
-                </a:ext>
-              </a:extLst>
-            </p:cNvPr>
-            <p:cNvSpPr txBox="1">
-              <a:spLocks/>
-            </p:cNvSpPr>
-            <p:nvPr/>
-          </p:nvSpPr>
-          <p:spPr>
-            <a:xfrm>
-              <a:off x="7822349" y="3886200"/>
-              <a:ext cx="2266700" cy="795600"/>
-            </a:xfrm>
-            <a:prstGeom prst="rect">
-              <a:avLst/>
-            </a:prstGeom>
-          </p:spPr>
-          <p:txBody>
-            <a:bodyPr spcFirstLastPara="1" wrap="square" lIns="91425" tIns="91425" rIns="91425" bIns="91425" anchor="ctr" anchorCtr="0">
-              <a:noAutofit/>
-            </a:bodyPr>
-            <a:lstStyle>
-              <a:defPPr>
-                <a:defRPr lang="pt-PT"/>
-              </a:defPPr>
-              <a:lvl1pPr marL="0" algn="l" defTabSz="914400" rtl="0" eaLnBrk="1" latinLnBrk="0" hangingPunct="1">
-                <a:defRPr sz="1800" kern="1200">
-                  <a:solidFill>
-                    <a:schemeClr val="tx1">
-                      <a:tint val="75000"/>
-                    </a:schemeClr>
-                  </a:solidFill>
-                  <a:latin typeface="+mn-lt"/>
-                  <a:ea typeface="+mn-ea"/>
-                  <a:cs typeface="+mn-cs"/>
-                </a:defRPr>
-              </a:lvl1pPr>
-              <a:lvl2pPr marL="457200" algn="l" defTabSz="914400" rtl="0" eaLnBrk="1" latinLnBrk="0" hangingPunct="1">
-                <a:defRPr sz="1800" kern="1200">
-                  <a:solidFill>
-                    <a:schemeClr val="tx1"/>
-                  </a:solidFill>
-                  <a:latin typeface="+mn-lt"/>
-                  <a:ea typeface="+mn-ea"/>
-                  <a:cs typeface="+mn-cs"/>
-                </a:defRPr>
-              </a:lvl2pPr>
-              <a:lvl3pPr marL="914400" algn="l" defTabSz="914400" rtl="0" eaLnBrk="1" latinLnBrk="0" hangingPunct="1">
-                <a:defRPr sz="1800" kern="1200">
-                  <a:solidFill>
-                    <a:schemeClr val="tx1"/>
-                  </a:solidFill>
-                  <a:latin typeface="+mn-lt"/>
-                  <a:ea typeface="+mn-ea"/>
-                  <a:cs typeface="+mn-cs"/>
-                </a:defRPr>
-              </a:lvl3pPr>
-              <a:lvl4pPr marL="1371600" algn="l" defTabSz="914400" rtl="0" eaLnBrk="1" latinLnBrk="0" hangingPunct="1">
-                <a:defRPr sz="1800" kern="1200">
-                  <a:solidFill>
-                    <a:schemeClr val="tx1"/>
-                  </a:solidFill>
-                  <a:latin typeface="+mn-lt"/>
-                  <a:ea typeface="+mn-ea"/>
-                  <a:cs typeface="+mn-cs"/>
-                </a:defRPr>
-              </a:lvl4pPr>
-              <a:lvl5pPr marL="1828800" algn="l" defTabSz="914400" rtl="0" eaLnBrk="1" latinLnBrk="0" hangingPunct="1">
-                <a:defRPr sz="1800" kern="1200">
-                  <a:solidFill>
-                    <a:schemeClr val="tx1"/>
-                  </a:solidFill>
-                  <a:latin typeface="+mn-lt"/>
-                  <a:ea typeface="+mn-ea"/>
-                  <a:cs typeface="+mn-cs"/>
-                </a:defRPr>
-              </a:lvl5pPr>
-              <a:lvl6pPr marL="2286000" algn="l" defTabSz="914400" rtl="0" eaLnBrk="1" latinLnBrk="0" hangingPunct="1">
-                <a:defRPr sz="1800" kern="1200">
-                  <a:solidFill>
-                    <a:schemeClr val="tx1"/>
-                  </a:solidFill>
-                  <a:latin typeface="+mn-lt"/>
-                  <a:ea typeface="+mn-ea"/>
-                  <a:cs typeface="+mn-cs"/>
-                </a:defRPr>
-              </a:lvl6pPr>
-              <a:lvl7pPr marL="2743200" algn="l" defTabSz="914400" rtl="0" eaLnBrk="1" latinLnBrk="0" hangingPunct="1">
-                <a:defRPr sz="1800" kern="1200">
-                  <a:solidFill>
-                    <a:schemeClr val="tx1"/>
-                  </a:solidFill>
-                  <a:latin typeface="+mn-lt"/>
-                  <a:ea typeface="+mn-ea"/>
-                  <a:cs typeface="+mn-cs"/>
-                </a:defRPr>
-              </a:lvl7pPr>
-              <a:lvl8pPr marL="3200400" algn="l" defTabSz="914400" rtl="0" eaLnBrk="1" latinLnBrk="0" hangingPunct="1">
-                <a:defRPr sz="1800" kern="1200">
-                  <a:solidFill>
-                    <a:schemeClr val="tx1"/>
-                  </a:solidFill>
-                  <a:latin typeface="+mn-lt"/>
-                  <a:ea typeface="+mn-ea"/>
-                  <a:cs typeface="+mn-cs"/>
-                </a:defRPr>
-              </a:lvl8pPr>
-              <a:lvl9pPr marL="3657600" algn="l" defTabSz="914400" rtl="0" eaLnBrk="1" latinLnBrk="0" hangingPunct="1">
-                <a:defRPr sz="1800" kern="1200">
-                  <a:solidFill>
-                    <a:schemeClr val="tx1"/>
-                  </a:solidFill>
-                  <a:latin typeface="+mn-lt"/>
-                  <a:ea typeface="+mn-ea"/>
-                  <a:cs typeface="+mn-cs"/>
-                </a:defRPr>
-              </a:lvl9pPr>
-            </a:lstStyle>
-            <a:p>
-              <a:r>
-                <a:rPr lang="en-US" sz="2000" kern="0" dirty="0">
-                  <a:solidFill>
-                    <a:schemeClr val="tx1"/>
-                  </a:solidFill>
-                  <a:latin typeface="Calibri Light" panose="020F0302020204030204" pitchFamily="34" charset="0"/>
-                  <a:ea typeface="Calibri Light" panose="020F0302020204030204" pitchFamily="34" charset="0"/>
-                  <a:cs typeface="Calibri Light" panose="020F0302020204030204" pitchFamily="34" charset="0"/>
-                </a:rPr>
-                <a:t>Can add their LM / metrics</a:t>
-              </a:r>
-              <a:endParaRPr lang="en-US" sz="1600" dirty="0">
-                <a:solidFill>
-                  <a:schemeClr val="tx1"/>
-                </a:solidFill>
-                <a:latin typeface="Calibri Light" panose="020F0302020204030204" pitchFamily="34" charset="0"/>
-                <a:ea typeface="Calibri Light" panose="020F0302020204030204" pitchFamily="34" charset="0"/>
-                <a:cs typeface="Calibri Light" panose="020F0302020204030204" pitchFamily="34" charset="0"/>
-              </a:endParaRPr>
-            </a:p>
-          </p:txBody>
-        </p:sp>
-        <p:grpSp>
-          <p:nvGrpSpPr>
-            <p:cNvPr id="11" name="Google Shape;420;p67">
-              <a:extLst>
-                <a:ext uri="{FF2B5EF4-FFF2-40B4-BE49-F238E27FC236}">
-                  <a16:creationId xmlns:a16="http://schemas.microsoft.com/office/drawing/2014/main" id="{FCCE4F39-8782-5E96-B0D8-97CC001026E5}"/>
-                </a:ext>
-              </a:extLst>
-            </p:cNvPr>
-            <p:cNvGrpSpPr/>
-            <p:nvPr/>
-          </p:nvGrpSpPr>
-          <p:grpSpPr>
-            <a:xfrm>
-              <a:off x="3440539" y="2296878"/>
-              <a:ext cx="616221" cy="537321"/>
-              <a:chOff x="1182450" y="565125"/>
-              <a:chExt cx="5235525" cy="4565175"/>
-            </a:xfrm>
-          </p:grpSpPr>
-          <p:sp>
-            <p:nvSpPr>
-              <p:cNvPr id="12" name="Google Shape;421;p67">
-                <a:extLst>
-                  <a:ext uri="{FF2B5EF4-FFF2-40B4-BE49-F238E27FC236}">
-                    <a16:creationId xmlns:a16="http://schemas.microsoft.com/office/drawing/2014/main" id="{2F2EBB22-5E24-DCDE-FDCB-67F3734A66B0}"/>
-                  </a:ext>
-                </a:extLst>
-              </p:cNvPr>
-              <p:cNvSpPr/>
-              <p:nvPr/>
-            </p:nvSpPr>
-            <p:spPr>
-              <a:xfrm>
-                <a:off x="4039150" y="3924975"/>
-                <a:ext cx="439575" cy="153325"/>
-              </a:xfrm>
-              <a:custGeom>
-                <a:avLst/>
-                <a:gdLst/>
-                <a:ahLst/>
-                <a:cxnLst/>
-                <a:rect l="l" t="t" r="r" b="b"/>
-                <a:pathLst>
-                  <a:path w="17583" h="6133" extrusionOk="0">
-                    <a:moveTo>
-                      <a:pt x="3066" y="0"/>
-                    </a:moveTo>
-                    <a:cubicBezTo>
-                      <a:pt x="1370" y="0"/>
-                      <a:pt x="0" y="1370"/>
-                      <a:pt x="0" y="3067"/>
-                    </a:cubicBezTo>
-                    <a:cubicBezTo>
-                      <a:pt x="0" y="4763"/>
-                      <a:pt x="1370" y="6133"/>
-                      <a:pt x="3066" y="6133"/>
-                    </a:cubicBezTo>
-                    <a:lnTo>
-                      <a:pt x="14516" y="6133"/>
-                    </a:lnTo>
-                    <a:cubicBezTo>
-                      <a:pt x="16212" y="6133"/>
-                      <a:pt x="17582" y="4763"/>
-                      <a:pt x="17582" y="3067"/>
-                    </a:cubicBezTo>
-                    <a:cubicBezTo>
-                      <a:pt x="17582" y="1370"/>
-                      <a:pt x="16212" y="0"/>
-                      <a:pt x="14516" y="0"/>
-                    </a:cubicBezTo>
-                    <a:close/>
-                  </a:path>
-                </a:pathLst>
-              </a:custGeom>
-              <a:solidFill>
-                <a:schemeClr val="dk2"/>
-              </a:solidFill>
-              <a:ln>
-                <a:noFill/>
-              </a:ln>
-            </p:spPr>
-            <p:txBody>
-              <a:bodyPr spcFirstLastPara="1" wrap="square" lIns="91425" tIns="91425" rIns="91425" bIns="91425" anchor="ctr" anchorCtr="0">
-                <a:noAutofit/>
-              </a:bodyPr>
-              <a:lstStyle/>
-              <a:p>
-                <a:pPr marL="0" lvl="0" indent="0" algn="l" rtl="0">
-                  <a:spcBef>
-                    <a:spcPts val="0"/>
-                  </a:spcBef>
-                  <a:spcAft>
-                    <a:spcPts val="0"/>
-                  </a:spcAft>
-                  <a:buNone/>
-                </a:pPr>
-                <a:endParaRPr/>
-              </a:p>
-            </p:txBody>
-          </p:sp>
-          <p:sp>
-            <p:nvSpPr>
-              <p:cNvPr id="13" name="Google Shape;422;p67">
-                <a:extLst>
-                  <a:ext uri="{FF2B5EF4-FFF2-40B4-BE49-F238E27FC236}">
-                    <a16:creationId xmlns:a16="http://schemas.microsoft.com/office/drawing/2014/main" id="{5C57A3A0-EFF3-D188-AAEC-01A607F5B92A}"/>
-                  </a:ext>
-                </a:extLst>
-              </p:cNvPr>
-              <p:cNvSpPr/>
-              <p:nvPr/>
-            </p:nvSpPr>
-            <p:spPr>
-              <a:xfrm>
-                <a:off x="3429975" y="565200"/>
-                <a:ext cx="2988000" cy="4565100"/>
-              </a:xfrm>
-              <a:custGeom>
-                <a:avLst/>
-                <a:gdLst/>
-                <a:ahLst/>
-                <a:cxnLst/>
-                <a:rect l="l" t="t" r="r" b="b"/>
-                <a:pathLst>
-                  <a:path w="119520" h="182604" extrusionOk="0">
-                    <a:moveTo>
-                      <a:pt x="59316" y="6108"/>
-                    </a:moveTo>
-                    <a:cubicBezTo>
-                      <a:pt x="69616" y="6108"/>
-                      <a:pt x="77599" y="9106"/>
-                      <a:pt x="82528" y="14807"/>
-                    </a:cubicBezTo>
-                    <a:cubicBezTo>
-                      <a:pt x="88009" y="21103"/>
-                      <a:pt x="89803" y="30823"/>
-                      <a:pt x="87845" y="42958"/>
-                    </a:cubicBezTo>
-                    <a:cubicBezTo>
-                      <a:pt x="87706" y="42952"/>
-                      <a:pt x="87563" y="42950"/>
-                      <a:pt x="87418" y="42950"/>
-                    </a:cubicBezTo>
-                    <a:cubicBezTo>
-                      <a:pt x="86717" y="42950"/>
-                      <a:pt x="85965" y="43013"/>
-                      <a:pt x="85236" y="43121"/>
-                    </a:cubicBezTo>
-                    <a:lnTo>
-                      <a:pt x="82365" y="36238"/>
-                    </a:lnTo>
-                    <a:cubicBezTo>
-                      <a:pt x="81880" y="35079"/>
-                      <a:pt x="80749" y="34344"/>
-                      <a:pt x="79543" y="34344"/>
-                    </a:cubicBezTo>
-                    <a:cubicBezTo>
-                      <a:pt x="79289" y="34344"/>
-                      <a:pt x="79032" y="34376"/>
-                      <a:pt x="78777" y="34444"/>
-                    </a:cubicBezTo>
-                    <a:cubicBezTo>
-                      <a:pt x="78632" y="34476"/>
-                      <a:pt x="71653" y="36247"/>
-                      <a:pt x="63202" y="36247"/>
-                    </a:cubicBezTo>
-                    <a:cubicBezTo>
-                      <a:pt x="54560" y="36247"/>
-                      <a:pt x="44380" y="34396"/>
-                      <a:pt x="38394" y="26942"/>
-                    </a:cubicBezTo>
-                    <a:cubicBezTo>
-                      <a:pt x="37797" y="26177"/>
-                      <a:pt x="36912" y="25786"/>
-                      <a:pt x="36014" y="25786"/>
-                    </a:cubicBezTo>
-                    <a:cubicBezTo>
-                      <a:pt x="35341" y="25786"/>
-                      <a:pt x="34661" y="26005"/>
-                      <a:pt x="34088" y="26452"/>
-                    </a:cubicBezTo>
-                    <a:cubicBezTo>
-                      <a:pt x="32783" y="27529"/>
-                      <a:pt x="32555" y="29453"/>
-                      <a:pt x="33631" y="30758"/>
-                    </a:cubicBezTo>
-                    <a:cubicBezTo>
-                      <a:pt x="41144" y="40114"/>
-                      <a:pt x="53233" y="42392"/>
-                      <a:pt x="63232" y="42392"/>
-                    </a:cubicBezTo>
-                    <a:cubicBezTo>
-                      <a:pt x="69341" y="42392"/>
-                      <a:pt x="74670" y="41542"/>
-                      <a:pt x="77701" y="40935"/>
-                    </a:cubicBezTo>
-                    <a:lnTo>
-                      <a:pt x="79919" y="46285"/>
-                    </a:lnTo>
-                    <a:cubicBezTo>
-                      <a:pt x="80710" y="48194"/>
-                      <a:pt x="82549" y="49396"/>
-                      <a:pt x="84541" y="49396"/>
-                    </a:cubicBezTo>
-                    <a:cubicBezTo>
-                      <a:pt x="84932" y="49396"/>
-                      <a:pt x="85329" y="49350"/>
-                      <a:pt x="85725" y="49254"/>
-                    </a:cubicBezTo>
-                    <a:cubicBezTo>
-                      <a:pt x="86363" y="49105"/>
-                      <a:pt x="86987" y="49053"/>
-                      <a:pt x="87443" y="49053"/>
-                    </a:cubicBezTo>
-                    <a:cubicBezTo>
-                      <a:pt x="87687" y="49053"/>
-                      <a:pt x="87884" y="49068"/>
-                      <a:pt x="88009" y="49090"/>
-                    </a:cubicBezTo>
-                    <a:cubicBezTo>
-                      <a:pt x="89248" y="49351"/>
-                      <a:pt x="90194" y="50558"/>
-                      <a:pt x="90194" y="51961"/>
-                    </a:cubicBezTo>
-                    <a:lnTo>
-                      <a:pt x="90194" y="54179"/>
-                    </a:lnTo>
-                    <a:cubicBezTo>
-                      <a:pt x="90194" y="55647"/>
-                      <a:pt x="89281" y="56919"/>
-                      <a:pt x="88041" y="57180"/>
-                    </a:cubicBezTo>
-                    <a:cubicBezTo>
-                      <a:pt x="87880" y="57203"/>
-                      <a:pt x="87718" y="57226"/>
-                      <a:pt x="87557" y="57226"/>
-                    </a:cubicBezTo>
-                    <a:cubicBezTo>
-                      <a:pt x="87490" y="57226"/>
-                      <a:pt x="87423" y="57222"/>
-                      <a:pt x="87356" y="57213"/>
-                    </a:cubicBezTo>
-                    <a:cubicBezTo>
-                      <a:pt x="87230" y="57204"/>
-                      <a:pt x="87105" y="57200"/>
-                      <a:pt x="86980" y="57200"/>
-                    </a:cubicBezTo>
-                    <a:cubicBezTo>
-                      <a:pt x="84190" y="57200"/>
-                      <a:pt x="81658" y="59263"/>
-                      <a:pt x="81158" y="62073"/>
-                    </a:cubicBezTo>
-                    <a:cubicBezTo>
-                      <a:pt x="78940" y="74208"/>
-                      <a:pt x="68371" y="82983"/>
-                      <a:pt x="56041" y="82983"/>
-                    </a:cubicBezTo>
-                    <a:cubicBezTo>
-                      <a:pt x="43743" y="82983"/>
-                      <a:pt x="33175" y="74208"/>
-                      <a:pt x="30956" y="62073"/>
-                    </a:cubicBezTo>
-                    <a:cubicBezTo>
-                      <a:pt x="30426" y="59263"/>
-                      <a:pt x="27922" y="57200"/>
-                      <a:pt x="25135" y="57200"/>
-                    </a:cubicBezTo>
-                    <a:cubicBezTo>
-                      <a:pt x="25010" y="57200"/>
-                      <a:pt x="24884" y="57204"/>
-                      <a:pt x="24759" y="57213"/>
-                    </a:cubicBezTo>
-                    <a:cubicBezTo>
-                      <a:pt x="24692" y="57222"/>
-                      <a:pt x="24625" y="57226"/>
-                      <a:pt x="24557" y="57226"/>
-                    </a:cubicBezTo>
-                    <a:cubicBezTo>
-                      <a:pt x="24394" y="57226"/>
-                      <a:pt x="24226" y="57203"/>
-                      <a:pt x="24041" y="57180"/>
-                    </a:cubicBezTo>
-                    <a:cubicBezTo>
-                      <a:pt x="22834" y="56919"/>
-                      <a:pt x="21921" y="55647"/>
-                      <a:pt x="21921" y="54212"/>
-                    </a:cubicBezTo>
-                    <a:lnTo>
-                      <a:pt x="21921" y="51994"/>
-                    </a:lnTo>
-                    <a:cubicBezTo>
-                      <a:pt x="21921" y="50591"/>
-                      <a:pt x="22867" y="49319"/>
-                      <a:pt x="24074" y="49090"/>
-                    </a:cubicBezTo>
-                    <a:cubicBezTo>
-                      <a:pt x="24233" y="49065"/>
-                      <a:pt x="24392" y="49052"/>
-                      <a:pt x="24549" y="49052"/>
-                    </a:cubicBezTo>
-                    <a:cubicBezTo>
-                      <a:pt x="25385" y="49052"/>
-                      <a:pt x="26161" y="49415"/>
-                      <a:pt x="26683" y="50102"/>
-                    </a:cubicBezTo>
-                    <a:cubicBezTo>
-                      <a:pt x="27238" y="50819"/>
-                      <a:pt x="27988" y="51341"/>
-                      <a:pt x="28869" y="51602"/>
-                    </a:cubicBezTo>
-                    <a:cubicBezTo>
-                      <a:pt x="29270" y="51729"/>
-                      <a:pt x="29686" y="51791"/>
-                      <a:pt x="30101" y="51791"/>
-                    </a:cubicBezTo>
-                    <a:cubicBezTo>
-                      <a:pt x="30965" y="51791"/>
-                      <a:pt x="31827" y="51522"/>
-                      <a:pt x="32555" y="51015"/>
-                    </a:cubicBezTo>
-                    <a:cubicBezTo>
-                      <a:pt x="34479" y="49678"/>
-                      <a:pt x="36143" y="48014"/>
-                      <a:pt x="37578" y="46122"/>
-                    </a:cubicBezTo>
-                    <a:cubicBezTo>
-                      <a:pt x="38589" y="44752"/>
-                      <a:pt x="38296" y="42827"/>
-                      <a:pt x="36926" y="41816"/>
-                    </a:cubicBezTo>
-                    <a:cubicBezTo>
-                      <a:pt x="36386" y="41422"/>
-                      <a:pt x="35752" y="41229"/>
-                      <a:pt x="35120" y="41229"/>
-                    </a:cubicBezTo>
-                    <a:cubicBezTo>
-                      <a:pt x="34185" y="41229"/>
-                      <a:pt x="33256" y="41651"/>
-                      <a:pt x="32653" y="42469"/>
-                    </a:cubicBezTo>
-                    <a:cubicBezTo>
-                      <a:pt x="31968" y="43415"/>
-                      <a:pt x="31152" y="44263"/>
-                      <a:pt x="30271" y="45046"/>
-                    </a:cubicBezTo>
-                    <a:cubicBezTo>
-                      <a:pt x="29293" y="44197"/>
-                      <a:pt x="28184" y="43610"/>
-                      <a:pt x="26977" y="43252"/>
-                    </a:cubicBezTo>
-                    <a:cubicBezTo>
-                      <a:pt x="26161" y="40250"/>
-                      <a:pt x="24791" y="33792"/>
-                      <a:pt x="24791" y="26028"/>
-                    </a:cubicBezTo>
-                    <a:cubicBezTo>
-                      <a:pt x="24791" y="21331"/>
-                      <a:pt x="26227" y="18036"/>
-                      <a:pt x="29064" y="16242"/>
-                    </a:cubicBezTo>
-                    <a:cubicBezTo>
-                      <a:pt x="31283" y="14840"/>
-                      <a:pt x="33631" y="14774"/>
-                      <a:pt x="33631" y="14774"/>
-                    </a:cubicBezTo>
-                    <a:cubicBezTo>
-                      <a:pt x="34414" y="14774"/>
-                      <a:pt x="35197" y="14481"/>
-                      <a:pt x="35752" y="13926"/>
-                    </a:cubicBezTo>
-                    <a:cubicBezTo>
-                      <a:pt x="35817" y="13861"/>
-                      <a:pt x="43352" y="6880"/>
-                      <a:pt x="56204" y="6195"/>
-                    </a:cubicBezTo>
-                    <a:cubicBezTo>
-                      <a:pt x="57264" y="6137"/>
-                      <a:pt x="58301" y="6108"/>
-                      <a:pt x="59316" y="6108"/>
-                    </a:cubicBezTo>
-                    <a:close/>
-                    <a:moveTo>
-                      <a:pt x="73036" y="84157"/>
-                    </a:moveTo>
-                    <a:lnTo>
-                      <a:pt x="73036" y="90028"/>
-                    </a:lnTo>
-                    <a:lnTo>
-                      <a:pt x="56041" y="104870"/>
-                    </a:lnTo>
-                    <a:lnTo>
-                      <a:pt x="39079" y="90028"/>
-                    </a:lnTo>
-                    <a:lnTo>
-                      <a:pt x="39079" y="84157"/>
-                    </a:lnTo>
-                    <a:cubicBezTo>
-                      <a:pt x="44004" y="87288"/>
-                      <a:pt x="49843" y="89115"/>
-                      <a:pt x="56041" y="89115"/>
-                    </a:cubicBezTo>
-                    <a:cubicBezTo>
-                      <a:pt x="62239" y="89115"/>
-                      <a:pt x="68078" y="87288"/>
-                      <a:pt x="73036" y="84157"/>
-                    </a:cubicBezTo>
-                    <a:close/>
-                    <a:moveTo>
-                      <a:pt x="33305" y="93095"/>
-                    </a:moveTo>
-                    <a:lnTo>
-                      <a:pt x="51572" y="109078"/>
-                    </a:lnTo>
-                    <a:lnTo>
-                      <a:pt x="44526" y="116124"/>
-                    </a:lnTo>
-                    <a:cubicBezTo>
-                      <a:pt x="43855" y="116795"/>
-                      <a:pt x="43088" y="116915"/>
-                      <a:pt x="42595" y="116915"/>
-                    </a:cubicBezTo>
-                    <a:cubicBezTo>
-                      <a:pt x="42513" y="116915"/>
-                      <a:pt x="42439" y="116912"/>
-                      <a:pt x="42373" y="116907"/>
-                    </a:cubicBezTo>
-                    <a:cubicBezTo>
-                      <a:pt x="41917" y="116875"/>
-                      <a:pt x="41036" y="116646"/>
-                      <a:pt x="40416" y="115733"/>
-                    </a:cubicBezTo>
-                    <a:lnTo>
-                      <a:pt x="28510" y="97890"/>
-                    </a:lnTo>
-                    <a:lnTo>
-                      <a:pt x="33305" y="93095"/>
-                    </a:lnTo>
-                    <a:close/>
-                    <a:moveTo>
-                      <a:pt x="78810" y="93095"/>
-                    </a:moveTo>
-                    <a:lnTo>
-                      <a:pt x="83605" y="97890"/>
-                    </a:lnTo>
-                    <a:lnTo>
-                      <a:pt x="71699" y="115733"/>
-                    </a:lnTo>
-                    <a:cubicBezTo>
-                      <a:pt x="71079" y="116646"/>
-                      <a:pt x="70198" y="116875"/>
-                      <a:pt x="69741" y="116907"/>
-                    </a:cubicBezTo>
-                    <a:cubicBezTo>
-                      <a:pt x="69672" y="116912"/>
-                      <a:pt x="69594" y="116915"/>
-                      <a:pt x="69509" y="116915"/>
-                    </a:cubicBezTo>
-                    <a:cubicBezTo>
-                      <a:pt x="69002" y="116915"/>
-                      <a:pt x="68260" y="116795"/>
-                      <a:pt x="67589" y="116124"/>
-                    </a:cubicBezTo>
-                    <a:lnTo>
-                      <a:pt x="60510" y="109078"/>
-                    </a:lnTo>
-                    <a:lnTo>
-                      <a:pt x="78810" y="93095"/>
-                    </a:lnTo>
-                    <a:close/>
-                    <a:moveTo>
-                      <a:pt x="56041" y="113254"/>
-                    </a:moveTo>
-                    <a:lnTo>
-                      <a:pt x="58781" y="115961"/>
-                    </a:lnTo>
-                    <a:lnTo>
-                      <a:pt x="58944" y="120169"/>
-                    </a:lnTo>
-                    <a:lnTo>
-                      <a:pt x="53138" y="120169"/>
-                    </a:lnTo>
-                    <a:lnTo>
-                      <a:pt x="53334" y="115961"/>
-                    </a:lnTo>
-                    <a:lnTo>
-                      <a:pt x="56041" y="113254"/>
-                    </a:lnTo>
-                    <a:close/>
-                    <a:moveTo>
-                      <a:pt x="59317" y="0"/>
-                    </a:moveTo>
-                    <a:cubicBezTo>
-                      <a:pt x="58193" y="0"/>
-                      <a:pt x="57046" y="32"/>
-                      <a:pt x="55878" y="95"/>
-                    </a:cubicBezTo>
-                    <a:cubicBezTo>
-                      <a:pt x="43189" y="780"/>
-                      <a:pt x="35001" y="6619"/>
-                      <a:pt x="32392" y="8740"/>
-                    </a:cubicBezTo>
-                    <a:cubicBezTo>
-                      <a:pt x="30989" y="8903"/>
-                      <a:pt x="28543" y="9425"/>
-                      <a:pt x="26096" y="10893"/>
-                    </a:cubicBezTo>
-                    <a:cubicBezTo>
-                      <a:pt x="22704" y="12915"/>
-                      <a:pt x="18659" y="17221"/>
-                      <a:pt x="18659" y="26028"/>
-                    </a:cubicBezTo>
-                    <a:cubicBezTo>
-                      <a:pt x="18659" y="33727"/>
-                      <a:pt x="19898" y="40153"/>
-                      <a:pt x="20779" y="43806"/>
-                    </a:cubicBezTo>
-                    <a:cubicBezTo>
-                      <a:pt x="17811" y="45241"/>
-                      <a:pt x="15788" y="48405"/>
-                      <a:pt x="15788" y="51994"/>
-                    </a:cubicBezTo>
-                    <a:lnTo>
-                      <a:pt x="15788" y="54179"/>
-                    </a:lnTo>
-                    <a:cubicBezTo>
-                      <a:pt x="15788" y="58550"/>
-                      <a:pt x="18757" y="62334"/>
-                      <a:pt x="22834" y="63182"/>
-                    </a:cubicBezTo>
-                    <a:cubicBezTo>
-                      <a:pt x="23402" y="63290"/>
-                      <a:pt x="24014" y="63354"/>
-                      <a:pt x="24597" y="63354"/>
-                    </a:cubicBezTo>
-                    <a:cubicBezTo>
-                      <a:pt x="24717" y="63354"/>
-                      <a:pt x="24837" y="63351"/>
-                      <a:pt x="24954" y="63345"/>
-                    </a:cubicBezTo>
-                    <a:cubicBezTo>
-                      <a:pt x="26129" y="69413"/>
-                      <a:pt x="28967" y="74828"/>
-                      <a:pt x="32979" y="79101"/>
-                    </a:cubicBezTo>
-                    <a:lnTo>
-                      <a:pt x="32979" y="85853"/>
-                    </a:lnTo>
-                    <a:cubicBezTo>
-                      <a:pt x="32261" y="85886"/>
-                      <a:pt x="31544" y="86212"/>
-                      <a:pt x="30989" y="86734"/>
-                    </a:cubicBezTo>
-                    <a:lnTo>
-                      <a:pt x="22508" y="95248"/>
-                    </a:lnTo>
-                    <a:lnTo>
-                      <a:pt x="5872" y="101641"/>
-                    </a:lnTo>
-                    <a:cubicBezTo>
-                      <a:pt x="4404" y="102196"/>
-                      <a:pt x="3034" y="102946"/>
-                      <a:pt x="1762" y="103794"/>
-                    </a:cubicBezTo>
-                    <a:cubicBezTo>
-                      <a:pt x="359" y="104740"/>
-                      <a:pt x="0" y="106632"/>
-                      <a:pt x="946" y="108035"/>
-                    </a:cubicBezTo>
-                    <a:cubicBezTo>
-                      <a:pt x="1533" y="108915"/>
-                      <a:pt x="2512" y="109372"/>
-                      <a:pt x="3490" y="109372"/>
-                    </a:cubicBezTo>
-                    <a:cubicBezTo>
-                      <a:pt x="4078" y="109372"/>
-                      <a:pt x="4665" y="109209"/>
-                      <a:pt x="5219" y="108850"/>
-                    </a:cubicBezTo>
-                    <a:cubicBezTo>
-                      <a:pt x="6100" y="108263"/>
-                      <a:pt x="7046" y="107741"/>
-                      <a:pt x="8057" y="107350"/>
-                    </a:cubicBezTo>
-                    <a:lnTo>
-                      <a:pt x="23519" y="101413"/>
-                    </a:lnTo>
-                    <a:lnTo>
-                      <a:pt x="35327" y="119125"/>
-                    </a:lnTo>
-                    <a:cubicBezTo>
-                      <a:pt x="36795" y="121311"/>
-                      <a:pt x="39144" y="122746"/>
-                      <a:pt x="41786" y="123007"/>
-                    </a:cubicBezTo>
-                    <a:cubicBezTo>
-                      <a:pt x="42047" y="123007"/>
-                      <a:pt x="42341" y="123040"/>
-                      <a:pt x="42634" y="123040"/>
-                    </a:cubicBezTo>
-                    <a:cubicBezTo>
-                      <a:pt x="44167" y="123040"/>
-                      <a:pt x="45635" y="122648"/>
-                      <a:pt x="46940" y="121898"/>
-                    </a:cubicBezTo>
-                    <a:lnTo>
-                      <a:pt x="46940" y="121898"/>
-                    </a:lnTo>
-                    <a:lnTo>
-                      <a:pt x="44428" y="179407"/>
-                    </a:lnTo>
-                    <a:cubicBezTo>
-                      <a:pt x="44331" y="181103"/>
-                      <a:pt x="45635" y="182538"/>
-                      <a:pt x="47332" y="182604"/>
-                    </a:cubicBezTo>
-                    <a:lnTo>
-                      <a:pt x="47462" y="182604"/>
-                    </a:lnTo>
-                    <a:cubicBezTo>
-                      <a:pt x="49093" y="182604"/>
-                      <a:pt x="50463" y="181331"/>
-                      <a:pt x="50528" y="179700"/>
-                    </a:cubicBezTo>
-                    <a:lnTo>
-                      <a:pt x="52877" y="126302"/>
-                    </a:lnTo>
-                    <a:lnTo>
-                      <a:pt x="59238" y="126302"/>
-                    </a:lnTo>
-                    <a:lnTo>
-                      <a:pt x="61586" y="179700"/>
-                    </a:lnTo>
-                    <a:cubicBezTo>
-                      <a:pt x="61652" y="181331"/>
-                      <a:pt x="63022" y="182604"/>
-                      <a:pt x="64620" y="182604"/>
-                    </a:cubicBezTo>
-                    <a:lnTo>
-                      <a:pt x="64783" y="182604"/>
-                    </a:lnTo>
-                    <a:cubicBezTo>
-                      <a:pt x="66447" y="182538"/>
-                      <a:pt x="67752" y="181103"/>
-                      <a:pt x="67686" y="179407"/>
-                    </a:cubicBezTo>
-                    <a:lnTo>
-                      <a:pt x="65142" y="121898"/>
-                    </a:lnTo>
-                    <a:lnTo>
-                      <a:pt x="65142" y="121898"/>
-                    </a:lnTo>
-                    <a:cubicBezTo>
-                      <a:pt x="66447" y="122648"/>
-                      <a:pt x="67947" y="123040"/>
-                      <a:pt x="69448" y="123040"/>
-                    </a:cubicBezTo>
-                    <a:cubicBezTo>
-                      <a:pt x="69741" y="123040"/>
-                      <a:pt x="70035" y="123007"/>
-                      <a:pt x="70329" y="123007"/>
-                    </a:cubicBezTo>
-                    <a:cubicBezTo>
-                      <a:pt x="72971" y="122746"/>
-                      <a:pt x="75319" y="121311"/>
-                      <a:pt x="76787" y="119125"/>
-                    </a:cubicBezTo>
-                    <a:lnTo>
-                      <a:pt x="88596" y="101413"/>
-                    </a:lnTo>
-                    <a:lnTo>
-                      <a:pt x="104058" y="107350"/>
-                    </a:lnTo>
-                    <a:cubicBezTo>
-                      <a:pt x="106210" y="108198"/>
-                      <a:pt x="108070" y="109535"/>
-                      <a:pt x="109538" y="111199"/>
-                    </a:cubicBezTo>
-                    <a:lnTo>
-                      <a:pt x="98969" y="121768"/>
-                    </a:lnTo>
-                    <a:cubicBezTo>
-                      <a:pt x="95152" y="125584"/>
-                      <a:pt x="93065" y="130673"/>
-                      <a:pt x="93065" y="136055"/>
-                    </a:cubicBezTo>
-                    <a:lnTo>
-                      <a:pt x="93065" y="179537"/>
-                    </a:lnTo>
-                    <a:cubicBezTo>
-                      <a:pt x="93065" y="181234"/>
-                      <a:pt x="94402" y="182604"/>
-                      <a:pt x="96098" y="182604"/>
-                    </a:cubicBezTo>
-                    <a:cubicBezTo>
-                      <a:pt x="97795" y="182604"/>
-                      <a:pt x="99165" y="181234"/>
-                      <a:pt x="99165" y="179537"/>
-                    </a:cubicBezTo>
-                    <a:lnTo>
-                      <a:pt x="99165" y="136055"/>
-                    </a:lnTo>
-                    <a:cubicBezTo>
-                      <a:pt x="99165" y="132304"/>
-                      <a:pt x="100632" y="128748"/>
-                      <a:pt x="103307" y="126106"/>
-                    </a:cubicBezTo>
-                    <a:lnTo>
-                      <a:pt x="112571" y="116809"/>
-                    </a:lnTo>
-                    <a:cubicBezTo>
-                      <a:pt x="112963" y="118179"/>
-                      <a:pt x="113126" y="119615"/>
-                      <a:pt x="113061" y="121083"/>
-                    </a:cubicBezTo>
-                    <a:lnTo>
-                      <a:pt x="110712" y="179439"/>
-                    </a:lnTo>
-                    <a:cubicBezTo>
-                      <a:pt x="110614" y="181103"/>
-                      <a:pt x="111952" y="182538"/>
-                      <a:pt x="113615" y="182604"/>
-                    </a:cubicBezTo>
-                    <a:lnTo>
-                      <a:pt x="113746" y="182604"/>
-                    </a:lnTo>
-                    <a:cubicBezTo>
-                      <a:pt x="115377" y="182604"/>
-                      <a:pt x="116747" y="181331"/>
-                      <a:pt x="116812" y="179668"/>
-                    </a:cubicBezTo>
-                    <a:lnTo>
-                      <a:pt x="119161" y="121343"/>
-                    </a:lnTo>
-                    <a:cubicBezTo>
-                      <a:pt x="119519" y="112667"/>
-                      <a:pt x="114333" y="104773"/>
-                      <a:pt x="106243" y="101641"/>
-                    </a:cubicBezTo>
-                    <a:lnTo>
-                      <a:pt x="89607" y="95248"/>
-                    </a:lnTo>
-                    <a:lnTo>
-                      <a:pt x="81093" y="86734"/>
-                    </a:lnTo>
-                    <a:cubicBezTo>
-                      <a:pt x="80571" y="86212"/>
-                      <a:pt x="79854" y="85886"/>
-                      <a:pt x="79136" y="85853"/>
-                    </a:cubicBezTo>
-                    <a:lnTo>
-                      <a:pt x="79136" y="79101"/>
-                    </a:lnTo>
-                    <a:cubicBezTo>
-                      <a:pt x="83148" y="74828"/>
-                      <a:pt x="85986" y="69445"/>
-                      <a:pt x="87128" y="63345"/>
-                    </a:cubicBezTo>
-                    <a:cubicBezTo>
-                      <a:pt x="87251" y="63351"/>
-                      <a:pt x="87374" y="63354"/>
-                      <a:pt x="87497" y="63354"/>
-                    </a:cubicBezTo>
-                    <a:cubicBezTo>
-                      <a:pt x="88092" y="63354"/>
-                      <a:pt x="88686" y="63290"/>
-                      <a:pt x="89281" y="63182"/>
-                    </a:cubicBezTo>
-                    <a:cubicBezTo>
-                      <a:pt x="93358" y="62334"/>
-                      <a:pt x="96294" y="58550"/>
-                      <a:pt x="96294" y="54212"/>
-                    </a:cubicBezTo>
-                    <a:lnTo>
-                      <a:pt x="96294" y="51961"/>
-                    </a:lnTo>
-                    <a:cubicBezTo>
-                      <a:pt x="96294" y="49449"/>
-                      <a:pt x="95283" y="47133"/>
-                      <a:pt x="93619" y="45470"/>
-                    </a:cubicBezTo>
-                    <a:cubicBezTo>
-                      <a:pt x="96327" y="30758"/>
-                      <a:pt x="94076" y="18819"/>
-                      <a:pt x="87160" y="10795"/>
-                    </a:cubicBezTo>
-                    <a:cubicBezTo>
-                      <a:pt x="81011" y="3690"/>
-                      <a:pt x="71446" y="0"/>
-                      <a:pt x="59317" y="0"/>
-                    </a:cubicBezTo>
-                    <a:close/>
-                  </a:path>
-                </a:pathLst>
-              </a:custGeom>
-              <a:solidFill>
-                <a:schemeClr val="tx1"/>
-              </a:solidFill>
-              <a:ln>
-                <a:noFill/>
-              </a:ln>
-            </p:spPr>
-            <p:txBody>
-              <a:bodyPr spcFirstLastPara="1" wrap="square" lIns="91425" tIns="91425" rIns="91425" bIns="91425" anchor="ctr" anchorCtr="0">
-                <a:noAutofit/>
-              </a:bodyPr>
-              <a:lstStyle/>
-              <a:p>
-                <a:pPr marL="0" lvl="0" indent="0" algn="l" rtl="0">
-                  <a:spcBef>
-                    <a:spcPts val="0"/>
-                  </a:spcBef>
-                  <a:spcAft>
-                    <a:spcPts val="0"/>
-                  </a:spcAft>
-                  <a:buNone/>
-                </a:pPr>
-                <a:endParaRPr/>
-              </a:p>
-            </p:txBody>
-          </p:sp>
-          <p:sp>
-            <p:nvSpPr>
-              <p:cNvPr id="14" name="Google Shape;423;p67">
-                <a:extLst>
-                  <a:ext uri="{FF2B5EF4-FFF2-40B4-BE49-F238E27FC236}">
-                    <a16:creationId xmlns:a16="http://schemas.microsoft.com/office/drawing/2014/main" id="{9F46B139-2EF1-6A7F-3DAB-1934653FAAAF}"/>
-                  </a:ext>
-                </a:extLst>
-              </p:cNvPr>
-              <p:cNvSpPr/>
-              <p:nvPr/>
-            </p:nvSpPr>
-            <p:spPr>
-              <a:xfrm>
-                <a:off x="1182450" y="565125"/>
-                <a:ext cx="2744175" cy="4565175"/>
-              </a:xfrm>
-              <a:custGeom>
-                <a:avLst/>
-                <a:gdLst/>
-                <a:ahLst/>
-                <a:cxnLst/>
-                <a:rect l="l" t="t" r="r" b="b"/>
-                <a:pathLst>
-                  <a:path w="109767" h="182607" extrusionOk="0">
-                    <a:moveTo>
-                      <a:pt x="54900" y="6100"/>
-                    </a:moveTo>
-                    <a:cubicBezTo>
-                      <a:pt x="61391" y="6100"/>
-                      <a:pt x="66872" y="10276"/>
-                      <a:pt x="68503" y="15886"/>
-                    </a:cubicBezTo>
-                    <a:cubicBezTo>
-                      <a:pt x="64295" y="14288"/>
-                      <a:pt x="59695" y="13407"/>
-                      <a:pt x="54900" y="13407"/>
-                    </a:cubicBezTo>
-                    <a:cubicBezTo>
-                      <a:pt x="50072" y="13407"/>
-                      <a:pt x="45473" y="14288"/>
-                      <a:pt x="41265" y="15886"/>
-                    </a:cubicBezTo>
-                    <a:cubicBezTo>
-                      <a:pt x="42896" y="10276"/>
-                      <a:pt x="48376" y="6100"/>
-                      <a:pt x="54900" y="6100"/>
-                    </a:cubicBezTo>
-                    <a:close/>
-                    <a:moveTo>
-                      <a:pt x="54900" y="19540"/>
-                    </a:moveTo>
-                    <a:cubicBezTo>
-                      <a:pt x="72123" y="19540"/>
-                      <a:pt x="86150" y="32914"/>
-                      <a:pt x="86150" y="49387"/>
-                    </a:cubicBezTo>
-                    <a:cubicBezTo>
-                      <a:pt x="86150" y="51736"/>
-                      <a:pt x="85856" y="54084"/>
-                      <a:pt x="85269" y="56400"/>
-                    </a:cubicBezTo>
-                    <a:cubicBezTo>
-                      <a:pt x="84486" y="56466"/>
-                      <a:pt x="83638" y="56596"/>
-                      <a:pt x="82888" y="56792"/>
-                    </a:cubicBezTo>
-                    <a:lnTo>
-                      <a:pt x="80604" y="54900"/>
-                    </a:lnTo>
-                    <a:cubicBezTo>
-                      <a:pt x="79529" y="54033"/>
-                      <a:pt x="78235" y="53550"/>
-                      <a:pt x="76897" y="53550"/>
-                    </a:cubicBezTo>
-                    <a:cubicBezTo>
-                      <a:pt x="76774" y="53550"/>
-                      <a:pt x="76650" y="53554"/>
-                      <a:pt x="76527" y="53562"/>
-                    </a:cubicBezTo>
-                    <a:cubicBezTo>
-                      <a:pt x="75820" y="53603"/>
-                      <a:pt x="74655" y="53653"/>
-                      <a:pt x="73148" y="53653"/>
-                    </a:cubicBezTo>
-                    <a:cubicBezTo>
-                      <a:pt x="65065" y="53653"/>
-                      <a:pt x="47140" y="52219"/>
-                      <a:pt x="37187" y="40286"/>
-                    </a:cubicBezTo>
-                    <a:cubicBezTo>
-                      <a:pt x="36587" y="39558"/>
-                      <a:pt x="35722" y="39185"/>
-                      <a:pt x="34848" y="39185"/>
-                    </a:cubicBezTo>
-                    <a:cubicBezTo>
-                      <a:pt x="34156" y="39185"/>
-                      <a:pt x="33458" y="39419"/>
-                      <a:pt x="32882" y="39895"/>
-                    </a:cubicBezTo>
-                    <a:cubicBezTo>
-                      <a:pt x="31577" y="41004"/>
-                      <a:pt x="31414" y="42928"/>
-                      <a:pt x="32490" y="44200"/>
-                    </a:cubicBezTo>
-                    <a:cubicBezTo>
-                      <a:pt x="38329" y="51181"/>
-                      <a:pt x="46876" y="55911"/>
-                      <a:pt x="57901" y="58227"/>
-                    </a:cubicBezTo>
-                    <a:cubicBezTo>
-                      <a:pt x="63787" y="59482"/>
-                      <a:pt x="69227" y="59763"/>
-                      <a:pt x="72981" y="59763"/>
-                    </a:cubicBezTo>
-                    <a:cubicBezTo>
-                      <a:pt x="74594" y="59763"/>
-                      <a:pt x="75896" y="59711"/>
-                      <a:pt x="76788" y="59662"/>
-                    </a:cubicBezTo>
-                    <a:lnTo>
-                      <a:pt x="80376" y="62631"/>
-                    </a:lnTo>
-                    <a:cubicBezTo>
-                      <a:pt x="80932" y="63075"/>
-                      <a:pt x="81614" y="63309"/>
-                      <a:pt x="82302" y="63309"/>
-                    </a:cubicBezTo>
-                    <a:cubicBezTo>
-                      <a:pt x="82826" y="63309"/>
-                      <a:pt x="83354" y="63174"/>
-                      <a:pt x="83834" y="62892"/>
-                    </a:cubicBezTo>
-                    <a:cubicBezTo>
-                      <a:pt x="84251" y="62683"/>
-                      <a:pt x="85441" y="62453"/>
-                      <a:pt x="86301" y="62453"/>
-                    </a:cubicBezTo>
-                    <a:cubicBezTo>
-                      <a:pt x="86517" y="62453"/>
-                      <a:pt x="86711" y="62468"/>
-                      <a:pt x="86868" y="62500"/>
-                    </a:cubicBezTo>
-                    <a:cubicBezTo>
-                      <a:pt x="88074" y="62729"/>
-                      <a:pt x="89020" y="63968"/>
-                      <a:pt x="89020" y="65371"/>
-                    </a:cubicBezTo>
-                    <a:lnTo>
-                      <a:pt x="89020" y="67589"/>
-                    </a:lnTo>
-                    <a:cubicBezTo>
-                      <a:pt x="89020" y="69024"/>
-                      <a:pt x="88140" y="70296"/>
-                      <a:pt x="86965" y="70557"/>
-                    </a:cubicBezTo>
-                    <a:cubicBezTo>
-                      <a:pt x="86774" y="70605"/>
-                      <a:pt x="86583" y="70635"/>
-                      <a:pt x="86392" y="70635"/>
-                    </a:cubicBezTo>
-                    <a:cubicBezTo>
-                      <a:pt x="86322" y="70635"/>
-                      <a:pt x="86252" y="70631"/>
-                      <a:pt x="86182" y="70623"/>
-                    </a:cubicBezTo>
-                    <a:cubicBezTo>
-                      <a:pt x="86057" y="70614"/>
-                      <a:pt x="85931" y="70610"/>
-                      <a:pt x="85806" y="70610"/>
-                    </a:cubicBezTo>
-                    <a:cubicBezTo>
-                      <a:pt x="83016" y="70610"/>
-                      <a:pt x="80484" y="72673"/>
-                      <a:pt x="79985" y="75483"/>
-                    </a:cubicBezTo>
-                    <a:cubicBezTo>
-                      <a:pt x="77767" y="87585"/>
-                      <a:pt x="67198" y="96392"/>
-                      <a:pt x="54900" y="96392"/>
-                    </a:cubicBezTo>
-                    <a:cubicBezTo>
-                      <a:pt x="42570" y="96392"/>
-                      <a:pt x="32001" y="87585"/>
-                      <a:pt x="29783" y="75483"/>
-                    </a:cubicBezTo>
-                    <a:cubicBezTo>
-                      <a:pt x="29283" y="72673"/>
-                      <a:pt x="26751" y="70610"/>
-                      <a:pt x="23961" y="70610"/>
-                    </a:cubicBezTo>
-                    <a:cubicBezTo>
-                      <a:pt x="23836" y="70610"/>
-                      <a:pt x="23711" y="70614"/>
-                      <a:pt x="23585" y="70623"/>
-                    </a:cubicBezTo>
-                    <a:cubicBezTo>
-                      <a:pt x="23515" y="70631"/>
-                      <a:pt x="23445" y="70635"/>
-                      <a:pt x="23375" y="70635"/>
-                    </a:cubicBezTo>
-                    <a:cubicBezTo>
-                      <a:pt x="23184" y="70635"/>
-                      <a:pt x="22993" y="70605"/>
-                      <a:pt x="22802" y="70557"/>
-                    </a:cubicBezTo>
-                    <a:cubicBezTo>
-                      <a:pt x="21628" y="70296"/>
-                      <a:pt x="20747" y="69024"/>
-                      <a:pt x="20747" y="67589"/>
-                    </a:cubicBezTo>
-                    <a:lnTo>
-                      <a:pt x="20747" y="65403"/>
-                    </a:lnTo>
-                    <a:cubicBezTo>
-                      <a:pt x="20747" y="63968"/>
-                      <a:pt x="21693" y="62696"/>
-                      <a:pt x="22900" y="62500"/>
-                    </a:cubicBezTo>
-                    <a:cubicBezTo>
-                      <a:pt x="23073" y="62467"/>
-                      <a:pt x="23246" y="62450"/>
-                      <a:pt x="23416" y="62450"/>
-                    </a:cubicBezTo>
-                    <a:cubicBezTo>
-                      <a:pt x="24236" y="62450"/>
-                      <a:pt x="24996" y="62830"/>
-                      <a:pt x="25510" y="63479"/>
-                    </a:cubicBezTo>
-                    <a:cubicBezTo>
-                      <a:pt x="26097" y="64229"/>
-                      <a:pt x="26847" y="64751"/>
-                      <a:pt x="27695" y="65012"/>
-                    </a:cubicBezTo>
-                    <a:cubicBezTo>
-                      <a:pt x="28096" y="65128"/>
-                      <a:pt x="28514" y="65186"/>
-                      <a:pt x="28932" y="65186"/>
-                    </a:cubicBezTo>
-                    <a:cubicBezTo>
-                      <a:pt x="29805" y="65186"/>
-                      <a:pt x="30675" y="64932"/>
-                      <a:pt x="31381" y="64425"/>
-                    </a:cubicBezTo>
-                    <a:cubicBezTo>
-                      <a:pt x="33273" y="63087"/>
-                      <a:pt x="34937" y="61456"/>
-                      <a:pt x="36339" y="59597"/>
-                    </a:cubicBezTo>
-                    <a:cubicBezTo>
-                      <a:pt x="37351" y="58260"/>
-                      <a:pt x="37090" y="56335"/>
-                      <a:pt x="35720" y="55324"/>
-                    </a:cubicBezTo>
-                    <a:cubicBezTo>
-                      <a:pt x="35171" y="54909"/>
-                      <a:pt x="34523" y="54708"/>
-                      <a:pt x="33880" y="54708"/>
-                    </a:cubicBezTo>
-                    <a:cubicBezTo>
-                      <a:pt x="32956" y="54708"/>
-                      <a:pt x="32043" y="55122"/>
-                      <a:pt x="31446" y="55911"/>
-                    </a:cubicBezTo>
-                    <a:cubicBezTo>
-                      <a:pt x="30761" y="56857"/>
-                      <a:pt x="29978" y="57705"/>
-                      <a:pt x="29098" y="58423"/>
-                    </a:cubicBezTo>
-                    <a:cubicBezTo>
-                      <a:pt x="27793" y="57314"/>
-                      <a:pt x="26195" y="56629"/>
-                      <a:pt x="24498" y="56400"/>
-                    </a:cubicBezTo>
-                    <a:cubicBezTo>
-                      <a:pt x="23911" y="54084"/>
-                      <a:pt x="23618" y="51736"/>
-                      <a:pt x="23618" y="49387"/>
-                    </a:cubicBezTo>
-                    <a:cubicBezTo>
-                      <a:pt x="23618" y="32914"/>
-                      <a:pt x="37644" y="19540"/>
-                      <a:pt x="54900" y="19540"/>
-                    </a:cubicBezTo>
-                    <a:close/>
-                    <a:moveTo>
-                      <a:pt x="66121" y="100437"/>
-                    </a:moveTo>
-                    <a:lnTo>
-                      <a:pt x="66121" y="106765"/>
-                    </a:lnTo>
-                    <a:lnTo>
-                      <a:pt x="54900" y="118019"/>
-                    </a:lnTo>
-                    <a:lnTo>
-                      <a:pt x="43646" y="106765"/>
-                    </a:lnTo>
-                    <a:lnTo>
-                      <a:pt x="43646" y="100437"/>
-                    </a:lnTo>
-                    <a:cubicBezTo>
-                      <a:pt x="47137" y="101775"/>
-                      <a:pt x="50953" y="102492"/>
-                      <a:pt x="54900" y="102492"/>
-                    </a:cubicBezTo>
-                    <a:cubicBezTo>
-                      <a:pt x="58814" y="102492"/>
-                      <a:pt x="62631" y="101775"/>
-                      <a:pt x="66121" y="100437"/>
-                    </a:cubicBezTo>
-                    <a:close/>
-                    <a:moveTo>
-                      <a:pt x="37709" y="109505"/>
-                    </a:moveTo>
-                    <a:lnTo>
-                      <a:pt x="50366" y="122162"/>
-                    </a:lnTo>
-                    <a:lnTo>
-                      <a:pt x="42211" y="129143"/>
-                    </a:lnTo>
-                    <a:lnTo>
-                      <a:pt x="33012" y="114203"/>
-                    </a:lnTo>
-                    <a:lnTo>
-                      <a:pt x="37709" y="109505"/>
-                    </a:lnTo>
-                    <a:close/>
-                    <a:moveTo>
-                      <a:pt x="72058" y="109505"/>
-                    </a:moveTo>
-                    <a:lnTo>
-                      <a:pt x="76755" y="114203"/>
-                    </a:lnTo>
-                    <a:lnTo>
-                      <a:pt x="67557" y="129143"/>
-                    </a:lnTo>
-                    <a:lnTo>
-                      <a:pt x="59402" y="122162"/>
-                    </a:lnTo>
-                    <a:lnTo>
-                      <a:pt x="72058" y="109505"/>
-                    </a:lnTo>
-                    <a:close/>
-                    <a:moveTo>
-                      <a:pt x="54867" y="1"/>
-                    </a:moveTo>
-                    <a:cubicBezTo>
-                      <a:pt x="43809" y="1"/>
-                      <a:pt x="34774" y="8580"/>
-                      <a:pt x="34676" y="19148"/>
-                    </a:cubicBezTo>
-                    <a:cubicBezTo>
-                      <a:pt x="24335" y="25542"/>
-                      <a:pt x="17485" y="36698"/>
-                      <a:pt x="17485" y="49387"/>
-                    </a:cubicBezTo>
-                    <a:cubicBezTo>
-                      <a:pt x="17485" y="52225"/>
-                      <a:pt x="17844" y="55063"/>
-                      <a:pt x="18529" y="57836"/>
-                    </a:cubicBezTo>
-                    <a:cubicBezTo>
-                      <a:pt x="16148" y="59434"/>
-                      <a:pt x="14647" y="62239"/>
-                      <a:pt x="14647" y="65403"/>
-                    </a:cubicBezTo>
-                    <a:lnTo>
-                      <a:pt x="14647" y="67589"/>
-                    </a:lnTo>
-                    <a:cubicBezTo>
-                      <a:pt x="14647" y="71830"/>
-                      <a:pt x="17485" y="75581"/>
-                      <a:pt x="21399" y="76527"/>
-                    </a:cubicBezTo>
-                    <a:cubicBezTo>
-                      <a:pt x="22081" y="76669"/>
-                      <a:pt x="22788" y="76761"/>
-                      <a:pt x="23497" y="76761"/>
-                    </a:cubicBezTo>
-                    <a:cubicBezTo>
-                      <a:pt x="23603" y="76761"/>
-                      <a:pt x="23708" y="76759"/>
-                      <a:pt x="23813" y="76755"/>
-                    </a:cubicBezTo>
-                    <a:cubicBezTo>
-                      <a:pt x="25444" y="85432"/>
-                      <a:pt x="30533" y="92706"/>
-                      <a:pt x="37514" y="97306"/>
-                    </a:cubicBezTo>
-                    <a:lnTo>
-                      <a:pt x="37514" y="102133"/>
-                    </a:lnTo>
-                    <a:cubicBezTo>
-                      <a:pt x="36796" y="102166"/>
-                      <a:pt x="36111" y="102460"/>
-                      <a:pt x="35556" y="103014"/>
-                    </a:cubicBezTo>
-                    <a:lnTo>
-                      <a:pt x="27401" y="111169"/>
-                    </a:lnTo>
-                    <a:lnTo>
-                      <a:pt x="12462" y="117693"/>
-                    </a:lnTo>
-                    <a:cubicBezTo>
-                      <a:pt x="4861" y="120988"/>
-                      <a:pt x="1" y="128784"/>
-                      <a:pt x="360" y="137069"/>
-                    </a:cubicBezTo>
-                    <a:lnTo>
-                      <a:pt x="2154" y="179671"/>
-                    </a:lnTo>
-                    <a:cubicBezTo>
-                      <a:pt x="2219" y="181334"/>
-                      <a:pt x="3589" y="182607"/>
-                      <a:pt x="5220" y="182607"/>
-                    </a:cubicBezTo>
-                    <a:lnTo>
-                      <a:pt x="5350" y="182607"/>
-                    </a:lnTo>
-                    <a:cubicBezTo>
-                      <a:pt x="7014" y="182541"/>
-                      <a:pt x="8319" y="181106"/>
-                      <a:pt x="8254" y="179410"/>
-                    </a:cubicBezTo>
-                    <a:lnTo>
-                      <a:pt x="6460" y="136808"/>
-                    </a:lnTo>
-                    <a:cubicBezTo>
-                      <a:pt x="6329" y="134068"/>
-                      <a:pt x="7047" y="131393"/>
-                      <a:pt x="8384" y="129110"/>
-                    </a:cubicBezTo>
-                    <a:lnTo>
-                      <a:pt x="16409" y="138733"/>
-                    </a:lnTo>
-                    <a:cubicBezTo>
-                      <a:pt x="18953" y="141799"/>
-                      <a:pt x="20356" y="145648"/>
-                      <a:pt x="20356" y="149595"/>
-                    </a:cubicBezTo>
-                    <a:lnTo>
-                      <a:pt x="20356" y="179540"/>
-                    </a:lnTo>
-                    <a:cubicBezTo>
-                      <a:pt x="20356" y="181237"/>
-                      <a:pt x="21726" y="182607"/>
-                      <a:pt x="23422" y="182607"/>
-                    </a:cubicBezTo>
-                    <a:cubicBezTo>
-                      <a:pt x="25085" y="182607"/>
-                      <a:pt x="26456" y="181237"/>
-                      <a:pt x="26456" y="179540"/>
-                    </a:cubicBezTo>
-                    <a:lnTo>
-                      <a:pt x="26456" y="149595"/>
-                    </a:lnTo>
-                    <a:cubicBezTo>
-                      <a:pt x="26456" y="144213"/>
-                      <a:pt x="24564" y="138961"/>
-                      <a:pt x="21106" y="134818"/>
-                    </a:cubicBezTo>
-                    <a:lnTo>
-                      <a:pt x="12592" y="124608"/>
-                    </a:lnTo>
-                    <a:cubicBezTo>
-                      <a:pt x="13310" y="124087"/>
-                      <a:pt x="14093" y="123662"/>
-                      <a:pt x="14908" y="123304"/>
-                    </a:cubicBezTo>
-                    <a:lnTo>
-                      <a:pt x="27923" y="117595"/>
-                    </a:lnTo>
-                    <a:lnTo>
-                      <a:pt x="37122" y="132535"/>
-                    </a:lnTo>
-                    <a:cubicBezTo>
-                      <a:pt x="38036" y="134003"/>
-                      <a:pt x="39536" y="135014"/>
-                      <a:pt x="41232" y="135275"/>
-                    </a:cubicBezTo>
-                    <a:cubicBezTo>
-                      <a:pt x="41559" y="135340"/>
-                      <a:pt x="41852" y="135340"/>
-                      <a:pt x="42146" y="135340"/>
-                    </a:cubicBezTo>
-                    <a:cubicBezTo>
-                      <a:pt x="43548" y="135340"/>
-                      <a:pt x="44918" y="134851"/>
-                      <a:pt x="45995" y="133938"/>
-                    </a:cubicBezTo>
-                    <a:lnTo>
-                      <a:pt x="51834" y="128947"/>
-                    </a:lnTo>
-                    <a:lnTo>
-                      <a:pt x="51834" y="179540"/>
-                    </a:lnTo>
-                    <a:cubicBezTo>
-                      <a:pt x="51834" y="181237"/>
-                      <a:pt x="53204" y="182607"/>
-                      <a:pt x="54900" y="182607"/>
-                    </a:cubicBezTo>
-                    <a:cubicBezTo>
-                      <a:pt x="56564" y="182607"/>
-                      <a:pt x="57934" y="181237"/>
-                      <a:pt x="57934" y="179540"/>
-                    </a:cubicBezTo>
-                    <a:lnTo>
-                      <a:pt x="57934" y="128947"/>
-                    </a:lnTo>
-                    <a:lnTo>
-                      <a:pt x="63773" y="133938"/>
-                    </a:lnTo>
-                    <a:cubicBezTo>
-                      <a:pt x="64849" y="134851"/>
-                      <a:pt x="66219" y="135340"/>
-                      <a:pt x="67622" y="135340"/>
-                    </a:cubicBezTo>
-                    <a:cubicBezTo>
-                      <a:pt x="67915" y="135340"/>
-                      <a:pt x="68209" y="135340"/>
-                      <a:pt x="68535" y="135275"/>
-                    </a:cubicBezTo>
-                    <a:cubicBezTo>
-                      <a:pt x="70231" y="135014"/>
-                      <a:pt x="71732" y="134003"/>
-                      <a:pt x="72645" y="132535"/>
-                    </a:cubicBezTo>
-                    <a:lnTo>
-                      <a:pt x="81844" y="117595"/>
-                    </a:lnTo>
-                    <a:lnTo>
-                      <a:pt x="94859" y="123304"/>
-                    </a:lnTo>
-                    <a:cubicBezTo>
-                      <a:pt x="95675" y="123662"/>
-                      <a:pt x="96458" y="124087"/>
-                      <a:pt x="97175" y="124608"/>
-                    </a:cubicBezTo>
-                    <a:lnTo>
-                      <a:pt x="88662" y="134818"/>
-                    </a:lnTo>
-                    <a:cubicBezTo>
-                      <a:pt x="85204" y="138961"/>
-                      <a:pt x="83312" y="144213"/>
-                      <a:pt x="83312" y="149595"/>
-                    </a:cubicBezTo>
-                    <a:lnTo>
-                      <a:pt x="83312" y="179540"/>
-                    </a:lnTo>
-                    <a:cubicBezTo>
-                      <a:pt x="83312" y="181237"/>
-                      <a:pt x="84682" y="182607"/>
-                      <a:pt x="86346" y="182607"/>
-                    </a:cubicBezTo>
-                    <a:cubicBezTo>
-                      <a:pt x="88042" y="182607"/>
-                      <a:pt x="89412" y="181237"/>
-                      <a:pt x="89412" y="179540"/>
-                    </a:cubicBezTo>
-                    <a:lnTo>
-                      <a:pt x="89412" y="149595"/>
-                    </a:lnTo>
-                    <a:cubicBezTo>
-                      <a:pt x="89412" y="145648"/>
-                      <a:pt x="90815" y="141799"/>
-                      <a:pt x="93359" y="138733"/>
-                    </a:cubicBezTo>
-                    <a:lnTo>
-                      <a:pt x="101383" y="129110"/>
-                    </a:lnTo>
-                    <a:cubicBezTo>
-                      <a:pt x="102721" y="131393"/>
-                      <a:pt x="103438" y="134068"/>
-                      <a:pt x="103308" y="136808"/>
-                    </a:cubicBezTo>
-                    <a:lnTo>
-                      <a:pt x="101514" y="179410"/>
-                    </a:lnTo>
-                    <a:cubicBezTo>
-                      <a:pt x="101449" y="181106"/>
-                      <a:pt x="102753" y="182541"/>
-                      <a:pt x="104450" y="182607"/>
-                    </a:cubicBezTo>
-                    <a:lnTo>
-                      <a:pt x="104580" y="182607"/>
-                    </a:lnTo>
-                    <a:cubicBezTo>
-                      <a:pt x="106178" y="182607"/>
-                      <a:pt x="107548" y="181334"/>
-                      <a:pt x="107614" y="179671"/>
-                    </a:cubicBezTo>
-                    <a:lnTo>
-                      <a:pt x="109440" y="137069"/>
-                    </a:lnTo>
-                    <a:cubicBezTo>
-                      <a:pt x="109767" y="128784"/>
-                      <a:pt x="104906" y="120988"/>
-                      <a:pt x="97306" y="117693"/>
-                    </a:cubicBezTo>
-                    <a:lnTo>
-                      <a:pt x="82366" y="111169"/>
-                    </a:lnTo>
-                    <a:lnTo>
-                      <a:pt x="74211" y="103014"/>
-                    </a:lnTo>
-                    <a:cubicBezTo>
-                      <a:pt x="73656" y="102460"/>
-                      <a:pt x="72971" y="102166"/>
-                      <a:pt x="72254" y="102133"/>
-                    </a:cubicBezTo>
-                    <a:lnTo>
-                      <a:pt x="72254" y="97306"/>
-                    </a:lnTo>
-                    <a:cubicBezTo>
-                      <a:pt x="79234" y="92706"/>
-                      <a:pt x="84323" y="85432"/>
-                      <a:pt x="85954" y="76755"/>
-                    </a:cubicBezTo>
-                    <a:cubicBezTo>
-                      <a:pt x="86059" y="76759"/>
-                      <a:pt x="86165" y="76761"/>
-                      <a:pt x="86270" y="76761"/>
-                    </a:cubicBezTo>
-                    <a:cubicBezTo>
-                      <a:pt x="86980" y="76761"/>
-                      <a:pt x="87686" y="76669"/>
-                      <a:pt x="88368" y="76527"/>
-                    </a:cubicBezTo>
-                    <a:cubicBezTo>
-                      <a:pt x="92282" y="75581"/>
-                      <a:pt x="95120" y="71830"/>
-                      <a:pt x="95120" y="67589"/>
-                    </a:cubicBezTo>
-                    <a:lnTo>
-                      <a:pt x="95120" y="65371"/>
-                    </a:lnTo>
-                    <a:cubicBezTo>
-                      <a:pt x="95120" y="62272"/>
-                      <a:pt x="93587" y="59467"/>
-                      <a:pt x="91206" y="57836"/>
-                    </a:cubicBezTo>
-                    <a:cubicBezTo>
-                      <a:pt x="91924" y="55063"/>
-                      <a:pt x="92282" y="52225"/>
-                      <a:pt x="92282" y="49387"/>
-                    </a:cubicBezTo>
-                    <a:cubicBezTo>
-                      <a:pt x="92282" y="36698"/>
-                      <a:pt x="85432" y="25542"/>
-                      <a:pt x="75092" y="19148"/>
-                    </a:cubicBezTo>
-                    <a:cubicBezTo>
-                      <a:pt x="74994" y="8580"/>
-                      <a:pt x="65958" y="1"/>
-                      <a:pt x="54867" y="1"/>
-                    </a:cubicBezTo>
-                    <a:close/>
-                  </a:path>
-                </a:pathLst>
-              </a:custGeom>
-              <a:solidFill>
-                <a:schemeClr val="tx1"/>
-              </a:solidFill>
-              <a:ln>
-                <a:noFill/>
-              </a:ln>
-            </p:spPr>
-            <p:txBody>
-              <a:bodyPr spcFirstLastPara="1" wrap="square" lIns="91425" tIns="91425" rIns="91425" bIns="91425" anchor="ctr" anchorCtr="0">
-                <a:noAutofit/>
-              </a:bodyPr>
-              <a:lstStyle/>
-              <a:p>
-                <a:pPr marL="0" lvl="0" indent="0" algn="l" rtl="0">
-                  <a:spcBef>
-                    <a:spcPts val="0"/>
-                  </a:spcBef>
-                  <a:spcAft>
-                    <a:spcPts val="0"/>
-                  </a:spcAft>
-                  <a:buNone/>
-                </a:pPr>
-                <a:endParaRPr/>
-              </a:p>
-            </p:txBody>
-          </p:sp>
-          <p:sp>
-            <p:nvSpPr>
-              <p:cNvPr id="15" name="Google Shape;424;p67">
-                <a:extLst>
-                  <a:ext uri="{FF2B5EF4-FFF2-40B4-BE49-F238E27FC236}">
-                    <a16:creationId xmlns:a16="http://schemas.microsoft.com/office/drawing/2014/main" id="{13F87287-9E0A-6AC4-6207-740A7C23FAB9}"/>
-                  </a:ext>
-                </a:extLst>
-              </p:cNvPr>
-              <p:cNvSpPr/>
-              <p:nvPr/>
-            </p:nvSpPr>
-            <p:spPr>
-              <a:xfrm>
-                <a:off x="1977575" y="4262600"/>
-                <a:ext cx="367000" cy="152500"/>
-              </a:xfrm>
-              <a:custGeom>
-                <a:avLst/>
-                <a:gdLst/>
-                <a:ahLst/>
-                <a:cxnLst/>
-                <a:rect l="l" t="t" r="r" b="b"/>
-                <a:pathLst>
-                  <a:path w="14680" h="6100" extrusionOk="0">
-                    <a:moveTo>
-                      <a:pt x="3066" y="0"/>
-                    </a:moveTo>
-                    <a:cubicBezTo>
-                      <a:pt x="1370" y="0"/>
-                      <a:pt x="0" y="1370"/>
-                      <a:pt x="0" y="3034"/>
-                    </a:cubicBezTo>
-                    <a:cubicBezTo>
-                      <a:pt x="0" y="4730"/>
-                      <a:pt x="1370" y="6100"/>
-                      <a:pt x="3066" y="6100"/>
-                    </a:cubicBezTo>
-                    <a:lnTo>
-                      <a:pt x="11645" y="6100"/>
-                    </a:lnTo>
-                    <a:cubicBezTo>
-                      <a:pt x="13309" y="6100"/>
-                      <a:pt x="14679" y="4730"/>
-                      <a:pt x="14679" y="3034"/>
-                    </a:cubicBezTo>
-                    <a:cubicBezTo>
-                      <a:pt x="14679" y="1370"/>
-                      <a:pt x="13309" y="0"/>
-                      <a:pt x="11645" y="0"/>
-                    </a:cubicBezTo>
-                    <a:close/>
-                  </a:path>
-                </a:pathLst>
-              </a:custGeom>
-              <a:solidFill>
-                <a:schemeClr val="dk2"/>
-              </a:solidFill>
-              <a:ln>
-                <a:noFill/>
-              </a:ln>
-            </p:spPr>
-            <p:txBody>
-              <a:bodyPr spcFirstLastPara="1" wrap="square" lIns="91425" tIns="91425" rIns="91425" bIns="91425" anchor="ctr" anchorCtr="0">
-                <a:noAutofit/>
-              </a:bodyPr>
-              <a:lstStyle/>
-              <a:p>
-                <a:pPr marL="0" lvl="0" indent="0" algn="l" rtl="0">
-                  <a:spcBef>
-                    <a:spcPts val="0"/>
-                  </a:spcBef>
-                  <a:spcAft>
-                    <a:spcPts val="0"/>
-                  </a:spcAft>
-                  <a:buNone/>
-                </a:pPr>
-                <a:endParaRPr/>
-              </a:p>
-            </p:txBody>
-          </p:sp>
-        </p:grpSp>
-        <p:grpSp>
-          <p:nvGrpSpPr>
-            <p:cNvPr id="16" name="Google Shape;425;p67">
-              <a:extLst>
-                <a:ext uri="{FF2B5EF4-FFF2-40B4-BE49-F238E27FC236}">
-                  <a16:creationId xmlns:a16="http://schemas.microsoft.com/office/drawing/2014/main" id="{F1C3F03E-0309-BB1E-05DF-948C366A72DF}"/>
-                </a:ext>
-              </a:extLst>
-            </p:cNvPr>
-            <p:cNvGrpSpPr/>
-            <p:nvPr/>
-          </p:nvGrpSpPr>
-          <p:grpSpPr>
-            <a:xfrm>
-              <a:off x="6079513" y="2258388"/>
-              <a:ext cx="576674" cy="614300"/>
-              <a:chOff x="1346375" y="238125"/>
-              <a:chExt cx="4899525" cy="5219200"/>
-            </a:xfrm>
-          </p:grpSpPr>
-          <p:sp>
-            <p:nvSpPr>
-              <p:cNvPr id="17" name="Google Shape;426;p67">
-                <a:extLst>
-                  <a:ext uri="{FF2B5EF4-FFF2-40B4-BE49-F238E27FC236}">
-                    <a16:creationId xmlns:a16="http://schemas.microsoft.com/office/drawing/2014/main" id="{2F7B7AA6-727B-F69A-7D5D-07B94F122799}"/>
-                  </a:ext>
-                </a:extLst>
-              </p:cNvPr>
-              <p:cNvSpPr/>
-              <p:nvPr/>
-            </p:nvSpPr>
-            <p:spPr>
-              <a:xfrm>
-                <a:off x="2181450" y="4177775"/>
-                <a:ext cx="453425" cy="152525"/>
-              </a:xfrm>
-              <a:custGeom>
-                <a:avLst/>
-                <a:gdLst/>
-                <a:ahLst/>
-                <a:cxnLst/>
-                <a:rect l="l" t="t" r="r" b="b"/>
-                <a:pathLst>
-                  <a:path w="18137" h="6101" extrusionOk="0">
-                    <a:moveTo>
-                      <a:pt x="3034" y="1"/>
-                    </a:moveTo>
-                    <a:cubicBezTo>
-                      <a:pt x="1370" y="1"/>
-                      <a:pt x="0" y="1371"/>
-                      <a:pt x="0" y="3034"/>
-                    </a:cubicBezTo>
-                    <a:cubicBezTo>
-                      <a:pt x="0" y="4730"/>
-                      <a:pt x="1370" y="6100"/>
-                      <a:pt x="3034" y="6100"/>
-                    </a:cubicBezTo>
-                    <a:lnTo>
-                      <a:pt x="15071" y="6100"/>
-                    </a:lnTo>
-                    <a:cubicBezTo>
-                      <a:pt x="16767" y="6100"/>
-                      <a:pt x="18137" y="4730"/>
-                      <a:pt x="18137" y="3034"/>
-                    </a:cubicBezTo>
-                    <a:cubicBezTo>
-                      <a:pt x="18137" y="1371"/>
-                      <a:pt x="16767" y="1"/>
-                      <a:pt x="15071" y="1"/>
-                    </a:cubicBezTo>
-                    <a:close/>
-                  </a:path>
-                </a:pathLst>
-              </a:custGeom>
-              <a:solidFill>
-                <a:schemeClr val="dk2"/>
-              </a:solidFill>
-              <a:ln>
-                <a:noFill/>
-              </a:ln>
-            </p:spPr>
-            <p:txBody>
-              <a:bodyPr spcFirstLastPara="1" wrap="square" lIns="91425" tIns="91425" rIns="91425" bIns="91425" anchor="ctr" anchorCtr="0">
-                <a:noAutofit/>
-              </a:bodyPr>
-              <a:lstStyle/>
-              <a:p>
-                <a:pPr marL="0" lvl="0" indent="0" algn="l" rtl="0">
-                  <a:spcBef>
-                    <a:spcPts val="0"/>
-                  </a:spcBef>
-                  <a:spcAft>
-                    <a:spcPts val="0"/>
-                  </a:spcAft>
-                  <a:buNone/>
-                </a:pPr>
-                <a:endParaRPr/>
-              </a:p>
-            </p:txBody>
-          </p:sp>
-          <p:sp>
-            <p:nvSpPr>
-              <p:cNvPr id="18" name="Google Shape;427;p67">
-                <a:extLst>
-                  <a:ext uri="{FF2B5EF4-FFF2-40B4-BE49-F238E27FC236}">
-                    <a16:creationId xmlns:a16="http://schemas.microsoft.com/office/drawing/2014/main" id="{57DE3E56-413A-F24D-BDD0-8540D34E03D3}"/>
-                  </a:ext>
-                </a:extLst>
-              </p:cNvPr>
-              <p:cNvSpPr/>
-              <p:nvPr/>
-            </p:nvSpPr>
-            <p:spPr>
-              <a:xfrm>
-                <a:off x="1346375" y="646650"/>
-                <a:ext cx="3324800" cy="4810675"/>
-              </a:xfrm>
-              <a:custGeom>
-                <a:avLst/>
-                <a:gdLst/>
-                <a:ahLst/>
-                <a:cxnLst/>
-                <a:rect l="l" t="t" r="r" b="b"/>
-                <a:pathLst>
-                  <a:path w="132992" h="192427" extrusionOk="0">
-                    <a:moveTo>
-                      <a:pt x="69836" y="6115"/>
-                    </a:moveTo>
-                    <a:cubicBezTo>
-                      <a:pt x="80734" y="6115"/>
-                      <a:pt x="89188" y="9251"/>
-                      <a:pt x="94402" y="15300"/>
-                    </a:cubicBezTo>
-                    <a:cubicBezTo>
-                      <a:pt x="100209" y="22020"/>
-                      <a:pt x="102133" y="32295"/>
-                      <a:pt x="100013" y="45180"/>
-                    </a:cubicBezTo>
-                    <a:cubicBezTo>
-                      <a:pt x="99859" y="45175"/>
-                      <a:pt x="99704" y="45172"/>
-                      <a:pt x="99547" y="45172"/>
-                    </a:cubicBezTo>
-                    <a:cubicBezTo>
-                      <a:pt x="98739" y="45172"/>
-                      <a:pt x="97892" y="45244"/>
-                      <a:pt x="97044" y="45408"/>
-                    </a:cubicBezTo>
-                    <a:lnTo>
-                      <a:pt x="93978" y="38036"/>
-                    </a:lnTo>
-                    <a:cubicBezTo>
-                      <a:pt x="93489" y="36869"/>
-                      <a:pt x="92345" y="36153"/>
-                      <a:pt x="91129" y="36153"/>
-                    </a:cubicBezTo>
-                    <a:cubicBezTo>
-                      <a:pt x="90884" y="36153"/>
-                      <a:pt x="90636" y="36182"/>
-                      <a:pt x="90390" y="36242"/>
-                    </a:cubicBezTo>
-                    <a:cubicBezTo>
-                      <a:pt x="90245" y="36291"/>
-                      <a:pt x="82913" y="38163"/>
-                      <a:pt x="74018" y="38163"/>
-                    </a:cubicBezTo>
-                    <a:cubicBezTo>
-                      <a:pt x="64914" y="38163"/>
-                      <a:pt x="54173" y="36202"/>
-                      <a:pt x="47821" y="28316"/>
-                    </a:cubicBezTo>
-                    <a:cubicBezTo>
-                      <a:pt x="47225" y="27570"/>
-                      <a:pt x="46341" y="27176"/>
-                      <a:pt x="45449" y="27176"/>
-                    </a:cubicBezTo>
-                    <a:cubicBezTo>
-                      <a:pt x="44780" y="27176"/>
-                      <a:pt x="44107" y="27398"/>
-                      <a:pt x="43548" y="27859"/>
-                    </a:cubicBezTo>
-                    <a:cubicBezTo>
-                      <a:pt x="42211" y="28903"/>
-                      <a:pt x="42015" y="30827"/>
-                      <a:pt x="43059" y="32132"/>
-                    </a:cubicBezTo>
-                    <a:cubicBezTo>
-                      <a:pt x="50920" y="41928"/>
-                      <a:pt x="63589" y="44314"/>
-                      <a:pt x="74062" y="44314"/>
-                    </a:cubicBezTo>
-                    <a:cubicBezTo>
-                      <a:pt x="80537" y="44314"/>
-                      <a:pt x="86173" y="43402"/>
-                      <a:pt x="89314" y="42766"/>
-                    </a:cubicBezTo>
-                    <a:lnTo>
-                      <a:pt x="91695" y="48475"/>
-                    </a:lnTo>
-                    <a:cubicBezTo>
-                      <a:pt x="92513" y="50439"/>
-                      <a:pt x="94405" y="51651"/>
-                      <a:pt x="96433" y="51651"/>
-                    </a:cubicBezTo>
-                    <a:cubicBezTo>
-                      <a:pt x="96830" y="51651"/>
-                      <a:pt x="97232" y="51604"/>
-                      <a:pt x="97632" y="51508"/>
-                    </a:cubicBezTo>
-                    <a:cubicBezTo>
-                      <a:pt x="98272" y="51359"/>
-                      <a:pt x="98941" y="51293"/>
-                      <a:pt x="99455" y="51293"/>
-                    </a:cubicBezTo>
-                    <a:cubicBezTo>
-                      <a:pt x="99725" y="51293"/>
-                      <a:pt x="99953" y="51311"/>
-                      <a:pt x="100111" y="51345"/>
-                    </a:cubicBezTo>
-                    <a:cubicBezTo>
-                      <a:pt x="101481" y="51606"/>
-                      <a:pt x="102492" y="52976"/>
-                      <a:pt x="102492" y="54509"/>
-                    </a:cubicBezTo>
-                    <a:lnTo>
-                      <a:pt x="102492" y="56858"/>
-                    </a:lnTo>
-                    <a:cubicBezTo>
-                      <a:pt x="102492" y="58456"/>
-                      <a:pt x="101481" y="59859"/>
-                      <a:pt x="100143" y="60120"/>
-                    </a:cubicBezTo>
-                    <a:cubicBezTo>
-                      <a:pt x="99952" y="60168"/>
-                      <a:pt x="99761" y="60198"/>
-                      <a:pt x="99570" y="60198"/>
-                    </a:cubicBezTo>
-                    <a:cubicBezTo>
-                      <a:pt x="99500" y="60198"/>
-                      <a:pt x="99430" y="60194"/>
-                      <a:pt x="99361" y="60185"/>
-                    </a:cubicBezTo>
-                    <a:cubicBezTo>
-                      <a:pt x="99216" y="60174"/>
-                      <a:pt x="99073" y="60169"/>
-                      <a:pt x="98930" y="60169"/>
-                    </a:cubicBezTo>
-                    <a:cubicBezTo>
-                      <a:pt x="96095" y="60169"/>
-                      <a:pt x="93528" y="62288"/>
-                      <a:pt x="93000" y="65176"/>
-                    </a:cubicBezTo>
-                    <a:cubicBezTo>
-                      <a:pt x="90651" y="77963"/>
-                      <a:pt x="79495" y="87227"/>
-                      <a:pt x="66512" y="87227"/>
-                    </a:cubicBezTo>
-                    <a:cubicBezTo>
-                      <a:pt x="53497" y="87227"/>
-                      <a:pt x="42341" y="77963"/>
-                      <a:pt x="39992" y="65176"/>
-                    </a:cubicBezTo>
-                    <a:cubicBezTo>
-                      <a:pt x="39464" y="62288"/>
-                      <a:pt x="36897" y="60169"/>
-                      <a:pt x="34062" y="60169"/>
-                    </a:cubicBezTo>
-                    <a:cubicBezTo>
-                      <a:pt x="33919" y="60169"/>
-                      <a:pt x="33776" y="60174"/>
-                      <a:pt x="33631" y="60185"/>
-                    </a:cubicBezTo>
-                    <a:cubicBezTo>
-                      <a:pt x="33562" y="60194"/>
-                      <a:pt x="33492" y="60198"/>
-                      <a:pt x="33422" y="60198"/>
-                    </a:cubicBezTo>
-                    <a:cubicBezTo>
-                      <a:pt x="33231" y="60198"/>
-                      <a:pt x="33040" y="60168"/>
-                      <a:pt x="32849" y="60120"/>
-                    </a:cubicBezTo>
-                    <a:cubicBezTo>
-                      <a:pt x="31511" y="59859"/>
-                      <a:pt x="30500" y="58456"/>
-                      <a:pt x="30500" y="56858"/>
-                    </a:cubicBezTo>
-                    <a:lnTo>
-                      <a:pt x="30500" y="54542"/>
-                    </a:lnTo>
-                    <a:cubicBezTo>
-                      <a:pt x="30500" y="52976"/>
-                      <a:pt x="31544" y="51574"/>
-                      <a:pt x="32881" y="51345"/>
-                    </a:cubicBezTo>
-                    <a:cubicBezTo>
-                      <a:pt x="33073" y="51312"/>
-                      <a:pt x="33264" y="51296"/>
-                      <a:pt x="33450" y="51296"/>
-                    </a:cubicBezTo>
-                    <a:cubicBezTo>
-                      <a:pt x="34374" y="51296"/>
-                      <a:pt x="35215" y="51695"/>
-                      <a:pt x="35784" y="52454"/>
-                    </a:cubicBezTo>
-                    <a:cubicBezTo>
-                      <a:pt x="36339" y="53205"/>
-                      <a:pt x="37122" y="53726"/>
-                      <a:pt x="37970" y="53987"/>
-                    </a:cubicBezTo>
-                    <a:cubicBezTo>
-                      <a:pt x="38379" y="54113"/>
-                      <a:pt x="38801" y="54175"/>
-                      <a:pt x="39221" y="54175"/>
-                    </a:cubicBezTo>
-                    <a:cubicBezTo>
-                      <a:pt x="40110" y="54175"/>
-                      <a:pt x="40991" y="53899"/>
-                      <a:pt x="41721" y="53368"/>
-                    </a:cubicBezTo>
-                    <a:cubicBezTo>
-                      <a:pt x="44200" y="51639"/>
-                      <a:pt x="46321" y="49388"/>
-                      <a:pt x="47984" y="46778"/>
-                    </a:cubicBezTo>
-                    <a:cubicBezTo>
-                      <a:pt x="48898" y="45343"/>
-                      <a:pt x="48474" y="43451"/>
-                      <a:pt x="47038" y="42538"/>
-                    </a:cubicBezTo>
-                    <a:cubicBezTo>
-                      <a:pt x="46531" y="42227"/>
-                      <a:pt x="45968" y="42079"/>
-                      <a:pt x="45412" y="42079"/>
-                    </a:cubicBezTo>
-                    <a:cubicBezTo>
-                      <a:pt x="44393" y="42079"/>
-                      <a:pt x="43400" y="42576"/>
-                      <a:pt x="42830" y="43484"/>
-                    </a:cubicBezTo>
-                    <a:cubicBezTo>
-                      <a:pt x="41884" y="44984"/>
-                      <a:pt x="40743" y="46322"/>
-                      <a:pt x="39438" y="47431"/>
-                    </a:cubicBezTo>
-                    <a:cubicBezTo>
-                      <a:pt x="38394" y="46517"/>
-                      <a:pt x="37154" y="45865"/>
-                      <a:pt x="35850" y="45506"/>
-                    </a:cubicBezTo>
-                    <a:cubicBezTo>
-                      <a:pt x="35002" y="42407"/>
-                      <a:pt x="33501" y="35525"/>
-                      <a:pt x="33501" y="27207"/>
-                    </a:cubicBezTo>
-                    <a:cubicBezTo>
-                      <a:pt x="33501" y="22216"/>
-                      <a:pt x="35034" y="18725"/>
-                      <a:pt x="38068" y="16768"/>
-                    </a:cubicBezTo>
-                    <a:cubicBezTo>
-                      <a:pt x="40449" y="15300"/>
-                      <a:pt x="42961" y="15235"/>
-                      <a:pt x="42961" y="15235"/>
-                    </a:cubicBezTo>
-                    <a:cubicBezTo>
-                      <a:pt x="43744" y="15235"/>
-                      <a:pt x="44494" y="14909"/>
-                      <a:pt x="45081" y="14387"/>
-                    </a:cubicBezTo>
-                    <a:cubicBezTo>
-                      <a:pt x="45146" y="14289"/>
-                      <a:pt x="52942" y="6950"/>
-                      <a:pt x="66675" y="6199"/>
-                    </a:cubicBezTo>
-                    <a:cubicBezTo>
-                      <a:pt x="67750" y="6143"/>
-                      <a:pt x="68804" y="6115"/>
-                      <a:pt x="69836" y="6115"/>
-                    </a:cubicBezTo>
-                    <a:close/>
-                    <a:moveTo>
-                      <a:pt x="84486" y="88043"/>
-                    </a:moveTo>
-                    <a:lnTo>
-                      <a:pt x="84486" y="94534"/>
-                    </a:lnTo>
-                    <a:lnTo>
-                      <a:pt x="66512" y="110289"/>
-                    </a:lnTo>
-                    <a:lnTo>
-                      <a:pt x="48506" y="94534"/>
-                    </a:lnTo>
-                    <a:lnTo>
-                      <a:pt x="48506" y="88043"/>
-                    </a:lnTo>
-                    <a:cubicBezTo>
-                      <a:pt x="53725" y="91402"/>
-                      <a:pt x="59923" y="93360"/>
-                      <a:pt x="66512" y="93360"/>
-                    </a:cubicBezTo>
-                    <a:cubicBezTo>
-                      <a:pt x="73069" y="93360"/>
-                      <a:pt x="79267" y="91402"/>
-                      <a:pt x="84486" y="88043"/>
-                    </a:cubicBezTo>
-                    <a:close/>
-                    <a:moveTo>
-                      <a:pt x="42602" y="97502"/>
-                    </a:moveTo>
-                    <a:lnTo>
-                      <a:pt x="62011" y="114497"/>
-                    </a:lnTo>
-                    <a:lnTo>
-                      <a:pt x="54508" y="122032"/>
-                    </a:lnTo>
-                    <a:cubicBezTo>
-                      <a:pt x="53915" y="122596"/>
-                      <a:pt x="53161" y="122890"/>
-                      <a:pt x="52367" y="122890"/>
-                    </a:cubicBezTo>
-                    <a:cubicBezTo>
-                      <a:pt x="52287" y="122890"/>
-                      <a:pt x="52207" y="122887"/>
-                      <a:pt x="52127" y="122881"/>
-                    </a:cubicBezTo>
-                    <a:cubicBezTo>
-                      <a:pt x="51246" y="122783"/>
-                      <a:pt x="50431" y="122293"/>
-                      <a:pt x="49941" y="121576"/>
-                    </a:cubicBezTo>
-                    <a:lnTo>
-                      <a:pt x="37383" y="102722"/>
-                    </a:lnTo>
-                    <a:lnTo>
-                      <a:pt x="42602" y="97502"/>
-                    </a:lnTo>
-                    <a:close/>
-                    <a:moveTo>
-                      <a:pt x="90390" y="97502"/>
-                    </a:moveTo>
-                    <a:lnTo>
-                      <a:pt x="95609" y="102722"/>
-                    </a:lnTo>
-                    <a:lnTo>
-                      <a:pt x="83051" y="121576"/>
-                    </a:lnTo>
-                    <a:cubicBezTo>
-                      <a:pt x="82561" y="122293"/>
-                      <a:pt x="81746" y="122783"/>
-                      <a:pt x="80865" y="122881"/>
-                    </a:cubicBezTo>
-                    <a:cubicBezTo>
-                      <a:pt x="80785" y="122887"/>
-                      <a:pt x="80705" y="122890"/>
-                      <a:pt x="80625" y="122890"/>
-                    </a:cubicBezTo>
-                    <a:cubicBezTo>
-                      <a:pt x="79831" y="122890"/>
-                      <a:pt x="79077" y="122596"/>
-                      <a:pt x="78484" y="122032"/>
-                    </a:cubicBezTo>
-                    <a:lnTo>
-                      <a:pt x="70981" y="114497"/>
-                    </a:lnTo>
-                    <a:lnTo>
-                      <a:pt x="90390" y="97502"/>
-                    </a:lnTo>
-                    <a:close/>
-                    <a:moveTo>
-                      <a:pt x="66512" y="118673"/>
-                    </a:moveTo>
-                    <a:lnTo>
-                      <a:pt x="69513" y="121674"/>
-                    </a:lnTo>
-                    <a:lnTo>
-                      <a:pt x="69709" y="126306"/>
-                    </a:lnTo>
-                    <a:lnTo>
-                      <a:pt x="63283" y="126306"/>
-                    </a:lnTo>
-                    <a:lnTo>
-                      <a:pt x="63479" y="121674"/>
-                    </a:lnTo>
-                    <a:lnTo>
-                      <a:pt x="66512" y="118673"/>
-                    </a:lnTo>
-                    <a:close/>
-                    <a:moveTo>
-                      <a:pt x="69887" y="1"/>
-                    </a:moveTo>
-                    <a:cubicBezTo>
-                      <a:pt x="68719" y="1"/>
-                      <a:pt x="67529" y="33"/>
-                      <a:pt x="66317" y="99"/>
-                    </a:cubicBezTo>
-                    <a:cubicBezTo>
-                      <a:pt x="52942" y="817"/>
-                      <a:pt x="44331" y="7015"/>
-                      <a:pt x="41689" y="9233"/>
-                    </a:cubicBezTo>
-                    <a:cubicBezTo>
-                      <a:pt x="37970" y="9690"/>
-                      <a:pt x="27368" y="12364"/>
-                      <a:pt x="27368" y="27207"/>
-                    </a:cubicBezTo>
-                    <a:cubicBezTo>
-                      <a:pt x="27368" y="35394"/>
-                      <a:pt x="28706" y="42212"/>
-                      <a:pt x="29652" y="45996"/>
-                    </a:cubicBezTo>
-                    <a:cubicBezTo>
-                      <a:pt x="26488" y="47463"/>
-                      <a:pt x="24367" y="50758"/>
-                      <a:pt x="24367" y="54542"/>
-                    </a:cubicBezTo>
-                    <a:lnTo>
-                      <a:pt x="24367" y="56858"/>
-                    </a:lnTo>
-                    <a:cubicBezTo>
-                      <a:pt x="24367" y="61360"/>
-                      <a:pt x="27434" y="65274"/>
-                      <a:pt x="31642" y="66122"/>
-                    </a:cubicBezTo>
-                    <a:cubicBezTo>
-                      <a:pt x="32198" y="66243"/>
-                      <a:pt x="32772" y="66310"/>
-                      <a:pt x="33351" y="66310"/>
-                    </a:cubicBezTo>
-                    <a:cubicBezTo>
-                      <a:pt x="33553" y="66310"/>
-                      <a:pt x="33755" y="66302"/>
-                      <a:pt x="33958" y="66285"/>
-                    </a:cubicBezTo>
-                    <a:cubicBezTo>
-                      <a:pt x="33958" y="66285"/>
-                      <a:pt x="33958" y="66318"/>
-                      <a:pt x="33990" y="66318"/>
-                    </a:cubicBezTo>
-                    <a:cubicBezTo>
-                      <a:pt x="35165" y="72744"/>
-                      <a:pt x="38166" y="78452"/>
-                      <a:pt x="42406" y="82954"/>
-                    </a:cubicBezTo>
-                    <a:lnTo>
-                      <a:pt x="42406" y="90261"/>
-                    </a:lnTo>
-                    <a:cubicBezTo>
-                      <a:pt x="41623" y="90261"/>
-                      <a:pt x="40873" y="90554"/>
-                      <a:pt x="40286" y="91141"/>
-                    </a:cubicBezTo>
-                    <a:lnTo>
-                      <a:pt x="31348" y="100079"/>
-                    </a:lnTo>
-                    <a:lnTo>
-                      <a:pt x="13831" y="106832"/>
-                    </a:lnTo>
-                    <a:cubicBezTo>
-                      <a:pt x="5415" y="110094"/>
-                      <a:pt x="0" y="118346"/>
-                      <a:pt x="359" y="127350"/>
-                    </a:cubicBezTo>
-                    <a:lnTo>
-                      <a:pt x="2838" y="189490"/>
-                    </a:lnTo>
-                    <a:cubicBezTo>
-                      <a:pt x="2904" y="191121"/>
-                      <a:pt x="4274" y="192426"/>
-                      <a:pt x="5905" y="192426"/>
-                    </a:cubicBezTo>
-                    <a:lnTo>
-                      <a:pt x="6002" y="192426"/>
-                    </a:lnTo>
-                    <a:cubicBezTo>
-                      <a:pt x="7699" y="192361"/>
-                      <a:pt x="9003" y="190926"/>
-                      <a:pt x="8938" y="189262"/>
-                    </a:cubicBezTo>
-                    <a:lnTo>
-                      <a:pt x="6459" y="127121"/>
-                    </a:lnTo>
-                    <a:cubicBezTo>
-                      <a:pt x="6394" y="125458"/>
-                      <a:pt x="6590" y="123859"/>
-                      <a:pt x="7046" y="122326"/>
-                    </a:cubicBezTo>
-                    <a:lnTo>
-                      <a:pt x="16995" y="132242"/>
-                    </a:lnTo>
-                    <a:cubicBezTo>
-                      <a:pt x="19801" y="135080"/>
-                      <a:pt x="21366" y="138832"/>
-                      <a:pt x="21366" y="142844"/>
-                    </a:cubicBezTo>
-                    <a:lnTo>
-                      <a:pt x="21366" y="189360"/>
-                    </a:lnTo>
-                    <a:cubicBezTo>
-                      <a:pt x="21366" y="191056"/>
-                      <a:pt x="22736" y="192426"/>
-                      <a:pt x="24433" y="192426"/>
-                    </a:cubicBezTo>
-                    <a:cubicBezTo>
-                      <a:pt x="26129" y="192426"/>
-                      <a:pt x="27499" y="191056"/>
-                      <a:pt x="27499" y="189360"/>
-                    </a:cubicBezTo>
-                    <a:lnTo>
-                      <a:pt x="27499" y="142844"/>
-                    </a:lnTo>
-                    <a:cubicBezTo>
-                      <a:pt x="27499" y="137201"/>
-                      <a:pt x="25281" y="131916"/>
-                      <a:pt x="21301" y="127937"/>
-                    </a:cubicBezTo>
-                    <a:lnTo>
-                      <a:pt x="10113" y="116715"/>
-                    </a:lnTo>
-                    <a:cubicBezTo>
-                      <a:pt x="11678" y="114889"/>
-                      <a:pt x="13701" y="113453"/>
-                      <a:pt x="16049" y="112540"/>
-                    </a:cubicBezTo>
-                    <a:lnTo>
-                      <a:pt x="32392" y="106244"/>
-                    </a:lnTo>
-                    <a:lnTo>
-                      <a:pt x="44853" y="124968"/>
-                    </a:lnTo>
-                    <a:cubicBezTo>
-                      <a:pt x="46386" y="127219"/>
-                      <a:pt x="48800" y="128687"/>
-                      <a:pt x="51507" y="128948"/>
-                    </a:cubicBezTo>
-                    <a:cubicBezTo>
-                      <a:pt x="51801" y="128980"/>
-                      <a:pt x="52127" y="129013"/>
-                      <a:pt x="52421" y="129013"/>
-                    </a:cubicBezTo>
-                    <a:cubicBezTo>
-                      <a:pt x="54084" y="129013"/>
-                      <a:pt x="55683" y="128524"/>
-                      <a:pt x="57118" y="127676"/>
-                    </a:cubicBezTo>
-                    <a:lnTo>
-                      <a:pt x="57118" y="127676"/>
-                    </a:lnTo>
-                    <a:lnTo>
-                      <a:pt x="54410" y="189229"/>
-                    </a:lnTo>
-                    <a:cubicBezTo>
-                      <a:pt x="54345" y="190926"/>
-                      <a:pt x="55650" y="192361"/>
-                      <a:pt x="57346" y="192426"/>
-                    </a:cubicBezTo>
-                    <a:lnTo>
-                      <a:pt x="57477" y="192426"/>
-                    </a:lnTo>
-                    <a:cubicBezTo>
-                      <a:pt x="59108" y="192426"/>
-                      <a:pt x="60478" y="191154"/>
-                      <a:pt x="60543" y="189490"/>
-                    </a:cubicBezTo>
-                    <a:lnTo>
-                      <a:pt x="63022" y="132406"/>
-                    </a:lnTo>
-                    <a:lnTo>
-                      <a:pt x="69970" y="132406"/>
-                    </a:lnTo>
-                    <a:lnTo>
-                      <a:pt x="72449" y="189490"/>
-                    </a:lnTo>
-                    <a:cubicBezTo>
-                      <a:pt x="72514" y="191154"/>
-                      <a:pt x="73884" y="192426"/>
-                      <a:pt x="75515" y="192426"/>
-                    </a:cubicBezTo>
-                    <a:lnTo>
-                      <a:pt x="75646" y="192426"/>
-                    </a:lnTo>
-                    <a:cubicBezTo>
-                      <a:pt x="77342" y="192361"/>
-                      <a:pt x="78647" y="190926"/>
-                      <a:pt x="78582" y="189229"/>
-                    </a:cubicBezTo>
-                    <a:lnTo>
-                      <a:pt x="75874" y="127676"/>
-                    </a:lnTo>
-                    <a:lnTo>
-                      <a:pt x="75874" y="127676"/>
-                    </a:lnTo>
-                    <a:cubicBezTo>
-                      <a:pt x="77309" y="128524"/>
-                      <a:pt x="78908" y="129013"/>
-                      <a:pt x="80571" y="129013"/>
-                    </a:cubicBezTo>
-                    <a:cubicBezTo>
-                      <a:pt x="80865" y="129013"/>
-                      <a:pt x="81191" y="128980"/>
-                      <a:pt x="81485" y="128948"/>
-                    </a:cubicBezTo>
-                    <a:cubicBezTo>
-                      <a:pt x="84192" y="128687"/>
-                      <a:pt x="86606" y="127219"/>
-                      <a:pt x="88139" y="124968"/>
-                    </a:cubicBezTo>
-                    <a:lnTo>
-                      <a:pt x="100600" y="106244"/>
-                    </a:lnTo>
-                    <a:lnTo>
-                      <a:pt x="116943" y="112540"/>
-                    </a:lnTo>
-                    <a:cubicBezTo>
-                      <a:pt x="119291" y="113453"/>
-                      <a:pt x="121314" y="114889"/>
-                      <a:pt x="122879" y="116715"/>
-                    </a:cubicBezTo>
-                    <a:lnTo>
-                      <a:pt x="111691" y="127937"/>
-                    </a:lnTo>
-                    <a:cubicBezTo>
-                      <a:pt x="107711" y="131916"/>
-                      <a:pt x="105493" y="137201"/>
-                      <a:pt x="105493" y="142844"/>
-                    </a:cubicBezTo>
-                    <a:lnTo>
-                      <a:pt x="105493" y="189360"/>
-                    </a:lnTo>
-                    <a:cubicBezTo>
-                      <a:pt x="105493" y="191056"/>
-                      <a:pt x="106863" y="192426"/>
-                      <a:pt x="108559" y="192426"/>
-                    </a:cubicBezTo>
-                    <a:cubicBezTo>
-                      <a:pt x="110256" y="192426"/>
-                      <a:pt x="111626" y="191056"/>
-                      <a:pt x="111626" y="189360"/>
-                    </a:cubicBezTo>
-                    <a:lnTo>
-                      <a:pt x="111626" y="142844"/>
-                    </a:lnTo>
-                    <a:cubicBezTo>
-                      <a:pt x="111626" y="138832"/>
-                      <a:pt x="113191" y="135080"/>
-                      <a:pt x="115997" y="132242"/>
-                    </a:cubicBezTo>
-                    <a:lnTo>
-                      <a:pt x="125946" y="122326"/>
-                    </a:lnTo>
-                    <a:cubicBezTo>
-                      <a:pt x="126402" y="123859"/>
-                      <a:pt x="126598" y="125458"/>
-                      <a:pt x="126533" y="127121"/>
-                    </a:cubicBezTo>
-                    <a:lnTo>
-                      <a:pt x="124054" y="189262"/>
-                    </a:lnTo>
-                    <a:cubicBezTo>
-                      <a:pt x="123989" y="190926"/>
-                      <a:pt x="125293" y="192361"/>
-                      <a:pt x="126990" y="192426"/>
-                    </a:cubicBezTo>
-                    <a:lnTo>
-                      <a:pt x="127087" y="192426"/>
-                    </a:lnTo>
-                    <a:cubicBezTo>
-                      <a:pt x="128718" y="192426"/>
-                      <a:pt x="130088" y="191121"/>
-                      <a:pt x="130154" y="189490"/>
-                    </a:cubicBezTo>
-                    <a:lnTo>
-                      <a:pt x="132633" y="127350"/>
-                    </a:lnTo>
-                    <a:cubicBezTo>
-                      <a:pt x="132992" y="118346"/>
-                      <a:pt x="127577" y="110094"/>
-                      <a:pt x="119161" y="106832"/>
-                    </a:cubicBezTo>
-                    <a:lnTo>
-                      <a:pt x="101644" y="100079"/>
-                    </a:lnTo>
-                    <a:lnTo>
-                      <a:pt x="92706" y="91141"/>
-                    </a:lnTo>
-                    <a:cubicBezTo>
-                      <a:pt x="92119" y="90554"/>
-                      <a:pt x="91369" y="90261"/>
-                      <a:pt x="90586" y="90261"/>
-                    </a:cubicBezTo>
-                    <a:lnTo>
-                      <a:pt x="90586" y="82954"/>
-                    </a:lnTo>
-                    <a:cubicBezTo>
-                      <a:pt x="94826" y="78452"/>
-                      <a:pt x="97827" y="72744"/>
-                      <a:pt x="99002" y="66318"/>
-                    </a:cubicBezTo>
-                    <a:cubicBezTo>
-                      <a:pt x="99034" y="66318"/>
-                      <a:pt x="99034" y="66285"/>
-                      <a:pt x="99034" y="66285"/>
-                    </a:cubicBezTo>
-                    <a:cubicBezTo>
-                      <a:pt x="99237" y="66302"/>
-                      <a:pt x="99439" y="66310"/>
-                      <a:pt x="99640" y="66310"/>
-                    </a:cubicBezTo>
-                    <a:cubicBezTo>
-                      <a:pt x="100220" y="66310"/>
-                      <a:pt x="100794" y="66243"/>
-                      <a:pt x="101350" y="66122"/>
-                    </a:cubicBezTo>
-                    <a:cubicBezTo>
-                      <a:pt x="105558" y="65274"/>
-                      <a:pt x="108625" y="61360"/>
-                      <a:pt x="108625" y="56858"/>
-                    </a:cubicBezTo>
-                    <a:lnTo>
-                      <a:pt x="108625" y="54509"/>
-                    </a:lnTo>
-                    <a:cubicBezTo>
-                      <a:pt x="108625" y="51867"/>
-                      <a:pt x="107515" y="49421"/>
-                      <a:pt x="105754" y="47724"/>
-                    </a:cubicBezTo>
-                    <a:cubicBezTo>
-                      <a:pt x="108625" y="32263"/>
-                      <a:pt x="106309" y="19704"/>
-                      <a:pt x="99034" y="11288"/>
-                    </a:cubicBezTo>
-                    <a:cubicBezTo>
-                      <a:pt x="92612" y="3880"/>
-                      <a:pt x="82579" y="1"/>
-                      <a:pt x="69887" y="1"/>
-                    </a:cubicBezTo>
-                    <a:close/>
-                  </a:path>
-                </a:pathLst>
-              </a:custGeom>
-              <a:solidFill>
-                <a:schemeClr val="tx1"/>
-              </a:solidFill>
-              <a:ln>
-                <a:noFill/>
-              </a:ln>
-            </p:spPr>
-            <p:txBody>
-              <a:bodyPr spcFirstLastPara="1" wrap="square" lIns="91425" tIns="91425" rIns="91425" bIns="91425" anchor="ctr" anchorCtr="0">
-                <a:noAutofit/>
-              </a:bodyPr>
-              <a:lstStyle/>
-              <a:p>
-                <a:pPr marL="0" lvl="0" indent="0" algn="l" rtl="0">
-                  <a:spcBef>
-                    <a:spcPts val="0"/>
-                  </a:spcBef>
-                  <a:spcAft>
-                    <a:spcPts val="0"/>
-                  </a:spcAft>
-                  <a:buNone/>
-                </a:pPr>
-                <a:endParaRPr dirty="0"/>
-              </a:p>
-            </p:txBody>
-          </p:sp>
-          <p:sp>
-            <p:nvSpPr>
-              <p:cNvPr id="19" name="Google Shape;428;p67">
-                <a:extLst>
-                  <a:ext uri="{FF2B5EF4-FFF2-40B4-BE49-F238E27FC236}">
-                    <a16:creationId xmlns:a16="http://schemas.microsoft.com/office/drawing/2014/main" id="{948E9D3B-165A-0C48-4FCE-E14786D46307}"/>
-                  </a:ext>
-                </a:extLst>
-              </p:cNvPr>
-              <p:cNvSpPr/>
-              <p:nvPr/>
-            </p:nvSpPr>
-            <p:spPr>
-              <a:xfrm>
-                <a:off x="3858100" y="238125"/>
-                <a:ext cx="2387800" cy="2767800"/>
-              </a:xfrm>
-              <a:custGeom>
-                <a:avLst/>
-                <a:gdLst/>
-                <a:ahLst/>
-                <a:cxnLst/>
-                <a:rect l="l" t="t" r="r" b="b"/>
-                <a:pathLst>
-                  <a:path w="95512" h="110712" extrusionOk="0">
-                    <a:moveTo>
-                      <a:pt x="40156" y="0"/>
-                    </a:moveTo>
-                    <a:cubicBezTo>
-                      <a:pt x="25477" y="0"/>
-                      <a:pt x="11646" y="5676"/>
-                      <a:pt x="1240" y="15984"/>
-                    </a:cubicBezTo>
-                    <a:cubicBezTo>
-                      <a:pt x="33" y="17191"/>
-                      <a:pt x="1" y="19115"/>
-                      <a:pt x="1208" y="20322"/>
-                    </a:cubicBezTo>
-                    <a:cubicBezTo>
-                      <a:pt x="1799" y="20930"/>
-                      <a:pt x="2588" y="21231"/>
-                      <a:pt x="3377" y="21231"/>
-                    </a:cubicBezTo>
-                    <a:cubicBezTo>
-                      <a:pt x="4154" y="21231"/>
-                      <a:pt x="4930" y="20938"/>
-                      <a:pt x="5513" y="20355"/>
-                    </a:cubicBezTo>
-                    <a:cubicBezTo>
-                      <a:pt x="14810" y="11156"/>
-                      <a:pt x="27108" y="6133"/>
-                      <a:pt x="40156" y="6133"/>
-                    </a:cubicBezTo>
-                    <a:cubicBezTo>
-                      <a:pt x="67295" y="6133"/>
-                      <a:pt x="89379" y="28216"/>
-                      <a:pt x="89379" y="55356"/>
-                    </a:cubicBezTo>
-                    <a:cubicBezTo>
-                      <a:pt x="89379" y="82496"/>
-                      <a:pt x="67295" y="104579"/>
-                      <a:pt x="40156" y="104579"/>
-                    </a:cubicBezTo>
-                    <a:cubicBezTo>
-                      <a:pt x="27956" y="104579"/>
-                      <a:pt x="16278" y="100110"/>
-                      <a:pt x="7210" y="91955"/>
-                    </a:cubicBezTo>
-                    <a:cubicBezTo>
-                      <a:pt x="6636" y="91427"/>
-                      <a:pt x="5910" y="91172"/>
-                      <a:pt x="5184" y="91172"/>
-                    </a:cubicBezTo>
-                    <a:cubicBezTo>
-                      <a:pt x="4341" y="91172"/>
-                      <a:pt x="3500" y="91517"/>
-                      <a:pt x="2904" y="92184"/>
-                    </a:cubicBezTo>
-                    <a:cubicBezTo>
-                      <a:pt x="1762" y="93423"/>
-                      <a:pt x="1860" y="95380"/>
-                      <a:pt x="3132" y="96490"/>
-                    </a:cubicBezTo>
-                    <a:cubicBezTo>
-                      <a:pt x="13309" y="105656"/>
-                      <a:pt x="26455" y="110712"/>
-                      <a:pt x="40156" y="110712"/>
-                    </a:cubicBezTo>
-                    <a:cubicBezTo>
-                      <a:pt x="70688" y="110712"/>
-                      <a:pt x="95512" y="85888"/>
-                      <a:pt x="95512" y="55356"/>
-                    </a:cubicBezTo>
-                    <a:cubicBezTo>
-                      <a:pt x="95512" y="24824"/>
-                      <a:pt x="70688" y="0"/>
-                      <a:pt x="40156" y="0"/>
-                    </a:cubicBezTo>
-                    <a:close/>
-                  </a:path>
-                </a:pathLst>
-              </a:custGeom>
-              <a:solidFill>
-                <a:schemeClr val="tx1"/>
-              </a:solidFill>
-              <a:ln>
-                <a:noFill/>
-              </a:ln>
-            </p:spPr>
-            <p:txBody>
-              <a:bodyPr spcFirstLastPara="1" wrap="square" lIns="91425" tIns="91425" rIns="91425" bIns="91425" anchor="ctr" anchorCtr="0">
-                <a:noAutofit/>
-              </a:bodyPr>
-              <a:lstStyle/>
-              <a:p>
-                <a:pPr marL="0" lvl="0" indent="0" algn="l" rtl="0">
-                  <a:spcBef>
-                    <a:spcPts val="0"/>
-                  </a:spcBef>
-                  <a:spcAft>
-                    <a:spcPts val="0"/>
-                  </a:spcAft>
-                  <a:buNone/>
-                </a:pPr>
-                <a:endParaRPr/>
-              </a:p>
-            </p:txBody>
-          </p:sp>
-          <p:sp>
-            <p:nvSpPr>
-              <p:cNvPr id="20" name="Google Shape;429;p67">
-                <a:extLst>
-                  <a:ext uri="{FF2B5EF4-FFF2-40B4-BE49-F238E27FC236}">
-                    <a16:creationId xmlns:a16="http://schemas.microsoft.com/office/drawing/2014/main" id="{D0162273-A3B5-9E22-433D-2A07CE58484C}"/>
-                  </a:ext>
-                </a:extLst>
-              </p:cNvPr>
-              <p:cNvSpPr/>
-              <p:nvPr/>
-            </p:nvSpPr>
-            <p:spPr>
-              <a:xfrm>
-                <a:off x="4213650" y="892150"/>
-                <a:ext cx="1378225" cy="1459750"/>
-              </a:xfrm>
-              <a:custGeom>
-                <a:avLst/>
-                <a:gdLst/>
-                <a:ahLst/>
-                <a:cxnLst/>
-                <a:rect l="l" t="t" r="r" b="b"/>
-                <a:pathLst>
-                  <a:path w="55129" h="58390" extrusionOk="0">
-                    <a:moveTo>
-                      <a:pt x="25934" y="0"/>
-                    </a:moveTo>
-                    <a:cubicBezTo>
-                      <a:pt x="24237" y="0"/>
-                      <a:pt x="22867" y="1370"/>
-                      <a:pt x="22867" y="3034"/>
-                    </a:cubicBezTo>
-                    <a:lnTo>
-                      <a:pt x="22867" y="26129"/>
-                    </a:lnTo>
-                    <a:lnTo>
-                      <a:pt x="3034" y="26129"/>
-                    </a:lnTo>
-                    <a:cubicBezTo>
-                      <a:pt x="1371" y="26129"/>
-                      <a:pt x="1" y="27499"/>
-                      <a:pt x="1" y="29195"/>
-                    </a:cubicBezTo>
-                    <a:cubicBezTo>
-                      <a:pt x="1" y="30891"/>
-                      <a:pt x="1371" y="32261"/>
-                      <a:pt x="3034" y="32261"/>
-                    </a:cubicBezTo>
-                    <a:lnTo>
-                      <a:pt x="22867" y="32261"/>
-                    </a:lnTo>
-                    <a:lnTo>
-                      <a:pt x="22867" y="55356"/>
-                    </a:lnTo>
-                    <a:cubicBezTo>
-                      <a:pt x="22867" y="57020"/>
-                      <a:pt x="24237" y="58390"/>
-                      <a:pt x="25934" y="58390"/>
-                    </a:cubicBezTo>
-                    <a:cubicBezTo>
-                      <a:pt x="27630" y="58390"/>
-                      <a:pt x="29000" y="57020"/>
-                      <a:pt x="29000" y="55356"/>
-                    </a:cubicBezTo>
-                    <a:lnTo>
-                      <a:pt x="29000" y="32261"/>
-                    </a:lnTo>
-                    <a:lnTo>
-                      <a:pt x="52062" y="32261"/>
-                    </a:lnTo>
-                    <a:cubicBezTo>
-                      <a:pt x="53758" y="32261"/>
-                      <a:pt x="55128" y="30891"/>
-                      <a:pt x="55128" y="29195"/>
-                    </a:cubicBezTo>
-                    <a:cubicBezTo>
-                      <a:pt x="55128" y="27499"/>
-                      <a:pt x="53758" y="26129"/>
-                      <a:pt x="52062" y="26129"/>
-                    </a:cubicBezTo>
-                    <a:lnTo>
-                      <a:pt x="29000" y="26129"/>
-                    </a:lnTo>
-                    <a:lnTo>
-                      <a:pt x="29000" y="3034"/>
-                    </a:lnTo>
-                    <a:cubicBezTo>
-                      <a:pt x="29000" y="1370"/>
-                      <a:pt x="27630" y="0"/>
-                      <a:pt x="25934" y="0"/>
-                    </a:cubicBezTo>
-                    <a:close/>
-                  </a:path>
-                </a:pathLst>
-              </a:custGeom>
-              <a:solidFill>
-                <a:schemeClr val="tx1"/>
-              </a:solidFill>
-              <a:ln>
-                <a:noFill/>
-              </a:ln>
-            </p:spPr>
-            <p:txBody>
-              <a:bodyPr spcFirstLastPara="1" wrap="square" lIns="91425" tIns="91425" rIns="91425" bIns="91425" anchor="ctr" anchorCtr="0">
-                <a:noAutofit/>
-              </a:bodyPr>
-              <a:lstStyle/>
-              <a:p>
-                <a:pPr marL="0" lvl="0" indent="0" algn="l" rtl="0">
-                  <a:spcBef>
-                    <a:spcPts val="0"/>
-                  </a:spcBef>
-                  <a:spcAft>
-                    <a:spcPts val="0"/>
-                  </a:spcAft>
-                  <a:buNone/>
-                </a:pPr>
-                <a:endParaRPr/>
-              </a:p>
-            </p:txBody>
-          </p:sp>
-        </p:grpSp>
-        <p:sp>
-          <p:nvSpPr>
-            <p:cNvPr id="21" name="Google Shape;435;p67">
-              <a:extLst>
-                <a:ext uri="{FF2B5EF4-FFF2-40B4-BE49-F238E27FC236}">
-                  <a16:creationId xmlns:a16="http://schemas.microsoft.com/office/drawing/2014/main" id="{D36880F0-12D7-F76D-9288-427951619AE4}"/>
-                </a:ext>
-              </a:extLst>
-            </p:cNvPr>
-            <p:cNvSpPr/>
-            <p:nvPr/>
-          </p:nvSpPr>
-          <p:spPr>
-            <a:xfrm>
-              <a:off x="2512650" y="3627674"/>
-              <a:ext cx="2472000" cy="1341000"/>
-            </a:xfrm>
-            <a:prstGeom prst="frame">
-              <a:avLst>
-                <a:gd name="adj1" fmla="val 2831"/>
-              </a:avLst>
-            </a:prstGeom>
-            <a:solidFill>
-              <a:schemeClr val="tx1"/>
-            </a:solidFill>
-            <a:ln>
-              <a:noFill/>
-            </a:ln>
-          </p:spPr>
-          <p:txBody>
-            <a:bodyPr spcFirstLastPara="1" wrap="square" lIns="91425" tIns="91425" rIns="91425" bIns="91425" anchor="ctr" anchorCtr="0">
-              <a:noAutofit/>
-            </a:bodyPr>
-            <a:lstStyle/>
-            <a:p>
-              <a:pPr marL="0" lvl="0" indent="0" algn="l" rtl="0">
-                <a:spcBef>
-                  <a:spcPts val="0"/>
-                </a:spcBef>
-                <a:spcAft>
-                  <a:spcPts val="0"/>
-                </a:spcAft>
-                <a:buNone/>
-              </a:pPr>
-              <a:endParaRPr/>
-            </a:p>
-          </p:txBody>
-        </p:sp>
-        <p:sp>
-          <p:nvSpPr>
-            <p:cNvPr id="22" name="Google Shape;436;p67">
-              <a:extLst>
-                <a:ext uri="{FF2B5EF4-FFF2-40B4-BE49-F238E27FC236}">
-                  <a16:creationId xmlns:a16="http://schemas.microsoft.com/office/drawing/2014/main" id="{1994E249-D92E-0279-5E27-D77857910852}"/>
-                </a:ext>
-              </a:extLst>
-            </p:cNvPr>
-            <p:cNvSpPr/>
-            <p:nvPr/>
-          </p:nvSpPr>
-          <p:spPr>
-            <a:xfrm>
-              <a:off x="5110941" y="3627674"/>
-              <a:ext cx="2472000" cy="1341000"/>
-            </a:xfrm>
-            <a:prstGeom prst="frame">
-              <a:avLst>
-                <a:gd name="adj1" fmla="val 2831"/>
-              </a:avLst>
-            </a:prstGeom>
-            <a:solidFill>
-              <a:schemeClr val="tx1"/>
-            </a:solidFill>
-            <a:ln>
-              <a:noFill/>
-            </a:ln>
-          </p:spPr>
-          <p:txBody>
-            <a:bodyPr spcFirstLastPara="1" wrap="square" lIns="91425" tIns="91425" rIns="91425" bIns="91425" anchor="ctr" anchorCtr="0">
-              <a:noAutofit/>
-            </a:bodyPr>
-            <a:lstStyle/>
-            <a:p>
-              <a:pPr marL="0" lvl="0" indent="0" algn="l" rtl="0">
-                <a:spcBef>
-                  <a:spcPts val="0"/>
-                </a:spcBef>
-                <a:spcAft>
-                  <a:spcPts val="0"/>
-                </a:spcAft>
-                <a:buNone/>
-              </a:pPr>
-              <a:endParaRPr/>
-            </a:p>
-          </p:txBody>
-        </p:sp>
-        <p:sp>
-          <p:nvSpPr>
-            <p:cNvPr id="23" name="Google Shape;437;p67">
-              <a:extLst>
-                <a:ext uri="{FF2B5EF4-FFF2-40B4-BE49-F238E27FC236}">
-                  <a16:creationId xmlns:a16="http://schemas.microsoft.com/office/drawing/2014/main" id="{2F725645-1041-2CAB-4816-A11BD15C8BA3}"/>
-                </a:ext>
-              </a:extLst>
-            </p:cNvPr>
-            <p:cNvSpPr/>
-            <p:nvPr/>
-          </p:nvSpPr>
-          <p:spPr>
-            <a:xfrm>
-              <a:off x="7719700" y="3627674"/>
-              <a:ext cx="2472000" cy="1341000"/>
-            </a:xfrm>
-            <a:prstGeom prst="frame">
-              <a:avLst>
-                <a:gd name="adj1" fmla="val 2831"/>
-              </a:avLst>
-            </a:prstGeom>
-            <a:solidFill>
-              <a:schemeClr val="tx1"/>
-            </a:solidFill>
-            <a:ln>
-              <a:noFill/>
-            </a:ln>
-          </p:spPr>
-          <p:txBody>
-            <a:bodyPr spcFirstLastPara="1" wrap="square" lIns="91425" tIns="91425" rIns="91425" bIns="91425" anchor="ctr" anchorCtr="0">
-              <a:noAutofit/>
-            </a:bodyPr>
-            <a:lstStyle/>
-            <a:p>
-              <a:pPr marL="0" lvl="0" indent="0" algn="l" rtl="0">
-                <a:spcBef>
-                  <a:spcPts val="0"/>
-                </a:spcBef>
-                <a:spcAft>
-                  <a:spcPts val="0"/>
-                </a:spcAft>
-                <a:buNone/>
-              </a:pPr>
-              <a:endParaRPr/>
-            </a:p>
-          </p:txBody>
-        </p:sp>
-        <p:grpSp>
-          <p:nvGrpSpPr>
-            <p:cNvPr id="26" name="Graphic 2" descr="Laptop outline">
-              <a:extLst>
-                <a:ext uri="{FF2B5EF4-FFF2-40B4-BE49-F238E27FC236}">
-                  <a16:creationId xmlns:a16="http://schemas.microsoft.com/office/drawing/2014/main" id="{5CF195BB-32D9-AA46-5B99-51F71D184A69}"/>
-                </a:ext>
-              </a:extLst>
-            </p:cNvPr>
-            <p:cNvGrpSpPr/>
-            <p:nvPr/>
-          </p:nvGrpSpPr>
-          <p:grpSpPr>
-            <a:xfrm>
-              <a:off x="8519273" y="2405586"/>
-              <a:ext cx="876300" cy="523817"/>
-              <a:chOff x="8519273" y="2405586"/>
-              <a:chExt cx="876300" cy="523817"/>
-            </a:xfrm>
-            <a:solidFill>
-              <a:schemeClr val="tx1"/>
-            </a:solidFill>
-          </p:grpSpPr>
-          <p:sp>
-            <p:nvSpPr>
-              <p:cNvPr id="27" name="Forma livre: Forma 26">
-                <a:extLst>
-                  <a:ext uri="{FF2B5EF4-FFF2-40B4-BE49-F238E27FC236}">
-                    <a16:creationId xmlns:a16="http://schemas.microsoft.com/office/drawing/2014/main" id="{3E0C3C97-26E8-919C-D330-10EEBE95C219}"/>
-                  </a:ext>
-                </a:extLst>
-              </p:cNvPr>
-              <p:cNvSpPr/>
-              <p:nvPr/>
-            </p:nvSpPr>
-            <p:spPr>
-              <a:xfrm>
-                <a:off x="8681198" y="2453211"/>
-                <a:ext cx="552450" cy="342995"/>
-              </a:xfrm>
-              <a:custGeom>
-                <a:avLst/>
-                <a:gdLst>
-                  <a:gd name="connsiteX0" fmla="*/ 552450 w 552450"/>
-                  <a:gd name="connsiteY0" fmla="*/ 342843 h 342995"/>
-                  <a:gd name="connsiteX1" fmla="*/ 552450 w 552450"/>
-                  <a:gd name="connsiteY1" fmla="*/ 0 h 342995"/>
-                  <a:gd name="connsiteX2" fmla="*/ 0 w 552450"/>
-                  <a:gd name="connsiteY2" fmla="*/ 0 h 342995"/>
-                  <a:gd name="connsiteX3" fmla="*/ 0 w 552450"/>
-                  <a:gd name="connsiteY3" fmla="*/ 342995 h 342995"/>
-                  <a:gd name="connsiteX4" fmla="*/ 19050 w 552450"/>
-                  <a:gd name="connsiteY4" fmla="*/ 19050 h 342995"/>
-                  <a:gd name="connsiteX5" fmla="*/ 533400 w 552450"/>
-                  <a:gd name="connsiteY5" fmla="*/ 19050 h 342995"/>
-                  <a:gd name="connsiteX6" fmla="*/ 533400 w 552450"/>
-                  <a:gd name="connsiteY6" fmla="*/ 323783 h 342995"/>
-                  <a:gd name="connsiteX7" fmla="*/ 19050 w 552450"/>
-                  <a:gd name="connsiteY7" fmla="*/ 323945 h 342995"/>
-                </a:gdLst>
-                <a:ahLst/>
-                <a:cxnLst>
-                  <a:cxn ang="0">
-                    <a:pos x="connsiteX0" y="connsiteY0"/>
-                  </a:cxn>
-                  <a:cxn ang="0">
-                    <a:pos x="connsiteX1" y="connsiteY1"/>
-                  </a:cxn>
-                  <a:cxn ang="0">
-                    <a:pos x="connsiteX2" y="connsiteY2"/>
-                  </a:cxn>
-                  <a:cxn ang="0">
-                    <a:pos x="connsiteX3" y="connsiteY3"/>
-                  </a:cxn>
-                  <a:cxn ang="0">
-                    <a:pos x="connsiteX4" y="connsiteY4"/>
-                  </a:cxn>
-                  <a:cxn ang="0">
-                    <a:pos x="connsiteX5" y="connsiteY5"/>
-                  </a:cxn>
-                  <a:cxn ang="0">
-                    <a:pos x="connsiteX6" y="connsiteY6"/>
-                  </a:cxn>
-                  <a:cxn ang="0">
-                    <a:pos x="connsiteX7" y="connsiteY7"/>
-                  </a:cxn>
-                </a:cxnLst>
-                <a:rect l="l" t="t" r="r" b="b"/>
-                <a:pathLst>
-                  <a:path w="552450" h="342995">
-                    <a:moveTo>
-                      <a:pt x="552450" y="342843"/>
-                    </a:moveTo>
-                    <a:lnTo>
-                      <a:pt x="552450" y="0"/>
-                    </a:lnTo>
-                    <a:lnTo>
-                      <a:pt x="0" y="0"/>
-                    </a:lnTo>
-                    <a:lnTo>
-                      <a:pt x="0" y="342995"/>
-                    </a:lnTo>
-                    <a:close/>
-                    <a:moveTo>
-                      <a:pt x="19050" y="19050"/>
-                    </a:moveTo>
-                    <a:lnTo>
-                      <a:pt x="533400" y="19050"/>
-                    </a:lnTo>
-                    <a:lnTo>
-                      <a:pt x="533400" y="323783"/>
-                    </a:lnTo>
-                    <a:lnTo>
-                      <a:pt x="19050" y="323945"/>
-                    </a:lnTo>
-                    <a:close/>
-                  </a:path>
-                </a:pathLst>
-              </a:custGeom>
-              <a:solidFill>
-                <a:schemeClr val="tx1"/>
-              </a:solidFill>
-              <a:ln w="12303" cap="flat">
-                <a:solidFill>
-                  <a:schemeClr val="bg2"/>
-                </a:solidFill>
-                <a:prstDash val="solid"/>
-                <a:miter/>
-              </a:ln>
-            </p:spPr>
-            <p:txBody>
-              <a:bodyPr rtlCol="0" anchor="ctr"/>
-              <a:lstStyle/>
-              <a:p>
-                <a:endParaRPr lang="pt-PT"/>
-              </a:p>
-            </p:txBody>
-          </p:sp>
-          <p:sp>
-            <p:nvSpPr>
-              <p:cNvPr id="28" name="Forma livre: Forma 27">
-                <a:extLst>
-                  <a:ext uri="{FF2B5EF4-FFF2-40B4-BE49-F238E27FC236}">
-                    <a16:creationId xmlns:a16="http://schemas.microsoft.com/office/drawing/2014/main" id="{8F902D64-0D87-DE13-A040-0E9B980B6EEC}"/>
-                  </a:ext>
-                </a:extLst>
-              </p:cNvPr>
-              <p:cNvSpPr/>
-              <p:nvPr/>
-            </p:nvSpPr>
-            <p:spPr>
-              <a:xfrm>
-                <a:off x="8633573" y="2405586"/>
-                <a:ext cx="647700" cy="428748"/>
-              </a:xfrm>
-              <a:custGeom>
-                <a:avLst/>
-                <a:gdLst>
-                  <a:gd name="connsiteX0" fmla="*/ 19050 w 647700"/>
-                  <a:gd name="connsiteY0" fmla="*/ 38100 h 428748"/>
-                  <a:gd name="connsiteX1" fmla="*/ 38100 w 647700"/>
-                  <a:gd name="connsiteY1" fmla="*/ 19050 h 428748"/>
-                  <a:gd name="connsiteX2" fmla="*/ 609600 w 647700"/>
-                  <a:gd name="connsiteY2" fmla="*/ 19050 h 428748"/>
-                  <a:gd name="connsiteX3" fmla="*/ 628650 w 647700"/>
-                  <a:gd name="connsiteY3" fmla="*/ 38100 h 428748"/>
-                  <a:gd name="connsiteX4" fmla="*/ 628650 w 647700"/>
-                  <a:gd name="connsiteY4" fmla="*/ 428749 h 428748"/>
-                  <a:gd name="connsiteX5" fmla="*/ 647700 w 647700"/>
-                  <a:gd name="connsiteY5" fmla="*/ 428749 h 428748"/>
-                  <a:gd name="connsiteX6" fmla="*/ 647700 w 647700"/>
-                  <a:gd name="connsiteY6" fmla="*/ 38100 h 428748"/>
-                  <a:gd name="connsiteX7" fmla="*/ 609600 w 647700"/>
-                  <a:gd name="connsiteY7" fmla="*/ 0 h 428748"/>
-                  <a:gd name="connsiteX8" fmla="*/ 38100 w 647700"/>
-                  <a:gd name="connsiteY8" fmla="*/ 0 h 428748"/>
-                  <a:gd name="connsiteX9" fmla="*/ 0 w 647700"/>
-                  <a:gd name="connsiteY9" fmla="*/ 38100 h 428748"/>
-                  <a:gd name="connsiteX10" fmla="*/ 0 w 647700"/>
-                  <a:gd name="connsiteY10" fmla="*/ 428749 h 428748"/>
-                  <a:gd name="connsiteX11" fmla="*/ 19050 w 647700"/>
-                  <a:gd name="connsiteY11" fmla="*/ 428749 h 428748"/>
-                </a:gdLst>
-                <a:ahLst/>
-                <a:cxnLst>
-                  <a:cxn ang="0">
-                    <a:pos x="connsiteX0" y="connsiteY0"/>
-                  </a:cxn>
-                  <a:cxn ang="0">
-                    <a:pos x="connsiteX1" y="connsiteY1"/>
-                  </a:cxn>
-                  <a:cxn ang="0">
-                    <a:pos x="connsiteX2" y="connsiteY2"/>
-                  </a:cxn>
-                  <a:cxn ang="0">
-                    <a:pos x="connsiteX3" y="connsiteY3"/>
-                  </a:cxn>
-                  <a:cxn ang="0">
-                    <a:pos x="connsiteX4" y="connsiteY4"/>
-                  </a:cxn>
-                  <a:cxn ang="0">
-                    <a:pos x="connsiteX5" y="connsiteY5"/>
-                  </a:cxn>
-                  <a:cxn ang="0">
-                    <a:pos x="connsiteX6" y="connsiteY6"/>
-                  </a:cxn>
-                  <a:cxn ang="0">
-                    <a:pos x="connsiteX7" y="connsiteY7"/>
-                  </a:cxn>
-                  <a:cxn ang="0">
-                    <a:pos x="connsiteX8" y="connsiteY8"/>
-                  </a:cxn>
-                  <a:cxn ang="0">
-                    <a:pos x="connsiteX9" y="connsiteY9"/>
-                  </a:cxn>
-                  <a:cxn ang="0">
-                    <a:pos x="connsiteX10" y="connsiteY10"/>
-                  </a:cxn>
-                  <a:cxn ang="0">
-                    <a:pos x="connsiteX11" y="connsiteY11"/>
-                  </a:cxn>
-                </a:cxnLst>
-                <a:rect l="l" t="t" r="r" b="b"/>
-                <a:pathLst>
-                  <a:path w="647700" h="428748">
-                    <a:moveTo>
-                      <a:pt x="19050" y="38100"/>
-                    </a:moveTo>
-                    <a:cubicBezTo>
-                      <a:pt x="19050" y="27579"/>
-                      <a:pt x="27579" y="19050"/>
-                      <a:pt x="38100" y="19050"/>
-                    </a:cubicBezTo>
-                    <a:lnTo>
-                      <a:pt x="609600" y="19050"/>
-                    </a:lnTo>
-                    <a:cubicBezTo>
-                      <a:pt x="620121" y="19050"/>
-                      <a:pt x="628650" y="27579"/>
-                      <a:pt x="628650" y="38100"/>
-                    </a:cubicBezTo>
-                    <a:lnTo>
-                      <a:pt x="628650" y="428749"/>
-                    </a:lnTo>
-                    <a:lnTo>
-                      <a:pt x="647700" y="428749"/>
-                    </a:lnTo>
-                    <a:lnTo>
-                      <a:pt x="647700" y="38100"/>
-                    </a:lnTo>
-                    <a:cubicBezTo>
-                      <a:pt x="647700" y="17058"/>
-                      <a:pt x="630642" y="0"/>
-                      <a:pt x="609600" y="0"/>
-                    </a:cubicBezTo>
-                    <a:lnTo>
-                      <a:pt x="38100" y="0"/>
-                    </a:lnTo>
-                    <a:cubicBezTo>
-                      <a:pt x="17058" y="0"/>
-                      <a:pt x="0" y="17058"/>
-                      <a:pt x="0" y="38100"/>
-                    </a:cubicBezTo>
-                    <a:lnTo>
-                      <a:pt x="0" y="428749"/>
-                    </a:lnTo>
-                    <a:lnTo>
-                      <a:pt x="19050" y="428749"/>
-                    </a:lnTo>
-                    <a:close/>
-                  </a:path>
-                </a:pathLst>
-              </a:custGeom>
-              <a:solidFill>
-                <a:schemeClr val="tx1"/>
-              </a:solidFill>
-              <a:ln w="12303" cap="flat">
-                <a:solidFill>
-                  <a:schemeClr val="bg2"/>
-                </a:solidFill>
-                <a:prstDash val="solid"/>
-                <a:miter/>
-              </a:ln>
-            </p:spPr>
-            <p:txBody>
-              <a:bodyPr rtlCol="0" anchor="ctr"/>
-              <a:lstStyle/>
-              <a:p>
-                <a:endParaRPr lang="pt-PT"/>
-              </a:p>
-            </p:txBody>
-          </p:sp>
-          <p:sp>
-            <p:nvSpPr>
-              <p:cNvPr id="29" name="Forma livre: Forma 28">
-                <a:extLst>
-                  <a:ext uri="{FF2B5EF4-FFF2-40B4-BE49-F238E27FC236}">
-                    <a16:creationId xmlns:a16="http://schemas.microsoft.com/office/drawing/2014/main" id="{2CD83DA1-C9E8-6BE4-312E-503160E6C067}"/>
-                  </a:ext>
-                </a:extLst>
-              </p:cNvPr>
-              <p:cNvSpPr/>
-              <p:nvPr/>
-            </p:nvSpPr>
-            <p:spPr>
-              <a:xfrm>
-                <a:off x="8519273" y="2862728"/>
-                <a:ext cx="876300" cy="66675"/>
-              </a:xfrm>
-              <a:custGeom>
-                <a:avLst/>
-                <a:gdLst>
-                  <a:gd name="connsiteX0" fmla="*/ 485775 w 876300"/>
-                  <a:gd name="connsiteY0" fmla="*/ 0 h 66675"/>
-                  <a:gd name="connsiteX1" fmla="*/ 485775 w 876300"/>
-                  <a:gd name="connsiteY1" fmla="*/ 19050 h 66675"/>
-                  <a:gd name="connsiteX2" fmla="*/ 390525 w 876300"/>
-                  <a:gd name="connsiteY2" fmla="*/ 19050 h 66675"/>
-                  <a:gd name="connsiteX3" fmla="*/ 390525 w 876300"/>
-                  <a:gd name="connsiteY3" fmla="*/ 0 h 66675"/>
-                  <a:gd name="connsiteX4" fmla="*/ 0 w 876300"/>
-                  <a:gd name="connsiteY4" fmla="*/ 0 h 66675"/>
-                  <a:gd name="connsiteX5" fmla="*/ 0 w 876300"/>
-                  <a:gd name="connsiteY5" fmla="*/ 19050 h 66675"/>
-                  <a:gd name="connsiteX6" fmla="*/ 47625 w 876300"/>
-                  <a:gd name="connsiteY6" fmla="*/ 66675 h 66675"/>
-                  <a:gd name="connsiteX7" fmla="*/ 828675 w 876300"/>
-                  <a:gd name="connsiteY7" fmla="*/ 66675 h 66675"/>
-                  <a:gd name="connsiteX8" fmla="*/ 876300 w 876300"/>
-                  <a:gd name="connsiteY8" fmla="*/ 19050 h 66675"/>
-                  <a:gd name="connsiteX9" fmla="*/ 876300 w 876300"/>
-                  <a:gd name="connsiteY9" fmla="*/ 0 h 66675"/>
-                  <a:gd name="connsiteX10" fmla="*/ 828675 w 876300"/>
-                  <a:gd name="connsiteY10" fmla="*/ 47625 h 66675"/>
-                  <a:gd name="connsiteX11" fmla="*/ 47625 w 876300"/>
-                  <a:gd name="connsiteY11" fmla="*/ 47625 h 66675"/>
-                  <a:gd name="connsiteX12" fmla="*/ 19050 w 876300"/>
-                  <a:gd name="connsiteY12" fmla="*/ 19050 h 66675"/>
-                  <a:gd name="connsiteX13" fmla="*/ 371475 w 876300"/>
-                  <a:gd name="connsiteY13" fmla="*/ 19050 h 66675"/>
-                  <a:gd name="connsiteX14" fmla="*/ 389265 w 876300"/>
-                  <a:gd name="connsiteY14" fmla="*/ 38100 h 66675"/>
-                  <a:gd name="connsiteX15" fmla="*/ 390525 w 876300"/>
-                  <a:gd name="connsiteY15" fmla="*/ 38100 h 66675"/>
-                  <a:gd name="connsiteX16" fmla="*/ 485775 w 876300"/>
-                  <a:gd name="connsiteY16" fmla="*/ 38100 h 66675"/>
-                  <a:gd name="connsiteX17" fmla="*/ 504825 w 876300"/>
-                  <a:gd name="connsiteY17" fmla="*/ 20310 h 66675"/>
-                  <a:gd name="connsiteX18" fmla="*/ 504825 w 876300"/>
-                  <a:gd name="connsiteY18" fmla="*/ 19050 h 66675"/>
-                  <a:gd name="connsiteX19" fmla="*/ 857250 w 876300"/>
-                  <a:gd name="connsiteY19" fmla="*/ 19050 h 66675"/>
-                  <a:gd name="connsiteX20" fmla="*/ 828675 w 876300"/>
-                  <a:gd name="connsiteY20" fmla="*/ 47625 h 66675"/>
-                </a:gdLst>
-                <a:ahLst/>
-                <a:cxnLst>
-                  <a:cxn ang="0">
-                    <a:pos x="connsiteX0" y="connsiteY0"/>
-                  </a:cxn>
-                  <a:cxn ang="0">
-                    <a:pos x="connsiteX1" y="connsiteY1"/>
-                  </a:cxn>
-                  <a:cxn ang="0">
-                    <a:pos x="connsiteX2" y="connsiteY2"/>
-                  </a:cxn>
-                  <a:cxn ang="0">
-                    <a:pos x="connsiteX3" y="connsiteY3"/>
-                  </a:cxn>
-                  <a:cxn ang="0">
-                    <a:pos x="connsiteX4" y="connsiteY4"/>
-                  </a:cxn>
-                  <a:cxn ang="0">
-                    <a:pos x="connsiteX5" y="connsiteY5"/>
-                  </a:cxn>
-                  <a:cxn ang="0">
-                    <a:pos x="connsiteX6" y="connsiteY6"/>
-                  </a:cxn>
-                  <a:cxn ang="0">
-                    <a:pos x="connsiteX7" y="connsiteY7"/>
-                  </a:cxn>
-                  <a:cxn ang="0">
-                    <a:pos x="connsiteX8" y="connsiteY8"/>
-                  </a:cxn>
-                  <a:cxn ang="0">
-                    <a:pos x="connsiteX9" y="connsiteY9"/>
-                  </a:cxn>
-                  <a:cxn ang="0">
-                    <a:pos x="connsiteX10" y="connsiteY10"/>
-                  </a:cxn>
-                  <a:cxn ang="0">
-                    <a:pos x="connsiteX11" y="connsiteY11"/>
-                  </a:cxn>
-                  <a:cxn ang="0">
-                    <a:pos x="connsiteX12" y="connsiteY12"/>
-                  </a:cxn>
-                  <a:cxn ang="0">
-                    <a:pos x="connsiteX13" y="connsiteY13"/>
-                  </a:cxn>
-                  <a:cxn ang="0">
-                    <a:pos x="connsiteX14" y="connsiteY14"/>
-                  </a:cxn>
-                  <a:cxn ang="0">
-                    <a:pos x="connsiteX15" y="connsiteY15"/>
-                  </a:cxn>
-                  <a:cxn ang="0">
-                    <a:pos x="connsiteX16" y="connsiteY16"/>
-                  </a:cxn>
-                  <a:cxn ang="0">
-                    <a:pos x="connsiteX17" y="connsiteY17"/>
-                  </a:cxn>
-                  <a:cxn ang="0">
-                    <a:pos x="connsiteX18" y="connsiteY18"/>
-                  </a:cxn>
-                  <a:cxn ang="0">
-                    <a:pos x="connsiteX19" y="connsiteY19"/>
-                  </a:cxn>
-                  <a:cxn ang="0">
-                    <a:pos x="connsiteX20" y="connsiteY20"/>
-                  </a:cxn>
-                </a:cxnLst>
-                <a:rect l="l" t="t" r="r" b="b"/>
-                <a:pathLst>
-                  <a:path w="876300" h="66675">
-                    <a:moveTo>
-                      <a:pt x="485775" y="0"/>
-                    </a:moveTo>
-                    <a:lnTo>
-                      <a:pt x="485775" y="19050"/>
-                    </a:lnTo>
-                    <a:lnTo>
-                      <a:pt x="390525" y="19050"/>
-                    </a:lnTo>
-                    <a:lnTo>
-                      <a:pt x="390525" y="0"/>
-                    </a:lnTo>
-                    <a:lnTo>
-                      <a:pt x="0" y="0"/>
-                    </a:lnTo>
-                    <a:lnTo>
-                      <a:pt x="0" y="19050"/>
-                    </a:lnTo>
-                    <a:cubicBezTo>
-                      <a:pt x="32" y="45340"/>
-                      <a:pt x="21336" y="66644"/>
-                      <a:pt x="47625" y="66675"/>
-                    </a:cubicBezTo>
-                    <a:lnTo>
-                      <a:pt x="828675" y="66675"/>
-                    </a:lnTo>
-                    <a:cubicBezTo>
-                      <a:pt x="854965" y="66644"/>
-                      <a:pt x="876269" y="45340"/>
-                      <a:pt x="876300" y="19050"/>
-                    </a:cubicBezTo>
-                    <a:lnTo>
-                      <a:pt x="876300" y="0"/>
-                    </a:lnTo>
-                    <a:close/>
-                    <a:moveTo>
-                      <a:pt x="828675" y="47625"/>
-                    </a:moveTo>
-                    <a:lnTo>
-                      <a:pt x="47625" y="47625"/>
-                    </a:lnTo>
-                    <a:cubicBezTo>
-                      <a:pt x="31844" y="47625"/>
-                      <a:pt x="19050" y="34832"/>
-                      <a:pt x="19050" y="19050"/>
-                    </a:cubicBezTo>
-                    <a:lnTo>
-                      <a:pt x="371475" y="19050"/>
-                    </a:lnTo>
-                    <a:cubicBezTo>
-                      <a:pt x="371127" y="29223"/>
-                      <a:pt x="379092" y="37752"/>
-                      <a:pt x="389265" y="38100"/>
-                    </a:cubicBezTo>
-                    <a:cubicBezTo>
-                      <a:pt x="389685" y="38114"/>
-                      <a:pt x="390105" y="38114"/>
-                      <a:pt x="390525" y="38100"/>
-                    </a:cubicBezTo>
-                    <a:lnTo>
-                      <a:pt x="485775" y="38100"/>
-                    </a:lnTo>
-                    <a:cubicBezTo>
-                      <a:pt x="495948" y="38448"/>
-                      <a:pt x="504477" y="30483"/>
-                      <a:pt x="504825" y="20310"/>
-                    </a:cubicBezTo>
-                    <a:cubicBezTo>
-                      <a:pt x="504839" y="19890"/>
-                      <a:pt x="504839" y="19470"/>
-                      <a:pt x="504825" y="19050"/>
-                    </a:cubicBezTo>
-                    <a:lnTo>
-                      <a:pt x="857250" y="19050"/>
-                    </a:lnTo>
-                    <a:cubicBezTo>
-                      <a:pt x="857250" y="34832"/>
-                      <a:pt x="844457" y="47625"/>
-                      <a:pt x="828675" y="47625"/>
-                    </a:cubicBezTo>
-                    <a:close/>
-                  </a:path>
-                </a:pathLst>
-              </a:custGeom>
-              <a:solidFill>
-                <a:schemeClr val="tx1"/>
-              </a:solidFill>
-              <a:ln w="12303" cap="flat">
-                <a:solidFill>
-                  <a:schemeClr val="bg2"/>
-                </a:solidFill>
-                <a:prstDash val="solid"/>
-                <a:miter/>
-              </a:ln>
-            </p:spPr>
-            <p:txBody>
-              <a:bodyPr rtlCol="0" anchor="ctr"/>
-              <a:lstStyle/>
-              <a:p>
-                <a:endParaRPr lang="pt-PT"/>
-              </a:p>
-            </p:txBody>
-          </p:sp>
-        </p:grpSp>
-      </p:grpSp>
-    </p:spTree>
-    <p:extLst>
-      <p:ext uri="{BB962C8B-B14F-4D97-AF65-F5344CB8AC3E}">
-        <p14:creationId xmlns:p14="http://schemas.microsoft.com/office/powerpoint/2010/main" val="654866306"/>
-      </p:ext>
-    </p:extLst>
-  </p:cSld>
-  <p:clrMapOvr>
-    <a:masterClrMapping/>
-  </p:clrMapOvr>
-</p:sld>
-</file>
-
-<file path=ppt/slides/slide6.xml><?xml version="1.0" encoding="utf-8"?>
 <p:sld xmlns:a="http://schemas.openxmlformats.org/drawingml/2006/main" xmlns:r="http://schemas.openxmlformats.org/officeDocument/2006/relationships" xmlns:p="http://schemas.openxmlformats.org/presentationml/2006/main">
   <p:cSld>
     <p:spTree>
@@ -9637,6 +5495,4240 @@
 </p:sld>
 </file>
 
+<file path=ppt/slides/slide6.xml><?xml version="1.0" encoding="utf-8"?>
+<p:sld xmlns:a="http://schemas.openxmlformats.org/drawingml/2006/main" xmlns:r="http://schemas.openxmlformats.org/officeDocument/2006/relationships" xmlns:p="http://schemas.openxmlformats.org/presentationml/2006/main">
+  <p:cSld>
+    <p:spTree>
+      <p:nvGrpSpPr>
+        <p:cNvPr id="1" name=""/>
+        <p:cNvGrpSpPr/>
+        <p:nvPr/>
+      </p:nvGrpSpPr>
+      <p:grpSpPr>
+        <a:xfrm>
+          <a:off x="0" y="0"/>
+          <a:ext cx="0" cy="0"/>
+          <a:chOff x="0" y="0"/>
+          <a:chExt cx="0" cy="0"/>
+        </a:xfrm>
+      </p:grpSpPr>
+      <p:sp>
+        <p:nvSpPr>
+          <p:cNvPr id="2" name="Título 1">
+            <a:extLst>
+              <a:ext uri="{FF2B5EF4-FFF2-40B4-BE49-F238E27FC236}">
+                <a16:creationId xmlns:a16="http://schemas.microsoft.com/office/drawing/2014/main" id="{36D3FD89-1446-FF1A-2ADD-A1F89E5EFBA9}"/>
+              </a:ext>
+            </a:extLst>
+          </p:cNvPr>
+          <p:cNvSpPr>
+            <a:spLocks noGrp="1"/>
+          </p:cNvSpPr>
+          <p:nvPr>
+            <p:ph type="title"/>
+          </p:nvPr>
+        </p:nvSpPr>
+        <p:spPr/>
+        <p:txBody>
+          <a:bodyPr/>
+          <a:lstStyle/>
+          <a:p>
+            <a:r>
+              <a:rPr lang="pt-PT" dirty="0" err="1">
+                <a:latin typeface="+mj-lt"/>
+              </a:rPr>
+              <a:t>Actors</a:t>
+            </a:r>
+            <a:endParaRPr lang="pt-PT" dirty="0">
+              <a:latin typeface="+mj-lt"/>
+            </a:endParaRPr>
+          </a:p>
+        </p:txBody>
+      </p:sp>
+      <p:sp>
+        <p:nvSpPr>
+          <p:cNvPr id="4" name="object 4">
+            <a:extLst>
+              <a:ext uri="{FF2B5EF4-FFF2-40B4-BE49-F238E27FC236}">
+                <a16:creationId xmlns:a16="http://schemas.microsoft.com/office/drawing/2014/main" id="{2602A6FF-6BED-D25A-735F-C46A4920A799}"/>
+              </a:ext>
+            </a:extLst>
+          </p:cNvPr>
+          <p:cNvSpPr txBox="1">
+            <a:spLocks noGrp="1"/>
+          </p:cNvSpPr>
+          <p:nvPr>
+            <p:ph type="sldNum" sz="quarter" idx="7"/>
+          </p:nvPr>
+        </p:nvSpPr>
+        <p:spPr>
+          <a:xfrm>
+            <a:off x="11908535" y="6537756"/>
+            <a:ext cx="231140" cy="330200"/>
+          </a:xfrm>
+          <a:prstGeom prst="rect">
+            <a:avLst/>
+          </a:prstGeom>
+        </p:spPr>
+        <p:txBody>
+          <a:bodyPr vert="horz" wrap="square" lIns="0" tIns="0" rIns="0" bIns="0" rtlCol="0">
+            <a:spAutoFit/>
+          </a:bodyPr>
+          <a:lstStyle/>
+          <a:p>
+            <a:pPr marL="38100">
+              <a:lnSpc>
+                <a:spcPts val="2380"/>
+              </a:lnSpc>
+            </a:pPr>
+            <a:fld id="{81D60167-4931-47E6-BA6A-407CBD079E47}" type="slidenum">
+              <a:rPr dirty="0"/>
+              <a:t>6</a:t>
+            </a:fld>
+            <a:endParaRPr dirty="0"/>
+          </a:p>
+        </p:txBody>
+      </p:sp>
+      <p:grpSp>
+        <p:nvGrpSpPr>
+          <p:cNvPr id="25" name="Agrupar 24">
+            <a:extLst>
+              <a:ext uri="{FF2B5EF4-FFF2-40B4-BE49-F238E27FC236}">
+                <a16:creationId xmlns:a16="http://schemas.microsoft.com/office/drawing/2014/main" id="{8DB7864E-7B7C-6A0B-44B7-65FE8CD3158F}"/>
+              </a:ext>
+            </a:extLst>
+          </p:cNvPr>
+          <p:cNvGrpSpPr/>
+          <p:nvPr/>
+        </p:nvGrpSpPr>
+        <p:grpSpPr>
+          <a:xfrm>
+            <a:off x="1124399" y="2112070"/>
+            <a:ext cx="9943200" cy="3813667"/>
+            <a:chOff x="2512650" y="2258388"/>
+            <a:chExt cx="7679050" cy="2710286"/>
+          </a:xfrm>
+        </p:grpSpPr>
+        <p:sp>
+          <p:nvSpPr>
+            <p:cNvPr id="5" name="Google Shape;413;p67">
+              <a:extLst>
+                <a:ext uri="{FF2B5EF4-FFF2-40B4-BE49-F238E27FC236}">
+                  <a16:creationId xmlns:a16="http://schemas.microsoft.com/office/drawing/2014/main" id="{9492147D-6E98-0FE3-4EBD-FF6E195381D1}"/>
+                </a:ext>
+              </a:extLst>
+            </p:cNvPr>
+            <p:cNvSpPr txBox="1">
+              <a:spLocks/>
+            </p:cNvSpPr>
+            <p:nvPr/>
+          </p:nvSpPr>
+          <p:spPr>
+            <a:xfrm>
+              <a:off x="2615334" y="3886200"/>
+              <a:ext cx="2179477" cy="795600"/>
+            </a:xfrm>
+            <a:prstGeom prst="rect">
+              <a:avLst/>
+            </a:prstGeom>
+          </p:spPr>
+          <p:txBody>
+            <a:bodyPr spcFirstLastPara="1" wrap="square" lIns="91425" tIns="91425" rIns="91425" bIns="91425" anchor="ctr" anchorCtr="0">
+              <a:noAutofit/>
+            </a:bodyPr>
+            <a:lstStyle>
+              <a:lvl1pPr marL="0">
+                <a:defRPr b="0" i="0">
+                  <a:solidFill>
+                    <a:schemeClr val="tx1"/>
+                  </a:solidFill>
+                  <a:latin typeface="+mn-lt"/>
+                  <a:ea typeface="+mn-ea"/>
+                  <a:cs typeface="+mn-cs"/>
+                </a:defRPr>
+              </a:lvl1pPr>
+              <a:lvl2pPr marL="457200">
+                <a:defRPr>
+                  <a:latin typeface="+mn-lt"/>
+                  <a:ea typeface="+mn-ea"/>
+                  <a:cs typeface="+mn-cs"/>
+                </a:defRPr>
+              </a:lvl2pPr>
+              <a:lvl3pPr marL="914400">
+                <a:defRPr>
+                  <a:latin typeface="+mn-lt"/>
+                  <a:ea typeface="+mn-ea"/>
+                  <a:cs typeface="+mn-cs"/>
+                </a:defRPr>
+              </a:lvl3pPr>
+              <a:lvl4pPr marL="1371600">
+                <a:defRPr>
+                  <a:latin typeface="+mn-lt"/>
+                  <a:ea typeface="+mn-ea"/>
+                  <a:cs typeface="+mn-cs"/>
+                </a:defRPr>
+              </a:lvl4pPr>
+              <a:lvl5pPr marL="1828800">
+                <a:defRPr>
+                  <a:latin typeface="+mn-lt"/>
+                  <a:ea typeface="+mn-ea"/>
+                  <a:cs typeface="+mn-cs"/>
+                </a:defRPr>
+              </a:lvl5pPr>
+              <a:lvl6pPr marL="2286000">
+                <a:defRPr>
+                  <a:latin typeface="+mn-lt"/>
+                  <a:ea typeface="+mn-ea"/>
+                  <a:cs typeface="+mn-cs"/>
+                </a:defRPr>
+              </a:lvl6pPr>
+              <a:lvl7pPr marL="2743200">
+                <a:defRPr>
+                  <a:latin typeface="+mn-lt"/>
+                  <a:ea typeface="+mn-ea"/>
+                  <a:cs typeface="+mn-cs"/>
+                </a:defRPr>
+              </a:lvl7pPr>
+              <a:lvl8pPr marL="3200400">
+                <a:defRPr>
+                  <a:latin typeface="+mn-lt"/>
+                  <a:ea typeface="+mn-ea"/>
+                  <a:cs typeface="+mn-cs"/>
+                </a:defRPr>
+              </a:lvl8pPr>
+              <a:lvl9pPr marL="3657600">
+                <a:defRPr>
+                  <a:latin typeface="+mn-lt"/>
+                  <a:ea typeface="+mn-ea"/>
+                  <a:cs typeface="+mn-cs"/>
+                </a:defRPr>
+              </a:lvl9pPr>
+            </a:lstStyle>
+            <a:p>
+              <a:r>
+                <a:rPr lang="en" sz="2000" kern="0" dirty="0">
+                  <a:latin typeface="Calibri Light" panose="020F0302020204030204" pitchFamily="34" charset="0"/>
+                  <a:ea typeface="Calibri Light" panose="020F0302020204030204" pitchFamily="34" charset="0"/>
+                  <a:cs typeface="Calibri Light" panose="020F0302020204030204" pitchFamily="34" charset="0"/>
+                </a:rPr>
+                <a:t>Journalists, Researchers, Social Media Users, Teachers, Students, etc.</a:t>
+              </a:r>
+              <a:endParaRPr lang="en-US" sz="2000" kern="0" dirty="0">
+                <a:latin typeface="Calibri Light" panose="020F0302020204030204" pitchFamily="34" charset="0"/>
+                <a:ea typeface="Calibri Light" panose="020F0302020204030204" pitchFamily="34" charset="0"/>
+                <a:cs typeface="Calibri Light" panose="020F0302020204030204" pitchFamily="34" charset="0"/>
+              </a:endParaRPr>
+            </a:p>
+          </p:txBody>
+        </p:sp>
+        <p:sp>
+          <p:nvSpPr>
+            <p:cNvPr id="6" name="Google Shape;415;p67">
+              <a:extLst>
+                <a:ext uri="{FF2B5EF4-FFF2-40B4-BE49-F238E27FC236}">
+                  <a16:creationId xmlns:a16="http://schemas.microsoft.com/office/drawing/2014/main" id="{094C65B8-4CCC-9144-4768-291EAE724CC4}"/>
+                </a:ext>
+              </a:extLst>
+            </p:cNvPr>
+            <p:cNvSpPr txBox="1">
+              <a:spLocks/>
+            </p:cNvSpPr>
+            <p:nvPr/>
+          </p:nvSpPr>
+          <p:spPr>
+            <a:xfrm>
+              <a:off x="2832618" y="2961300"/>
+              <a:ext cx="1940045" cy="483600"/>
+            </a:xfrm>
+            <a:prstGeom prst="rect">
+              <a:avLst/>
+            </a:prstGeom>
+          </p:spPr>
+          <p:txBody>
+            <a:bodyPr spcFirstLastPara="1" wrap="square" lIns="91425" tIns="91425" rIns="91425" bIns="91425" anchor="ctr" anchorCtr="0">
+              <a:noAutofit/>
+            </a:bodyPr>
+            <a:lstStyle>
+              <a:lvl1pPr>
+                <a:defRPr>
+                  <a:latin typeface="+mj-lt"/>
+                  <a:ea typeface="+mj-ea"/>
+                  <a:cs typeface="+mj-cs"/>
+                </a:defRPr>
+              </a:lvl1pPr>
+            </a:lstStyle>
+            <a:p>
+              <a:pPr algn="ctr"/>
+              <a:r>
+                <a:rPr lang="pt-PT" sz="2400" kern="0" dirty="0">
+                  <a:solidFill>
+                    <a:sysClr val="windowText" lastClr="000000"/>
+                  </a:solidFill>
+                </a:rPr>
+                <a:t>Regular </a:t>
+              </a:r>
+              <a:r>
+                <a:rPr lang="pt-PT" sz="2400" kern="0" dirty="0" err="1">
+                  <a:solidFill>
+                    <a:sysClr val="windowText" lastClr="000000"/>
+                  </a:solidFill>
+                </a:rPr>
+                <a:t>User</a:t>
+              </a:r>
+              <a:endParaRPr lang="pt-PT" sz="2400" kern="0" dirty="0">
+                <a:solidFill>
+                  <a:sysClr val="windowText" lastClr="000000"/>
+                </a:solidFill>
+              </a:endParaRPr>
+            </a:p>
+            <a:p>
+              <a:pPr algn="ctr"/>
+              <a:r>
+                <a:rPr lang="pt-PT" sz="2400" kern="0" dirty="0">
+                  <a:solidFill>
+                    <a:sysClr val="windowText" lastClr="000000"/>
+                  </a:solidFill>
+                </a:rPr>
+                <a:t>(</a:t>
+              </a:r>
+              <a:r>
+                <a:rPr lang="pt-PT" sz="2400" kern="0" dirty="0" err="1">
+                  <a:solidFill>
+                    <a:sysClr val="windowText" lastClr="000000"/>
+                  </a:solidFill>
+                </a:rPr>
+                <a:t>most</a:t>
+              </a:r>
+              <a:r>
+                <a:rPr lang="pt-PT" sz="2400" kern="0" dirty="0">
+                  <a:solidFill>
+                    <a:sysClr val="windowText" lastClr="000000"/>
+                  </a:solidFill>
+                </a:rPr>
+                <a:t> </a:t>
+              </a:r>
+              <a:r>
+                <a:rPr lang="pt-PT" sz="2400" kern="0" dirty="0" err="1">
+                  <a:solidFill>
+                    <a:sysClr val="windowText" lastClr="000000"/>
+                  </a:solidFill>
+                </a:rPr>
+                <a:t>features</a:t>
+              </a:r>
+              <a:r>
+                <a:rPr lang="pt-PT" sz="2400" kern="0" dirty="0">
+                  <a:solidFill>
+                    <a:sysClr val="windowText" lastClr="000000"/>
+                  </a:solidFill>
+                </a:rPr>
+                <a:t>)</a:t>
+              </a:r>
+            </a:p>
+          </p:txBody>
+        </p:sp>
+        <p:sp>
+          <p:nvSpPr>
+            <p:cNvPr id="7" name="Google Shape;416;p67">
+              <a:extLst>
+                <a:ext uri="{FF2B5EF4-FFF2-40B4-BE49-F238E27FC236}">
+                  <a16:creationId xmlns:a16="http://schemas.microsoft.com/office/drawing/2014/main" id="{9722CD94-B522-23A4-44B4-4821D6262076}"/>
+                </a:ext>
+              </a:extLst>
+            </p:cNvPr>
+            <p:cNvSpPr txBox="1">
+              <a:spLocks/>
+            </p:cNvSpPr>
+            <p:nvPr/>
+          </p:nvSpPr>
+          <p:spPr>
+            <a:xfrm>
+              <a:off x="5163200" y="2979903"/>
+              <a:ext cx="2409300" cy="483600"/>
+            </a:xfrm>
+            <a:prstGeom prst="rect">
+              <a:avLst/>
+            </a:prstGeom>
+          </p:spPr>
+          <p:txBody>
+            <a:bodyPr spcFirstLastPara="1" wrap="square" lIns="91425" tIns="91425" rIns="91425" bIns="91425" anchor="ctr" anchorCtr="0">
+              <a:noAutofit/>
+            </a:bodyPr>
+            <a:lstStyle>
+              <a:lvl1pPr>
+                <a:defRPr>
+                  <a:latin typeface="+mj-lt"/>
+                  <a:ea typeface="+mj-ea"/>
+                  <a:cs typeface="+mj-cs"/>
+                </a:defRPr>
+              </a:lvl1pPr>
+            </a:lstStyle>
+            <a:p>
+              <a:pPr algn="ctr"/>
+              <a:r>
+                <a:rPr lang="en" sz="2400" kern="0" dirty="0">
+                  <a:solidFill>
+                    <a:sysClr val="windowText" lastClr="000000"/>
+                  </a:solidFill>
+                </a:rPr>
+                <a:t>Admin</a:t>
+              </a:r>
+            </a:p>
+            <a:p>
+              <a:pPr algn="ctr"/>
+              <a:r>
+                <a:rPr lang="en" sz="2400" kern="0" dirty="0">
+                  <a:solidFill>
+                    <a:sysClr val="windowText" lastClr="000000"/>
+                  </a:solidFill>
+                </a:rPr>
+                <a:t>(all permissions)</a:t>
+              </a:r>
+              <a:endParaRPr lang="en-US" kern="0" dirty="0">
+                <a:solidFill>
+                  <a:sysClr val="windowText" lastClr="000000"/>
+                </a:solidFill>
+              </a:endParaRPr>
+            </a:p>
+          </p:txBody>
+        </p:sp>
+        <p:sp>
+          <p:nvSpPr>
+            <p:cNvPr id="8" name="Google Shape;417;p67">
+              <a:extLst>
+                <a:ext uri="{FF2B5EF4-FFF2-40B4-BE49-F238E27FC236}">
+                  <a16:creationId xmlns:a16="http://schemas.microsoft.com/office/drawing/2014/main" id="{DF43F7EE-DEF0-1036-D466-7E3EE25D24AC}"/>
+                </a:ext>
+              </a:extLst>
+            </p:cNvPr>
+            <p:cNvSpPr txBox="1">
+              <a:spLocks/>
+            </p:cNvSpPr>
+            <p:nvPr/>
+          </p:nvSpPr>
+          <p:spPr>
+            <a:xfrm>
+              <a:off x="5287665" y="3900373"/>
+              <a:ext cx="2118550" cy="795600"/>
+            </a:xfrm>
+            <a:prstGeom prst="rect">
+              <a:avLst/>
+            </a:prstGeom>
+          </p:spPr>
+          <p:txBody>
+            <a:bodyPr spcFirstLastPara="1" wrap="square" lIns="91425" tIns="91425" rIns="91425" bIns="91425" anchor="ctr" anchorCtr="0">
+              <a:noAutofit/>
+            </a:bodyPr>
+            <a:lstStyle>
+              <a:lvl1pPr marL="0">
+                <a:defRPr>
+                  <a:latin typeface="+mn-lt"/>
+                  <a:ea typeface="+mn-ea"/>
+                  <a:cs typeface="+mn-cs"/>
+                </a:defRPr>
+              </a:lvl1pPr>
+              <a:lvl2pPr marL="457200">
+                <a:defRPr>
+                  <a:latin typeface="+mn-lt"/>
+                  <a:ea typeface="+mn-ea"/>
+                  <a:cs typeface="+mn-cs"/>
+                </a:defRPr>
+              </a:lvl2pPr>
+              <a:lvl3pPr marL="914400">
+                <a:defRPr>
+                  <a:latin typeface="+mn-lt"/>
+                  <a:ea typeface="+mn-ea"/>
+                  <a:cs typeface="+mn-cs"/>
+                </a:defRPr>
+              </a:lvl3pPr>
+              <a:lvl4pPr marL="1371600">
+                <a:defRPr>
+                  <a:latin typeface="+mn-lt"/>
+                  <a:ea typeface="+mn-ea"/>
+                  <a:cs typeface="+mn-cs"/>
+                </a:defRPr>
+              </a:lvl4pPr>
+              <a:lvl5pPr marL="1828800">
+                <a:defRPr>
+                  <a:latin typeface="+mn-lt"/>
+                  <a:ea typeface="+mn-ea"/>
+                  <a:cs typeface="+mn-cs"/>
+                </a:defRPr>
+              </a:lvl5pPr>
+              <a:lvl6pPr marL="2286000">
+                <a:defRPr>
+                  <a:latin typeface="+mn-lt"/>
+                  <a:ea typeface="+mn-ea"/>
+                  <a:cs typeface="+mn-cs"/>
+                </a:defRPr>
+              </a:lvl6pPr>
+              <a:lvl7pPr marL="2743200">
+                <a:defRPr>
+                  <a:latin typeface="+mn-lt"/>
+                  <a:ea typeface="+mn-ea"/>
+                  <a:cs typeface="+mn-cs"/>
+                </a:defRPr>
+              </a:lvl7pPr>
+              <a:lvl8pPr marL="3200400">
+                <a:defRPr>
+                  <a:latin typeface="+mn-lt"/>
+                  <a:ea typeface="+mn-ea"/>
+                  <a:cs typeface="+mn-cs"/>
+                </a:defRPr>
+              </a:lvl8pPr>
+              <a:lvl9pPr marL="3657600">
+                <a:defRPr>
+                  <a:latin typeface="+mn-lt"/>
+                  <a:ea typeface="+mn-ea"/>
+                  <a:cs typeface="+mn-cs"/>
+                </a:defRPr>
+              </a:lvl9pPr>
+            </a:lstStyle>
+            <a:p>
+              <a:pPr>
+                <a:spcAft>
+                  <a:spcPts val="600"/>
+                </a:spcAft>
+                <a:buClr>
+                  <a:schemeClr val="dk1"/>
+                </a:buClr>
+                <a:buSzPct val="100000"/>
+              </a:pPr>
+              <a:r>
+                <a:rPr lang="en" sz="2000" kern="0" dirty="0">
+                  <a:solidFill>
+                    <a:sysClr val="windowText" lastClr="000000"/>
+                  </a:solidFill>
+                  <a:latin typeface="Calibri Light" panose="020F0302020204030204" pitchFamily="34" charset="0"/>
+                  <a:ea typeface="Calibri Light" panose="020F0302020204030204" pitchFamily="34" charset="0"/>
+                  <a:cs typeface="Calibri Light" panose="020F0302020204030204" pitchFamily="34" charset="0"/>
+                </a:rPr>
+                <a:t>Our team (4).</a:t>
+              </a:r>
+            </a:p>
+            <a:p>
+              <a:pPr>
+                <a:buClr>
+                  <a:schemeClr val="dk1"/>
+                </a:buClr>
+                <a:buSzPct val="100000"/>
+              </a:pPr>
+              <a:r>
+                <a:rPr lang="en-US" sz="2000" kern="0" dirty="0">
+                  <a:solidFill>
+                    <a:sysClr val="windowText" lastClr="000000"/>
+                  </a:solidFill>
+                  <a:latin typeface="Calibri Light" panose="020F0302020204030204" pitchFamily="34" charset="0"/>
+                  <a:ea typeface="Calibri Light" panose="020F0302020204030204" pitchFamily="34" charset="0"/>
+                  <a:cs typeface="Calibri Light" panose="020F0302020204030204" pitchFamily="34" charset="0"/>
+                </a:rPr>
+                <a:t>Can accept/refuse and enable/disable LMs and metrics</a:t>
+              </a:r>
+            </a:p>
+          </p:txBody>
+        </p:sp>
+        <p:sp>
+          <p:nvSpPr>
+            <p:cNvPr id="9" name="Google Shape;418;p67">
+              <a:extLst>
+                <a:ext uri="{FF2B5EF4-FFF2-40B4-BE49-F238E27FC236}">
+                  <a16:creationId xmlns:a16="http://schemas.microsoft.com/office/drawing/2014/main" id="{E0BE6EC8-022E-924A-1F0C-06F13E6C9719}"/>
+                </a:ext>
+              </a:extLst>
+            </p:cNvPr>
+            <p:cNvSpPr txBox="1">
+              <a:spLocks/>
+            </p:cNvSpPr>
+            <p:nvPr/>
+          </p:nvSpPr>
+          <p:spPr>
+            <a:xfrm>
+              <a:off x="7751050" y="2979903"/>
+              <a:ext cx="2409300" cy="483600"/>
+            </a:xfrm>
+            <a:prstGeom prst="rect">
+              <a:avLst/>
+            </a:prstGeom>
+          </p:spPr>
+          <p:txBody>
+            <a:bodyPr spcFirstLastPara="1" wrap="square" lIns="91425" tIns="91425" rIns="91425" bIns="91425" anchor="ctr" anchorCtr="0">
+              <a:noAutofit/>
+            </a:bodyPr>
+            <a:lstStyle>
+              <a:defPPr>
+                <a:defRPr lang="pt-PT"/>
+              </a:defPPr>
+              <a:lvl1pPr marL="0" algn="ctr" defTabSz="914400" rtl="0" eaLnBrk="1" latinLnBrk="0" hangingPunct="1">
+                <a:defRPr sz="1800" kern="1200">
+                  <a:solidFill>
+                    <a:schemeClr val="tx1">
+                      <a:tint val="75000"/>
+                    </a:schemeClr>
+                  </a:solidFill>
+                  <a:latin typeface="+mn-lt"/>
+                  <a:ea typeface="+mn-ea"/>
+                  <a:cs typeface="+mn-cs"/>
+                </a:defRPr>
+              </a:lvl1pPr>
+              <a:lvl2pPr marL="457200" algn="l" defTabSz="914400" rtl="0" eaLnBrk="1" latinLnBrk="0" hangingPunct="1">
+                <a:defRPr sz="1800" kern="1200">
+                  <a:solidFill>
+                    <a:schemeClr val="tx1"/>
+                  </a:solidFill>
+                  <a:latin typeface="+mn-lt"/>
+                  <a:ea typeface="+mn-ea"/>
+                  <a:cs typeface="+mn-cs"/>
+                </a:defRPr>
+              </a:lvl2pPr>
+              <a:lvl3pPr marL="914400" algn="l" defTabSz="914400" rtl="0" eaLnBrk="1" latinLnBrk="0" hangingPunct="1">
+                <a:defRPr sz="1800" kern="1200">
+                  <a:solidFill>
+                    <a:schemeClr val="tx1"/>
+                  </a:solidFill>
+                  <a:latin typeface="+mn-lt"/>
+                  <a:ea typeface="+mn-ea"/>
+                  <a:cs typeface="+mn-cs"/>
+                </a:defRPr>
+              </a:lvl3pPr>
+              <a:lvl4pPr marL="1371600" algn="l" defTabSz="914400" rtl="0" eaLnBrk="1" latinLnBrk="0" hangingPunct="1">
+                <a:defRPr sz="1800" kern="1200">
+                  <a:solidFill>
+                    <a:schemeClr val="tx1"/>
+                  </a:solidFill>
+                  <a:latin typeface="+mn-lt"/>
+                  <a:ea typeface="+mn-ea"/>
+                  <a:cs typeface="+mn-cs"/>
+                </a:defRPr>
+              </a:lvl4pPr>
+              <a:lvl5pPr marL="1828800" algn="l" defTabSz="914400" rtl="0" eaLnBrk="1" latinLnBrk="0" hangingPunct="1">
+                <a:defRPr sz="1800" kern="1200">
+                  <a:solidFill>
+                    <a:schemeClr val="tx1"/>
+                  </a:solidFill>
+                  <a:latin typeface="+mn-lt"/>
+                  <a:ea typeface="+mn-ea"/>
+                  <a:cs typeface="+mn-cs"/>
+                </a:defRPr>
+              </a:lvl5pPr>
+              <a:lvl6pPr marL="2286000" algn="l" defTabSz="914400" rtl="0" eaLnBrk="1" latinLnBrk="0" hangingPunct="1">
+                <a:defRPr sz="1800" kern="1200">
+                  <a:solidFill>
+                    <a:schemeClr val="tx1"/>
+                  </a:solidFill>
+                  <a:latin typeface="+mn-lt"/>
+                  <a:ea typeface="+mn-ea"/>
+                  <a:cs typeface="+mn-cs"/>
+                </a:defRPr>
+              </a:lvl6pPr>
+              <a:lvl7pPr marL="2743200" algn="l" defTabSz="914400" rtl="0" eaLnBrk="1" latinLnBrk="0" hangingPunct="1">
+                <a:defRPr sz="1800" kern="1200">
+                  <a:solidFill>
+                    <a:schemeClr val="tx1"/>
+                  </a:solidFill>
+                  <a:latin typeface="+mn-lt"/>
+                  <a:ea typeface="+mn-ea"/>
+                  <a:cs typeface="+mn-cs"/>
+                </a:defRPr>
+              </a:lvl7pPr>
+              <a:lvl8pPr marL="3200400" algn="l" defTabSz="914400" rtl="0" eaLnBrk="1" latinLnBrk="0" hangingPunct="1">
+                <a:defRPr sz="1800" kern="1200">
+                  <a:solidFill>
+                    <a:schemeClr val="tx1"/>
+                  </a:solidFill>
+                  <a:latin typeface="+mn-lt"/>
+                  <a:ea typeface="+mn-ea"/>
+                  <a:cs typeface="+mn-cs"/>
+                </a:defRPr>
+              </a:lvl8pPr>
+              <a:lvl9pPr marL="3657600" algn="l" defTabSz="914400" rtl="0" eaLnBrk="1" latinLnBrk="0" hangingPunct="1">
+                <a:defRPr sz="1800" kern="1200">
+                  <a:solidFill>
+                    <a:schemeClr val="tx1"/>
+                  </a:solidFill>
+                  <a:latin typeface="+mn-lt"/>
+                  <a:ea typeface="+mn-ea"/>
+                  <a:cs typeface="+mn-cs"/>
+                </a:defRPr>
+              </a:lvl9pPr>
+            </a:lstStyle>
+            <a:p>
+              <a:pPr>
+                <a:buClr>
+                  <a:schemeClr val="dk1"/>
+                </a:buClr>
+                <a:buSzPts val="1100"/>
+              </a:pPr>
+              <a:r>
+                <a:rPr lang="pt-PT" sz="2400" dirty="0" err="1">
+                  <a:solidFill>
+                    <a:schemeClr val="tx1"/>
+                  </a:solidFill>
+                </a:rPr>
+                <a:t>External</a:t>
+              </a:r>
+              <a:r>
+                <a:rPr lang="pt-PT" sz="2400" dirty="0">
+                  <a:solidFill>
+                    <a:schemeClr val="tx1"/>
+                  </a:solidFill>
+                </a:rPr>
+                <a:t> LM </a:t>
+              </a:r>
+              <a:r>
+                <a:rPr lang="pt-PT" sz="2400" dirty="0" err="1">
+                  <a:solidFill>
+                    <a:schemeClr val="tx1"/>
+                  </a:solidFill>
+                </a:rPr>
+                <a:t>Developer</a:t>
+              </a:r>
+              <a:endParaRPr lang="pt-PT" sz="2400" dirty="0">
+                <a:solidFill>
+                  <a:schemeClr val="tx1"/>
+                </a:solidFill>
+              </a:endParaRPr>
+            </a:p>
+          </p:txBody>
+        </p:sp>
+        <p:sp>
+          <p:nvSpPr>
+            <p:cNvPr id="10" name="Google Shape;419;p67">
+              <a:extLst>
+                <a:ext uri="{FF2B5EF4-FFF2-40B4-BE49-F238E27FC236}">
+                  <a16:creationId xmlns:a16="http://schemas.microsoft.com/office/drawing/2014/main" id="{658A023A-7E00-D23C-97A2-717D1041CB63}"/>
+                </a:ext>
+              </a:extLst>
+            </p:cNvPr>
+            <p:cNvSpPr txBox="1">
+              <a:spLocks/>
+            </p:cNvSpPr>
+            <p:nvPr/>
+          </p:nvSpPr>
+          <p:spPr>
+            <a:xfrm>
+              <a:off x="7822349" y="3886200"/>
+              <a:ext cx="2266700" cy="795600"/>
+            </a:xfrm>
+            <a:prstGeom prst="rect">
+              <a:avLst/>
+            </a:prstGeom>
+          </p:spPr>
+          <p:txBody>
+            <a:bodyPr spcFirstLastPara="1" wrap="square" lIns="91425" tIns="91425" rIns="91425" bIns="91425" anchor="ctr" anchorCtr="0">
+              <a:noAutofit/>
+            </a:bodyPr>
+            <a:lstStyle>
+              <a:defPPr>
+                <a:defRPr lang="pt-PT"/>
+              </a:defPPr>
+              <a:lvl1pPr marL="0" algn="l" defTabSz="914400" rtl="0" eaLnBrk="1" latinLnBrk="0" hangingPunct="1">
+                <a:defRPr sz="1800" kern="1200">
+                  <a:solidFill>
+                    <a:schemeClr val="tx1">
+                      <a:tint val="75000"/>
+                    </a:schemeClr>
+                  </a:solidFill>
+                  <a:latin typeface="+mn-lt"/>
+                  <a:ea typeface="+mn-ea"/>
+                  <a:cs typeface="+mn-cs"/>
+                </a:defRPr>
+              </a:lvl1pPr>
+              <a:lvl2pPr marL="457200" algn="l" defTabSz="914400" rtl="0" eaLnBrk="1" latinLnBrk="0" hangingPunct="1">
+                <a:defRPr sz="1800" kern="1200">
+                  <a:solidFill>
+                    <a:schemeClr val="tx1"/>
+                  </a:solidFill>
+                  <a:latin typeface="+mn-lt"/>
+                  <a:ea typeface="+mn-ea"/>
+                  <a:cs typeface="+mn-cs"/>
+                </a:defRPr>
+              </a:lvl2pPr>
+              <a:lvl3pPr marL="914400" algn="l" defTabSz="914400" rtl="0" eaLnBrk="1" latinLnBrk="0" hangingPunct="1">
+                <a:defRPr sz="1800" kern="1200">
+                  <a:solidFill>
+                    <a:schemeClr val="tx1"/>
+                  </a:solidFill>
+                  <a:latin typeface="+mn-lt"/>
+                  <a:ea typeface="+mn-ea"/>
+                  <a:cs typeface="+mn-cs"/>
+                </a:defRPr>
+              </a:lvl3pPr>
+              <a:lvl4pPr marL="1371600" algn="l" defTabSz="914400" rtl="0" eaLnBrk="1" latinLnBrk="0" hangingPunct="1">
+                <a:defRPr sz="1800" kern="1200">
+                  <a:solidFill>
+                    <a:schemeClr val="tx1"/>
+                  </a:solidFill>
+                  <a:latin typeface="+mn-lt"/>
+                  <a:ea typeface="+mn-ea"/>
+                  <a:cs typeface="+mn-cs"/>
+                </a:defRPr>
+              </a:lvl4pPr>
+              <a:lvl5pPr marL="1828800" algn="l" defTabSz="914400" rtl="0" eaLnBrk="1" latinLnBrk="0" hangingPunct="1">
+                <a:defRPr sz="1800" kern="1200">
+                  <a:solidFill>
+                    <a:schemeClr val="tx1"/>
+                  </a:solidFill>
+                  <a:latin typeface="+mn-lt"/>
+                  <a:ea typeface="+mn-ea"/>
+                  <a:cs typeface="+mn-cs"/>
+                </a:defRPr>
+              </a:lvl5pPr>
+              <a:lvl6pPr marL="2286000" algn="l" defTabSz="914400" rtl="0" eaLnBrk="1" latinLnBrk="0" hangingPunct="1">
+                <a:defRPr sz="1800" kern="1200">
+                  <a:solidFill>
+                    <a:schemeClr val="tx1"/>
+                  </a:solidFill>
+                  <a:latin typeface="+mn-lt"/>
+                  <a:ea typeface="+mn-ea"/>
+                  <a:cs typeface="+mn-cs"/>
+                </a:defRPr>
+              </a:lvl6pPr>
+              <a:lvl7pPr marL="2743200" algn="l" defTabSz="914400" rtl="0" eaLnBrk="1" latinLnBrk="0" hangingPunct="1">
+                <a:defRPr sz="1800" kern="1200">
+                  <a:solidFill>
+                    <a:schemeClr val="tx1"/>
+                  </a:solidFill>
+                  <a:latin typeface="+mn-lt"/>
+                  <a:ea typeface="+mn-ea"/>
+                  <a:cs typeface="+mn-cs"/>
+                </a:defRPr>
+              </a:lvl7pPr>
+              <a:lvl8pPr marL="3200400" algn="l" defTabSz="914400" rtl="0" eaLnBrk="1" latinLnBrk="0" hangingPunct="1">
+                <a:defRPr sz="1800" kern="1200">
+                  <a:solidFill>
+                    <a:schemeClr val="tx1"/>
+                  </a:solidFill>
+                  <a:latin typeface="+mn-lt"/>
+                  <a:ea typeface="+mn-ea"/>
+                  <a:cs typeface="+mn-cs"/>
+                </a:defRPr>
+              </a:lvl8pPr>
+              <a:lvl9pPr marL="3657600" algn="l" defTabSz="914400" rtl="0" eaLnBrk="1" latinLnBrk="0" hangingPunct="1">
+                <a:defRPr sz="1800" kern="1200">
+                  <a:solidFill>
+                    <a:schemeClr val="tx1"/>
+                  </a:solidFill>
+                  <a:latin typeface="+mn-lt"/>
+                  <a:ea typeface="+mn-ea"/>
+                  <a:cs typeface="+mn-cs"/>
+                </a:defRPr>
+              </a:lvl9pPr>
+            </a:lstStyle>
+            <a:p>
+              <a:r>
+                <a:rPr lang="en-US" sz="2000" kern="0" dirty="0">
+                  <a:solidFill>
+                    <a:schemeClr val="tx1"/>
+                  </a:solidFill>
+                  <a:latin typeface="Calibri Light" panose="020F0302020204030204" pitchFamily="34" charset="0"/>
+                  <a:ea typeface="Calibri Light" panose="020F0302020204030204" pitchFamily="34" charset="0"/>
+                  <a:cs typeface="Calibri Light" panose="020F0302020204030204" pitchFamily="34" charset="0"/>
+                </a:rPr>
+                <a:t>Can add their LM / metrics</a:t>
+              </a:r>
+              <a:endParaRPr lang="en-US" sz="1600" dirty="0">
+                <a:solidFill>
+                  <a:schemeClr val="tx1"/>
+                </a:solidFill>
+                <a:latin typeface="Calibri Light" panose="020F0302020204030204" pitchFamily="34" charset="0"/>
+                <a:ea typeface="Calibri Light" panose="020F0302020204030204" pitchFamily="34" charset="0"/>
+                <a:cs typeface="Calibri Light" panose="020F0302020204030204" pitchFamily="34" charset="0"/>
+              </a:endParaRPr>
+            </a:p>
+          </p:txBody>
+        </p:sp>
+        <p:grpSp>
+          <p:nvGrpSpPr>
+            <p:cNvPr id="11" name="Google Shape;420;p67">
+              <a:extLst>
+                <a:ext uri="{FF2B5EF4-FFF2-40B4-BE49-F238E27FC236}">
+                  <a16:creationId xmlns:a16="http://schemas.microsoft.com/office/drawing/2014/main" id="{FCCE4F39-8782-5E96-B0D8-97CC001026E5}"/>
+                </a:ext>
+              </a:extLst>
+            </p:cNvPr>
+            <p:cNvGrpSpPr/>
+            <p:nvPr/>
+          </p:nvGrpSpPr>
+          <p:grpSpPr>
+            <a:xfrm>
+              <a:off x="3440539" y="2296878"/>
+              <a:ext cx="616221" cy="537321"/>
+              <a:chOff x="1182450" y="565125"/>
+              <a:chExt cx="5235525" cy="4565175"/>
+            </a:xfrm>
+          </p:grpSpPr>
+          <p:sp>
+            <p:nvSpPr>
+              <p:cNvPr id="12" name="Google Shape;421;p67">
+                <a:extLst>
+                  <a:ext uri="{FF2B5EF4-FFF2-40B4-BE49-F238E27FC236}">
+                    <a16:creationId xmlns:a16="http://schemas.microsoft.com/office/drawing/2014/main" id="{2F2EBB22-5E24-DCDE-FDCB-67F3734A66B0}"/>
+                  </a:ext>
+                </a:extLst>
+              </p:cNvPr>
+              <p:cNvSpPr/>
+              <p:nvPr/>
+            </p:nvSpPr>
+            <p:spPr>
+              <a:xfrm>
+                <a:off x="4039150" y="3924975"/>
+                <a:ext cx="439575" cy="153325"/>
+              </a:xfrm>
+              <a:custGeom>
+                <a:avLst/>
+                <a:gdLst/>
+                <a:ahLst/>
+                <a:cxnLst/>
+                <a:rect l="l" t="t" r="r" b="b"/>
+                <a:pathLst>
+                  <a:path w="17583" h="6133" extrusionOk="0">
+                    <a:moveTo>
+                      <a:pt x="3066" y="0"/>
+                    </a:moveTo>
+                    <a:cubicBezTo>
+                      <a:pt x="1370" y="0"/>
+                      <a:pt x="0" y="1370"/>
+                      <a:pt x="0" y="3067"/>
+                    </a:cubicBezTo>
+                    <a:cubicBezTo>
+                      <a:pt x="0" y="4763"/>
+                      <a:pt x="1370" y="6133"/>
+                      <a:pt x="3066" y="6133"/>
+                    </a:cubicBezTo>
+                    <a:lnTo>
+                      <a:pt x="14516" y="6133"/>
+                    </a:lnTo>
+                    <a:cubicBezTo>
+                      <a:pt x="16212" y="6133"/>
+                      <a:pt x="17582" y="4763"/>
+                      <a:pt x="17582" y="3067"/>
+                    </a:cubicBezTo>
+                    <a:cubicBezTo>
+                      <a:pt x="17582" y="1370"/>
+                      <a:pt x="16212" y="0"/>
+                      <a:pt x="14516" y="0"/>
+                    </a:cubicBezTo>
+                    <a:close/>
+                  </a:path>
+                </a:pathLst>
+              </a:custGeom>
+              <a:solidFill>
+                <a:schemeClr val="dk2"/>
+              </a:solidFill>
+              <a:ln>
+                <a:noFill/>
+              </a:ln>
+            </p:spPr>
+            <p:txBody>
+              <a:bodyPr spcFirstLastPara="1" wrap="square" lIns="91425" tIns="91425" rIns="91425" bIns="91425" anchor="ctr" anchorCtr="0">
+                <a:noAutofit/>
+              </a:bodyPr>
+              <a:lstStyle/>
+              <a:p>
+                <a:pPr marL="0" lvl="0" indent="0" algn="l" rtl="0">
+                  <a:spcBef>
+                    <a:spcPts val="0"/>
+                  </a:spcBef>
+                  <a:spcAft>
+                    <a:spcPts val="0"/>
+                  </a:spcAft>
+                  <a:buNone/>
+                </a:pPr>
+                <a:endParaRPr/>
+              </a:p>
+            </p:txBody>
+          </p:sp>
+          <p:sp>
+            <p:nvSpPr>
+              <p:cNvPr id="13" name="Google Shape;422;p67">
+                <a:extLst>
+                  <a:ext uri="{FF2B5EF4-FFF2-40B4-BE49-F238E27FC236}">
+                    <a16:creationId xmlns:a16="http://schemas.microsoft.com/office/drawing/2014/main" id="{5C57A3A0-EFF3-D188-AAEC-01A607F5B92A}"/>
+                  </a:ext>
+                </a:extLst>
+              </p:cNvPr>
+              <p:cNvSpPr/>
+              <p:nvPr/>
+            </p:nvSpPr>
+            <p:spPr>
+              <a:xfrm>
+                <a:off x="3429975" y="565200"/>
+                <a:ext cx="2988000" cy="4565100"/>
+              </a:xfrm>
+              <a:custGeom>
+                <a:avLst/>
+                <a:gdLst/>
+                <a:ahLst/>
+                <a:cxnLst/>
+                <a:rect l="l" t="t" r="r" b="b"/>
+                <a:pathLst>
+                  <a:path w="119520" h="182604" extrusionOk="0">
+                    <a:moveTo>
+                      <a:pt x="59316" y="6108"/>
+                    </a:moveTo>
+                    <a:cubicBezTo>
+                      <a:pt x="69616" y="6108"/>
+                      <a:pt x="77599" y="9106"/>
+                      <a:pt x="82528" y="14807"/>
+                    </a:cubicBezTo>
+                    <a:cubicBezTo>
+                      <a:pt x="88009" y="21103"/>
+                      <a:pt x="89803" y="30823"/>
+                      <a:pt x="87845" y="42958"/>
+                    </a:cubicBezTo>
+                    <a:cubicBezTo>
+                      <a:pt x="87706" y="42952"/>
+                      <a:pt x="87563" y="42950"/>
+                      <a:pt x="87418" y="42950"/>
+                    </a:cubicBezTo>
+                    <a:cubicBezTo>
+                      <a:pt x="86717" y="42950"/>
+                      <a:pt x="85965" y="43013"/>
+                      <a:pt x="85236" y="43121"/>
+                    </a:cubicBezTo>
+                    <a:lnTo>
+                      <a:pt x="82365" y="36238"/>
+                    </a:lnTo>
+                    <a:cubicBezTo>
+                      <a:pt x="81880" y="35079"/>
+                      <a:pt x="80749" y="34344"/>
+                      <a:pt x="79543" y="34344"/>
+                    </a:cubicBezTo>
+                    <a:cubicBezTo>
+                      <a:pt x="79289" y="34344"/>
+                      <a:pt x="79032" y="34376"/>
+                      <a:pt x="78777" y="34444"/>
+                    </a:cubicBezTo>
+                    <a:cubicBezTo>
+                      <a:pt x="78632" y="34476"/>
+                      <a:pt x="71653" y="36247"/>
+                      <a:pt x="63202" y="36247"/>
+                    </a:cubicBezTo>
+                    <a:cubicBezTo>
+                      <a:pt x="54560" y="36247"/>
+                      <a:pt x="44380" y="34396"/>
+                      <a:pt x="38394" y="26942"/>
+                    </a:cubicBezTo>
+                    <a:cubicBezTo>
+                      <a:pt x="37797" y="26177"/>
+                      <a:pt x="36912" y="25786"/>
+                      <a:pt x="36014" y="25786"/>
+                    </a:cubicBezTo>
+                    <a:cubicBezTo>
+                      <a:pt x="35341" y="25786"/>
+                      <a:pt x="34661" y="26005"/>
+                      <a:pt x="34088" y="26452"/>
+                    </a:cubicBezTo>
+                    <a:cubicBezTo>
+                      <a:pt x="32783" y="27529"/>
+                      <a:pt x="32555" y="29453"/>
+                      <a:pt x="33631" y="30758"/>
+                    </a:cubicBezTo>
+                    <a:cubicBezTo>
+                      <a:pt x="41144" y="40114"/>
+                      <a:pt x="53233" y="42392"/>
+                      <a:pt x="63232" y="42392"/>
+                    </a:cubicBezTo>
+                    <a:cubicBezTo>
+                      <a:pt x="69341" y="42392"/>
+                      <a:pt x="74670" y="41542"/>
+                      <a:pt x="77701" y="40935"/>
+                    </a:cubicBezTo>
+                    <a:lnTo>
+                      <a:pt x="79919" y="46285"/>
+                    </a:lnTo>
+                    <a:cubicBezTo>
+                      <a:pt x="80710" y="48194"/>
+                      <a:pt x="82549" y="49396"/>
+                      <a:pt x="84541" y="49396"/>
+                    </a:cubicBezTo>
+                    <a:cubicBezTo>
+                      <a:pt x="84932" y="49396"/>
+                      <a:pt x="85329" y="49350"/>
+                      <a:pt x="85725" y="49254"/>
+                    </a:cubicBezTo>
+                    <a:cubicBezTo>
+                      <a:pt x="86363" y="49105"/>
+                      <a:pt x="86987" y="49053"/>
+                      <a:pt x="87443" y="49053"/>
+                    </a:cubicBezTo>
+                    <a:cubicBezTo>
+                      <a:pt x="87687" y="49053"/>
+                      <a:pt x="87884" y="49068"/>
+                      <a:pt x="88009" y="49090"/>
+                    </a:cubicBezTo>
+                    <a:cubicBezTo>
+                      <a:pt x="89248" y="49351"/>
+                      <a:pt x="90194" y="50558"/>
+                      <a:pt x="90194" y="51961"/>
+                    </a:cubicBezTo>
+                    <a:lnTo>
+                      <a:pt x="90194" y="54179"/>
+                    </a:lnTo>
+                    <a:cubicBezTo>
+                      <a:pt x="90194" y="55647"/>
+                      <a:pt x="89281" y="56919"/>
+                      <a:pt x="88041" y="57180"/>
+                    </a:cubicBezTo>
+                    <a:cubicBezTo>
+                      <a:pt x="87880" y="57203"/>
+                      <a:pt x="87718" y="57226"/>
+                      <a:pt x="87557" y="57226"/>
+                    </a:cubicBezTo>
+                    <a:cubicBezTo>
+                      <a:pt x="87490" y="57226"/>
+                      <a:pt x="87423" y="57222"/>
+                      <a:pt x="87356" y="57213"/>
+                    </a:cubicBezTo>
+                    <a:cubicBezTo>
+                      <a:pt x="87230" y="57204"/>
+                      <a:pt x="87105" y="57200"/>
+                      <a:pt x="86980" y="57200"/>
+                    </a:cubicBezTo>
+                    <a:cubicBezTo>
+                      <a:pt x="84190" y="57200"/>
+                      <a:pt x="81658" y="59263"/>
+                      <a:pt x="81158" y="62073"/>
+                    </a:cubicBezTo>
+                    <a:cubicBezTo>
+                      <a:pt x="78940" y="74208"/>
+                      <a:pt x="68371" y="82983"/>
+                      <a:pt x="56041" y="82983"/>
+                    </a:cubicBezTo>
+                    <a:cubicBezTo>
+                      <a:pt x="43743" y="82983"/>
+                      <a:pt x="33175" y="74208"/>
+                      <a:pt x="30956" y="62073"/>
+                    </a:cubicBezTo>
+                    <a:cubicBezTo>
+                      <a:pt x="30426" y="59263"/>
+                      <a:pt x="27922" y="57200"/>
+                      <a:pt x="25135" y="57200"/>
+                    </a:cubicBezTo>
+                    <a:cubicBezTo>
+                      <a:pt x="25010" y="57200"/>
+                      <a:pt x="24884" y="57204"/>
+                      <a:pt x="24759" y="57213"/>
+                    </a:cubicBezTo>
+                    <a:cubicBezTo>
+                      <a:pt x="24692" y="57222"/>
+                      <a:pt x="24625" y="57226"/>
+                      <a:pt x="24557" y="57226"/>
+                    </a:cubicBezTo>
+                    <a:cubicBezTo>
+                      <a:pt x="24394" y="57226"/>
+                      <a:pt x="24226" y="57203"/>
+                      <a:pt x="24041" y="57180"/>
+                    </a:cubicBezTo>
+                    <a:cubicBezTo>
+                      <a:pt x="22834" y="56919"/>
+                      <a:pt x="21921" y="55647"/>
+                      <a:pt x="21921" y="54212"/>
+                    </a:cubicBezTo>
+                    <a:lnTo>
+                      <a:pt x="21921" y="51994"/>
+                    </a:lnTo>
+                    <a:cubicBezTo>
+                      <a:pt x="21921" y="50591"/>
+                      <a:pt x="22867" y="49319"/>
+                      <a:pt x="24074" y="49090"/>
+                    </a:cubicBezTo>
+                    <a:cubicBezTo>
+                      <a:pt x="24233" y="49065"/>
+                      <a:pt x="24392" y="49052"/>
+                      <a:pt x="24549" y="49052"/>
+                    </a:cubicBezTo>
+                    <a:cubicBezTo>
+                      <a:pt x="25385" y="49052"/>
+                      <a:pt x="26161" y="49415"/>
+                      <a:pt x="26683" y="50102"/>
+                    </a:cubicBezTo>
+                    <a:cubicBezTo>
+                      <a:pt x="27238" y="50819"/>
+                      <a:pt x="27988" y="51341"/>
+                      <a:pt x="28869" y="51602"/>
+                    </a:cubicBezTo>
+                    <a:cubicBezTo>
+                      <a:pt x="29270" y="51729"/>
+                      <a:pt x="29686" y="51791"/>
+                      <a:pt x="30101" y="51791"/>
+                    </a:cubicBezTo>
+                    <a:cubicBezTo>
+                      <a:pt x="30965" y="51791"/>
+                      <a:pt x="31827" y="51522"/>
+                      <a:pt x="32555" y="51015"/>
+                    </a:cubicBezTo>
+                    <a:cubicBezTo>
+                      <a:pt x="34479" y="49678"/>
+                      <a:pt x="36143" y="48014"/>
+                      <a:pt x="37578" y="46122"/>
+                    </a:cubicBezTo>
+                    <a:cubicBezTo>
+                      <a:pt x="38589" y="44752"/>
+                      <a:pt x="38296" y="42827"/>
+                      <a:pt x="36926" y="41816"/>
+                    </a:cubicBezTo>
+                    <a:cubicBezTo>
+                      <a:pt x="36386" y="41422"/>
+                      <a:pt x="35752" y="41229"/>
+                      <a:pt x="35120" y="41229"/>
+                    </a:cubicBezTo>
+                    <a:cubicBezTo>
+                      <a:pt x="34185" y="41229"/>
+                      <a:pt x="33256" y="41651"/>
+                      <a:pt x="32653" y="42469"/>
+                    </a:cubicBezTo>
+                    <a:cubicBezTo>
+                      <a:pt x="31968" y="43415"/>
+                      <a:pt x="31152" y="44263"/>
+                      <a:pt x="30271" y="45046"/>
+                    </a:cubicBezTo>
+                    <a:cubicBezTo>
+                      <a:pt x="29293" y="44197"/>
+                      <a:pt x="28184" y="43610"/>
+                      <a:pt x="26977" y="43252"/>
+                    </a:cubicBezTo>
+                    <a:cubicBezTo>
+                      <a:pt x="26161" y="40250"/>
+                      <a:pt x="24791" y="33792"/>
+                      <a:pt x="24791" y="26028"/>
+                    </a:cubicBezTo>
+                    <a:cubicBezTo>
+                      <a:pt x="24791" y="21331"/>
+                      <a:pt x="26227" y="18036"/>
+                      <a:pt x="29064" y="16242"/>
+                    </a:cubicBezTo>
+                    <a:cubicBezTo>
+                      <a:pt x="31283" y="14840"/>
+                      <a:pt x="33631" y="14774"/>
+                      <a:pt x="33631" y="14774"/>
+                    </a:cubicBezTo>
+                    <a:cubicBezTo>
+                      <a:pt x="34414" y="14774"/>
+                      <a:pt x="35197" y="14481"/>
+                      <a:pt x="35752" y="13926"/>
+                    </a:cubicBezTo>
+                    <a:cubicBezTo>
+                      <a:pt x="35817" y="13861"/>
+                      <a:pt x="43352" y="6880"/>
+                      <a:pt x="56204" y="6195"/>
+                    </a:cubicBezTo>
+                    <a:cubicBezTo>
+                      <a:pt x="57264" y="6137"/>
+                      <a:pt x="58301" y="6108"/>
+                      <a:pt x="59316" y="6108"/>
+                    </a:cubicBezTo>
+                    <a:close/>
+                    <a:moveTo>
+                      <a:pt x="73036" y="84157"/>
+                    </a:moveTo>
+                    <a:lnTo>
+                      <a:pt x="73036" y="90028"/>
+                    </a:lnTo>
+                    <a:lnTo>
+                      <a:pt x="56041" y="104870"/>
+                    </a:lnTo>
+                    <a:lnTo>
+                      <a:pt x="39079" y="90028"/>
+                    </a:lnTo>
+                    <a:lnTo>
+                      <a:pt x="39079" y="84157"/>
+                    </a:lnTo>
+                    <a:cubicBezTo>
+                      <a:pt x="44004" y="87288"/>
+                      <a:pt x="49843" y="89115"/>
+                      <a:pt x="56041" y="89115"/>
+                    </a:cubicBezTo>
+                    <a:cubicBezTo>
+                      <a:pt x="62239" y="89115"/>
+                      <a:pt x="68078" y="87288"/>
+                      <a:pt x="73036" y="84157"/>
+                    </a:cubicBezTo>
+                    <a:close/>
+                    <a:moveTo>
+                      <a:pt x="33305" y="93095"/>
+                    </a:moveTo>
+                    <a:lnTo>
+                      <a:pt x="51572" y="109078"/>
+                    </a:lnTo>
+                    <a:lnTo>
+                      <a:pt x="44526" y="116124"/>
+                    </a:lnTo>
+                    <a:cubicBezTo>
+                      <a:pt x="43855" y="116795"/>
+                      <a:pt x="43088" y="116915"/>
+                      <a:pt x="42595" y="116915"/>
+                    </a:cubicBezTo>
+                    <a:cubicBezTo>
+                      <a:pt x="42513" y="116915"/>
+                      <a:pt x="42439" y="116912"/>
+                      <a:pt x="42373" y="116907"/>
+                    </a:cubicBezTo>
+                    <a:cubicBezTo>
+                      <a:pt x="41917" y="116875"/>
+                      <a:pt x="41036" y="116646"/>
+                      <a:pt x="40416" y="115733"/>
+                    </a:cubicBezTo>
+                    <a:lnTo>
+                      <a:pt x="28510" y="97890"/>
+                    </a:lnTo>
+                    <a:lnTo>
+                      <a:pt x="33305" y="93095"/>
+                    </a:lnTo>
+                    <a:close/>
+                    <a:moveTo>
+                      <a:pt x="78810" y="93095"/>
+                    </a:moveTo>
+                    <a:lnTo>
+                      <a:pt x="83605" y="97890"/>
+                    </a:lnTo>
+                    <a:lnTo>
+                      <a:pt x="71699" y="115733"/>
+                    </a:lnTo>
+                    <a:cubicBezTo>
+                      <a:pt x="71079" y="116646"/>
+                      <a:pt x="70198" y="116875"/>
+                      <a:pt x="69741" y="116907"/>
+                    </a:cubicBezTo>
+                    <a:cubicBezTo>
+                      <a:pt x="69672" y="116912"/>
+                      <a:pt x="69594" y="116915"/>
+                      <a:pt x="69509" y="116915"/>
+                    </a:cubicBezTo>
+                    <a:cubicBezTo>
+                      <a:pt x="69002" y="116915"/>
+                      <a:pt x="68260" y="116795"/>
+                      <a:pt x="67589" y="116124"/>
+                    </a:cubicBezTo>
+                    <a:lnTo>
+                      <a:pt x="60510" y="109078"/>
+                    </a:lnTo>
+                    <a:lnTo>
+                      <a:pt x="78810" y="93095"/>
+                    </a:lnTo>
+                    <a:close/>
+                    <a:moveTo>
+                      <a:pt x="56041" y="113254"/>
+                    </a:moveTo>
+                    <a:lnTo>
+                      <a:pt x="58781" y="115961"/>
+                    </a:lnTo>
+                    <a:lnTo>
+                      <a:pt x="58944" y="120169"/>
+                    </a:lnTo>
+                    <a:lnTo>
+                      <a:pt x="53138" y="120169"/>
+                    </a:lnTo>
+                    <a:lnTo>
+                      <a:pt x="53334" y="115961"/>
+                    </a:lnTo>
+                    <a:lnTo>
+                      <a:pt x="56041" y="113254"/>
+                    </a:lnTo>
+                    <a:close/>
+                    <a:moveTo>
+                      <a:pt x="59317" y="0"/>
+                    </a:moveTo>
+                    <a:cubicBezTo>
+                      <a:pt x="58193" y="0"/>
+                      <a:pt x="57046" y="32"/>
+                      <a:pt x="55878" y="95"/>
+                    </a:cubicBezTo>
+                    <a:cubicBezTo>
+                      <a:pt x="43189" y="780"/>
+                      <a:pt x="35001" y="6619"/>
+                      <a:pt x="32392" y="8740"/>
+                    </a:cubicBezTo>
+                    <a:cubicBezTo>
+                      <a:pt x="30989" y="8903"/>
+                      <a:pt x="28543" y="9425"/>
+                      <a:pt x="26096" y="10893"/>
+                    </a:cubicBezTo>
+                    <a:cubicBezTo>
+                      <a:pt x="22704" y="12915"/>
+                      <a:pt x="18659" y="17221"/>
+                      <a:pt x="18659" y="26028"/>
+                    </a:cubicBezTo>
+                    <a:cubicBezTo>
+                      <a:pt x="18659" y="33727"/>
+                      <a:pt x="19898" y="40153"/>
+                      <a:pt x="20779" y="43806"/>
+                    </a:cubicBezTo>
+                    <a:cubicBezTo>
+                      <a:pt x="17811" y="45241"/>
+                      <a:pt x="15788" y="48405"/>
+                      <a:pt x="15788" y="51994"/>
+                    </a:cubicBezTo>
+                    <a:lnTo>
+                      <a:pt x="15788" y="54179"/>
+                    </a:lnTo>
+                    <a:cubicBezTo>
+                      <a:pt x="15788" y="58550"/>
+                      <a:pt x="18757" y="62334"/>
+                      <a:pt x="22834" y="63182"/>
+                    </a:cubicBezTo>
+                    <a:cubicBezTo>
+                      <a:pt x="23402" y="63290"/>
+                      <a:pt x="24014" y="63354"/>
+                      <a:pt x="24597" y="63354"/>
+                    </a:cubicBezTo>
+                    <a:cubicBezTo>
+                      <a:pt x="24717" y="63354"/>
+                      <a:pt x="24837" y="63351"/>
+                      <a:pt x="24954" y="63345"/>
+                    </a:cubicBezTo>
+                    <a:cubicBezTo>
+                      <a:pt x="26129" y="69413"/>
+                      <a:pt x="28967" y="74828"/>
+                      <a:pt x="32979" y="79101"/>
+                    </a:cubicBezTo>
+                    <a:lnTo>
+                      <a:pt x="32979" y="85853"/>
+                    </a:lnTo>
+                    <a:cubicBezTo>
+                      <a:pt x="32261" y="85886"/>
+                      <a:pt x="31544" y="86212"/>
+                      <a:pt x="30989" y="86734"/>
+                    </a:cubicBezTo>
+                    <a:lnTo>
+                      <a:pt x="22508" y="95248"/>
+                    </a:lnTo>
+                    <a:lnTo>
+                      <a:pt x="5872" y="101641"/>
+                    </a:lnTo>
+                    <a:cubicBezTo>
+                      <a:pt x="4404" y="102196"/>
+                      <a:pt x="3034" y="102946"/>
+                      <a:pt x="1762" y="103794"/>
+                    </a:cubicBezTo>
+                    <a:cubicBezTo>
+                      <a:pt x="359" y="104740"/>
+                      <a:pt x="0" y="106632"/>
+                      <a:pt x="946" y="108035"/>
+                    </a:cubicBezTo>
+                    <a:cubicBezTo>
+                      <a:pt x="1533" y="108915"/>
+                      <a:pt x="2512" y="109372"/>
+                      <a:pt x="3490" y="109372"/>
+                    </a:cubicBezTo>
+                    <a:cubicBezTo>
+                      <a:pt x="4078" y="109372"/>
+                      <a:pt x="4665" y="109209"/>
+                      <a:pt x="5219" y="108850"/>
+                    </a:cubicBezTo>
+                    <a:cubicBezTo>
+                      <a:pt x="6100" y="108263"/>
+                      <a:pt x="7046" y="107741"/>
+                      <a:pt x="8057" y="107350"/>
+                    </a:cubicBezTo>
+                    <a:lnTo>
+                      <a:pt x="23519" y="101413"/>
+                    </a:lnTo>
+                    <a:lnTo>
+                      <a:pt x="35327" y="119125"/>
+                    </a:lnTo>
+                    <a:cubicBezTo>
+                      <a:pt x="36795" y="121311"/>
+                      <a:pt x="39144" y="122746"/>
+                      <a:pt x="41786" y="123007"/>
+                    </a:cubicBezTo>
+                    <a:cubicBezTo>
+                      <a:pt x="42047" y="123007"/>
+                      <a:pt x="42341" y="123040"/>
+                      <a:pt x="42634" y="123040"/>
+                    </a:cubicBezTo>
+                    <a:cubicBezTo>
+                      <a:pt x="44167" y="123040"/>
+                      <a:pt x="45635" y="122648"/>
+                      <a:pt x="46940" y="121898"/>
+                    </a:cubicBezTo>
+                    <a:lnTo>
+                      <a:pt x="46940" y="121898"/>
+                    </a:lnTo>
+                    <a:lnTo>
+                      <a:pt x="44428" y="179407"/>
+                    </a:lnTo>
+                    <a:cubicBezTo>
+                      <a:pt x="44331" y="181103"/>
+                      <a:pt x="45635" y="182538"/>
+                      <a:pt x="47332" y="182604"/>
+                    </a:cubicBezTo>
+                    <a:lnTo>
+                      <a:pt x="47462" y="182604"/>
+                    </a:lnTo>
+                    <a:cubicBezTo>
+                      <a:pt x="49093" y="182604"/>
+                      <a:pt x="50463" y="181331"/>
+                      <a:pt x="50528" y="179700"/>
+                    </a:cubicBezTo>
+                    <a:lnTo>
+                      <a:pt x="52877" y="126302"/>
+                    </a:lnTo>
+                    <a:lnTo>
+                      <a:pt x="59238" y="126302"/>
+                    </a:lnTo>
+                    <a:lnTo>
+                      <a:pt x="61586" y="179700"/>
+                    </a:lnTo>
+                    <a:cubicBezTo>
+                      <a:pt x="61652" y="181331"/>
+                      <a:pt x="63022" y="182604"/>
+                      <a:pt x="64620" y="182604"/>
+                    </a:cubicBezTo>
+                    <a:lnTo>
+                      <a:pt x="64783" y="182604"/>
+                    </a:lnTo>
+                    <a:cubicBezTo>
+                      <a:pt x="66447" y="182538"/>
+                      <a:pt x="67752" y="181103"/>
+                      <a:pt x="67686" y="179407"/>
+                    </a:cubicBezTo>
+                    <a:lnTo>
+                      <a:pt x="65142" y="121898"/>
+                    </a:lnTo>
+                    <a:lnTo>
+                      <a:pt x="65142" y="121898"/>
+                    </a:lnTo>
+                    <a:cubicBezTo>
+                      <a:pt x="66447" y="122648"/>
+                      <a:pt x="67947" y="123040"/>
+                      <a:pt x="69448" y="123040"/>
+                    </a:cubicBezTo>
+                    <a:cubicBezTo>
+                      <a:pt x="69741" y="123040"/>
+                      <a:pt x="70035" y="123007"/>
+                      <a:pt x="70329" y="123007"/>
+                    </a:cubicBezTo>
+                    <a:cubicBezTo>
+                      <a:pt x="72971" y="122746"/>
+                      <a:pt x="75319" y="121311"/>
+                      <a:pt x="76787" y="119125"/>
+                    </a:cubicBezTo>
+                    <a:lnTo>
+                      <a:pt x="88596" y="101413"/>
+                    </a:lnTo>
+                    <a:lnTo>
+                      <a:pt x="104058" y="107350"/>
+                    </a:lnTo>
+                    <a:cubicBezTo>
+                      <a:pt x="106210" y="108198"/>
+                      <a:pt x="108070" y="109535"/>
+                      <a:pt x="109538" y="111199"/>
+                    </a:cubicBezTo>
+                    <a:lnTo>
+                      <a:pt x="98969" y="121768"/>
+                    </a:lnTo>
+                    <a:cubicBezTo>
+                      <a:pt x="95152" y="125584"/>
+                      <a:pt x="93065" y="130673"/>
+                      <a:pt x="93065" y="136055"/>
+                    </a:cubicBezTo>
+                    <a:lnTo>
+                      <a:pt x="93065" y="179537"/>
+                    </a:lnTo>
+                    <a:cubicBezTo>
+                      <a:pt x="93065" y="181234"/>
+                      <a:pt x="94402" y="182604"/>
+                      <a:pt x="96098" y="182604"/>
+                    </a:cubicBezTo>
+                    <a:cubicBezTo>
+                      <a:pt x="97795" y="182604"/>
+                      <a:pt x="99165" y="181234"/>
+                      <a:pt x="99165" y="179537"/>
+                    </a:cubicBezTo>
+                    <a:lnTo>
+                      <a:pt x="99165" y="136055"/>
+                    </a:lnTo>
+                    <a:cubicBezTo>
+                      <a:pt x="99165" y="132304"/>
+                      <a:pt x="100632" y="128748"/>
+                      <a:pt x="103307" y="126106"/>
+                    </a:cubicBezTo>
+                    <a:lnTo>
+                      <a:pt x="112571" y="116809"/>
+                    </a:lnTo>
+                    <a:cubicBezTo>
+                      <a:pt x="112963" y="118179"/>
+                      <a:pt x="113126" y="119615"/>
+                      <a:pt x="113061" y="121083"/>
+                    </a:cubicBezTo>
+                    <a:lnTo>
+                      <a:pt x="110712" y="179439"/>
+                    </a:lnTo>
+                    <a:cubicBezTo>
+                      <a:pt x="110614" y="181103"/>
+                      <a:pt x="111952" y="182538"/>
+                      <a:pt x="113615" y="182604"/>
+                    </a:cubicBezTo>
+                    <a:lnTo>
+                      <a:pt x="113746" y="182604"/>
+                    </a:lnTo>
+                    <a:cubicBezTo>
+                      <a:pt x="115377" y="182604"/>
+                      <a:pt x="116747" y="181331"/>
+                      <a:pt x="116812" y="179668"/>
+                    </a:cubicBezTo>
+                    <a:lnTo>
+                      <a:pt x="119161" y="121343"/>
+                    </a:lnTo>
+                    <a:cubicBezTo>
+                      <a:pt x="119519" y="112667"/>
+                      <a:pt x="114333" y="104773"/>
+                      <a:pt x="106243" y="101641"/>
+                    </a:cubicBezTo>
+                    <a:lnTo>
+                      <a:pt x="89607" y="95248"/>
+                    </a:lnTo>
+                    <a:lnTo>
+                      <a:pt x="81093" y="86734"/>
+                    </a:lnTo>
+                    <a:cubicBezTo>
+                      <a:pt x="80571" y="86212"/>
+                      <a:pt x="79854" y="85886"/>
+                      <a:pt x="79136" y="85853"/>
+                    </a:cubicBezTo>
+                    <a:lnTo>
+                      <a:pt x="79136" y="79101"/>
+                    </a:lnTo>
+                    <a:cubicBezTo>
+                      <a:pt x="83148" y="74828"/>
+                      <a:pt x="85986" y="69445"/>
+                      <a:pt x="87128" y="63345"/>
+                    </a:cubicBezTo>
+                    <a:cubicBezTo>
+                      <a:pt x="87251" y="63351"/>
+                      <a:pt x="87374" y="63354"/>
+                      <a:pt x="87497" y="63354"/>
+                    </a:cubicBezTo>
+                    <a:cubicBezTo>
+                      <a:pt x="88092" y="63354"/>
+                      <a:pt x="88686" y="63290"/>
+                      <a:pt x="89281" y="63182"/>
+                    </a:cubicBezTo>
+                    <a:cubicBezTo>
+                      <a:pt x="93358" y="62334"/>
+                      <a:pt x="96294" y="58550"/>
+                      <a:pt x="96294" y="54212"/>
+                    </a:cubicBezTo>
+                    <a:lnTo>
+                      <a:pt x="96294" y="51961"/>
+                    </a:lnTo>
+                    <a:cubicBezTo>
+                      <a:pt x="96294" y="49449"/>
+                      <a:pt x="95283" y="47133"/>
+                      <a:pt x="93619" y="45470"/>
+                    </a:cubicBezTo>
+                    <a:cubicBezTo>
+                      <a:pt x="96327" y="30758"/>
+                      <a:pt x="94076" y="18819"/>
+                      <a:pt x="87160" y="10795"/>
+                    </a:cubicBezTo>
+                    <a:cubicBezTo>
+                      <a:pt x="81011" y="3690"/>
+                      <a:pt x="71446" y="0"/>
+                      <a:pt x="59317" y="0"/>
+                    </a:cubicBezTo>
+                    <a:close/>
+                  </a:path>
+                </a:pathLst>
+              </a:custGeom>
+              <a:solidFill>
+                <a:schemeClr val="tx1"/>
+              </a:solidFill>
+              <a:ln>
+                <a:noFill/>
+              </a:ln>
+            </p:spPr>
+            <p:txBody>
+              <a:bodyPr spcFirstLastPara="1" wrap="square" lIns="91425" tIns="91425" rIns="91425" bIns="91425" anchor="ctr" anchorCtr="0">
+                <a:noAutofit/>
+              </a:bodyPr>
+              <a:lstStyle/>
+              <a:p>
+                <a:pPr marL="0" lvl="0" indent="0" algn="l" rtl="0">
+                  <a:spcBef>
+                    <a:spcPts val="0"/>
+                  </a:spcBef>
+                  <a:spcAft>
+                    <a:spcPts val="0"/>
+                  </a:spcAft>
+                  <a:buNone/>
+                </a:pPr>
+                <a:endParaRPr/>
+              </a:p>
+            </p:txBody>
+          </p:sp>
+          <p:sp>
+            <p:nvSpPr>
+              <p:cNvPr id="14" name="Google Shape;423;p67">
+                <a:extLst>
+                  <a:ext uri="{FF2B5EF4-FFF2-40B4-BE49-F238E27FC236}">
+                    <a16:creationId xmlns:a16="http://schemas.microsoft.com/office/drawing/2014/main" id="{9F46B139-2EF1-6A7F-3DAB-1934653FAAAF}"/>
+                  </a:ext>
+                </a:extLst>
+              </p:cNvPr>
+              <p:cNvSpPr/>
+              <p:nvPr/>
+            </p:nvSpPr>
+            <p:spPr>
+              <a:xfrm>
+                <a:off x="1182450" y="565125"/>
+                <a:ext cx="2744175" cy="4565175"/>
+              </a:xfrm>
+              <a:custGeom>
+                <a:avLst/>
+                <a:gdLst/>
+                <a:ahLst/>
+                <a:cxnLst/>
+                <a:rect l="l" t="t" r="r" b="b"/>
+                <a:pathLst>
+                  <a:path w="109767" h="182607" extrusionOk="0">
+                    <a:moveTo>
+                      <a:pt x="54900" y="6100"/>
+                    </a:moveTo>
+                    <a:cubicBezTo>
+                      <a:pt x="61391" y="6100"/>
+                      <a:pt x="66872" y="10276"/>
+                      <a:pt x="68503" y="15886"/>
+                    </a:cubicBezTo>
+                    <a:cubicBezTo>
+                      <a:pt x="64295" y="14288"/>
+                      <a:pt x="59695" y="13407"/>
+                      <a:pt x="54900" y="13407"/>
+                    </a:cubicBezTo>
+                    <a:cubicBezTo>
+                      <a:pt x="50072" y="13407"/>
+                      <a:pt x="45473" y="14288"/>
+                      <a:pt x="41265" y="15886"/>
+                    </a:cubicBezTo>
+                    <a:cubicBezTo>
+                      <a:pt x="42896" y="10276"/>
+                      <a:pt x="48376" y="6100"/>
+                      <a:pt x="54900" y="6100"/>
+                    </a:cubicBezTo>
+                    <a:close/>
+                    <a:moveTo>
+                      <a:pt x="54900" y="19540"/>
+                    </a:moveTo>
+                    <a:cubicBezTo>
+                      <a:pt x="72123" y="19540"/>
+                      <a:pt x="86150" y="32914"/>
+                      <a:pt x="86150" y="49387"/>
+                    </a:cubicBezTo>
+                    <a:cubicBezTo>
+                      <a:pt x="86150" y="51736"/>
+                      <a:pt x="85856" y="54084"/>
+                      <a:pt x="85269" y="56400"/>
+                    </a:cubicBezTo>
+                    <a:cubicBezTo>
+                      <a:pt x="84486" y="56466"/>
+                      <a:pt x="83638" y="56596"/>
+                      <a:pt x="82888" y="56792"/>
+                    </a:cubicBezTo>
+                    <a:lnTo>
+                      <a:pt x="80604" y="54900"/>
+                    </a:lnTo>
+                    <a:cubicBezTo>
+                      <a:pt x="79529" y="54033"/>
+                      <a:pt x="78235" y="53550"/>
+                      <a:pt x="76897" y="53550"/>
+                    </a:cubicBezTo>
+                    <a:cubicBezTo>
+                      <a:pt x="76774" y="53550"/>
+                      <a:pt x="76650" y="53554"/>
+                      <a:pt x="76527" y="53562"/>
+                    </a:cubicBezTo>
+                    <a:cubicBezTo>
+                      <a:pt x="75820" y="53603"/>
+                      <a:pt x="74655" y="53653"/>
+                      <a:pt x="73148" y="53653"/>
+                    </a:cubicBezTo>
+                    <a:cubicBezTo>
+                      <a:pt x="65065" y="53653"/>
+                      <a:pt x="47140" y="52219"/>
+                      <a:pt x="37187" y="40286"/>
+                    </a:cubicBezTo>
+                    <a:cubicBezTo>
+                      <a:pt x="36587" y="39558"/>
+                      <a:pt x="35722" y="39185"/>
+                      <a:pt x="34848" y="39185"/>
+                    </a:cubicBezTo>
+                    <a:cubicBezTo>
+                      <a:pt x="34156" y="39185"/>
+                      <a:pt x="33458" y="39419"/>
+                      <a:pt x="32882" y="39895"/>
+                    </a:cubicBezTo>
+                    <a:cubicBezTo>
+                      <a:pt x="31577" y="41004"/>
+                      <a:pt x="31414" y="42928"/>
+                      <a:pt x="32490" y="44200"/>
+                    </a:cubicBezTo>
+                    <a:cubicBezTo>
+                      <a:pt x="38329" y="51181"/>
+                      <a:pt x="46876" y="55911"/>
+                      <a:pt x="57901" y="58227"/>
+                    </a:cubicBezTo>
+                    <a:cubicBezTo>
+                      <a:pt x="63787" y="59482"/>
+                      <a:pt x="69227" y="59763"/>
+                      <a:pt x="72981" y="59763"/>
+                    </a:cubicBezTo>
+                    <a:cubicBezTo>
+                      <a:pt x="74594" y="59763"/>
+                      <a:pt x="75896" y="59711"/>
+                      <a:pt x="76788" y="59662"/>
+                    </a:cubicBezTo>
+                    <a:lnTo>
+                      <a:pt x="80376" y="62631"/>
+                    </a:lnTo>
+                    <a:cubicBezTo>
+                      <a:pt x="80932" y="63075"/>
+                      <a:pt x="81614" y="63309"/>
+                      <a:pt x="82302" y="63309"/>
+                    </a:cubicBezTo>
+                    <a:cubicBezTo>
+                      <a:pt x="82826" y="63309"/>
+                      <a:pt x="83354" y="63174"/>
+                      <a:pt x="83834" y="62892"/>
+                    </a:cubicBezTo>
+                    <a:cubicBezTo>
+                      <a:pt x="84251" y="62683"/>
+                      <a:pt x="85441" y="62453"/>
+                      <a:pt x="86301" y="62453"/>
+                    </a:cubicBezTo>
+                    <a:cubicBezTo>
+                      <a:pt x="86517" y="62453"/>
+                      <a:pt x="86711" y="62468"/>
+                      <a:pt x="86868" y="62500"/>
+                    </a:cubicBezTo>
+                    <a:cubicBezTo>
+                      <a:pt x="88074" y="62729"/>
+                      <a:pt x="89020" y="63968"/>
+                      <a:pt x="89020" y="65371"/>
+                    </a:cubicBezTo>
+                    <a:lnTo>
+                      <a:pt x="89020" y="67589"/>
+                    </a:lnTo>
+                    <a:cubicBezTo>
+                      <a:pt x="89020" y="69024"/>
+                      <a:pt x="88140" y="70296"/>
+                      <a:pt x="86965" y="70557"/>
+                    </a:cubicBezTo>
+                    <a:cubicBezTo>
+                      <a:pt x="86774" y="70605"/>
+                      <a:pt x="86583" y="70635"/>
+                      <a:pt x="86392" y="70635"/>
+                    </a:cubicBezTo>
+                    <a:cubicBezTo>
+                      <a:pt x="86322" y="70635"/>
+                      <a:pt x="86252" y="70631"/>
+                      <a:pt x="86182" y="70623"/>
+                    </a:cubicBezTo>
+                    <a:cubicBezTo>
+                      <a:pt x="86057" y="70614"/>
+                      <a:pt x="85931" y="70610"/>
+                      <a:pt x="85806" y="70610"/>
+                    </a:cubicBezTo>
+                    <a:cubicBezTo>
+                      <a:pt x="83016" y="70610"/>
+                      <a:pt x="80484" y="72673"/>
+                      <a:pt x="79985" y="75483"/>
+                    </a:cubicBezTo>
+                    <a:cubicBezTo>
+                      <a:pt x="77767" y="87585"/>
+                      <a:pt x="67198" y="96392"/>
+                      <a:pt x="54900" y="96392"/>
+                    </a:cubicBezTo>
+                    <a:cubicBezTo>
+                      <a:pt x="42570" y="96392"/>
+                      <a:pt x="32001" y="87585"/>
+                      <a:pt x="29783" y="75483"/>
+                    </a:cubicBezTo>
+                    <a:cubicBezTo>
+                      <a:pt x="29283" y="72673"/>
+                      <a:pt x="26751" y="70610"/>
+                      <a:pt x="23961" y="70610"/>
+                    </a:cubicBezTo>
+                    <a:cubicBezTo>
+                      <a:pt x="23836" y="70610"/>
+                      <a:pt x="23711" y="70614"/>
+                      <a:pt x="23585" y="70623"/>
+                    </a:cubicBezTo>
+                    <a:cubicBezTo>
+                      <a:pt x="23515" y="70631"/>
+                      <a:pt x="23445" y="70635"/>
+                      <a:pt x="23375" y="70635"/>
+                    </a:cubicBezTo>
+                    <a:cubicBezTo>
+                      <a:pt x="23184" y="70635"/>
+                      <a:pt x="22993" y="70605"/>
+                      <a:pt x="22802" y="70557"/>
+                    </a:cubicBezTo>
+                    <a:cubicBezTo>
+                      <a:pt x="21628" y="70296"/>
+                      <a:pt x="20747" y="69024"/>
+                      <a:pt x="20747" y="67589"/>
+                    </a:cubicBezTo>
+                    <a:lnTo>
+                      <a:pt x="20747" y="65403"/>
+                    </a:lnTo>
+                    <a:cubicBezTo>
+                      <a:pt x="20747" y="63968"/>
+                      <a:pt x="21693" y="62696"/>
+                      <a:pt x="22900" y="62500"/>
+                    </a:cubicBezTo>
+                    <a:cubicBezTo>
+                      <a:pt x="23073" y="62467"/>
+                      <a:pt x="23246" y="62450"/>
+                      <a:pt x="23416" y="62450"/>
+                    </a:cubicBezTo>
+                    <a:cubicBezTo>
+                      <a:pt x="24236" y="62450"/>
+                      <a:pt x="24996" y="62830"/>
+                      <a:pt x="25510" y="63479"/>
+                    </a:cubicBezTo>
+                    <a:cubicBezTo>
+                      <a:pt x="26097" y="64229"/>
+                      <a:pt x="26847" y="64751"/>
+                      <a:pt x="27695" y="65012"/>
+                    </a:cubicBezTo>
+                    <a:cubicBezTo>
+                      <a:pt x="28096" y="65128"/>
+                      <a:pt x="28514" y="65186"/>
+                      <a:pt x="28932" y="65186"/>
+                    </a:cubicBezTo>
+                    <a:cubicBezTo>
+                      <a:pt x="29805" y="65186"/>
+                      <a:pt x="30675" y="64932"/>
+                      <a:pt x="31381" y="64425"/>
+                    </a:cubicBezTo>
+                    <a:cubicBezTo>
+                      <a:pt x="33273" y="63087"/>
+                      <a:pt x="34937" y="61456"/>
+                      <a:pt x="36339" y="59597"/>
+                    </a:cubicBezTo>
+                    <a:cubicBezTo>
+                      <a:pt x="37351" y="58260"/>
+                      <a:pt x="37090" y="56335"/>
+                      <a:pt x="35720" y="55324"/>
+                    </a:cubicBezTo>
+                    <a:cubicBezTo>
+                      <a:pt x="35171" y="54909"/>
+                      <a:pt x="34523" y="54708"/>
+                      <a:pt x="33880" y="54708"/>
+                    </a:cubicBezTo>
+                    <a:cubicBezTo>
+                      <a:pt x="32956" y="54708"/>
+                      <a:pt x="32043" y="55122"/>
+                      <a:pt x="31446" y="55911"/>
+                    </a:cubicBezTo>
+                    <a:cubicBezTo>
+                      <a:pt x="30761" y="56857"/>
+                      <a:pt x="29978" y="57705"/>
+                      <a:pt x="29098" y="58423"/>
+                    </a:cubicBezTo>
+                    <a:cubicBezTo>
+                      <a:pt x="27793" y="57314"/>
+                      <a:pt x="26195" y="56629"/>
+                      <a:pt x="24498" y="56400"/>
+                    </a:cubicBezTo>
+                    <a:cubicBezTo>
+                      <a:pt x="23911" y="54084"/>
+                      <a:pt x="23618" y="51736"/>
+                      <a:pt x="23618" y="49387"/>
+                    </a:cubicBezTo>
+                    <a:cubicBezTo>
+                      <a:pt x="23618" y="32914"/>
+                      <a:pt x="37644" y="19540"/>
+                      <a:pt x="54900" y="19540"/>
+                    </a:cubicBezTo>
+                    <a:close/>
+                    <a:moveTo>
+                      <a:pt x="66121" y="100437"/>
+                    </a:moveTo>
+                    <a:lnTo>
+                      <a:pt x="66121" y="106765"/>
+                    </a:lnTo>
+                    <a:lnTo>
+                      <a:pt x="54900" y="118019"/>
+                    </a:lnTo>
+                    <a:lnTo>
+                      <a:pt x="43646" y="106765"/>
+                    </a:lnTo>
+                    <a:lnTo>
+                      <a:pt x="43646" y="100437"/>
+                    </a:lnTo>
+                    <a:cubicBezTo>
+                      <a:pt x="47137" y="101775"/>
+                      <a:pt x="50953" y="102492"/>
+                      <a:pt x="54900" y="102492"/>
+                    </a:cubicBezTo>
+                    <a:cubicBezTo>
+                      <a:pt x="58814" y="102492"/>
+                      <a:pt x="62631" y="101775"/>
+                      <a:pt x="66121" y="100437"/>
+                    </a:cubicBezTo>
+                    <a:close/>
+                    <a:moveTo>
+                      <a:pt x="37709" y="109505"/>
+                    </a:moveTo>
+                    <a:lnTo>
+                      <a:pt x="50366" y="122162"/>
+                    </a:lnTo>
+                    <a:lnTo>
+                      <a:pt x="42211" y="129143"/>
+                    </a:lnTo>
+                    <a:lnTo>
+                      <a:pt x="33012" y="114203"/>
+                    </a:lnTo>
+                    <a:lnTo>
+                      <a:pt x="37709" y="109505"/>
+                    </a:lnTo>
+                    <a:close/>
+                    <a:moveTo>
+                      <a:pt x="72058" y="109505"/>
+                    </a:moveTo>
+                    <a:lnTo>
+                      <a:pt x="76755" y="114203"/>
+                    </a:lnTo>
+                    <a:lnTo>
+                      <a:pt x="67557" y="129143"/>
+                    </a:lnTo>
+                    <a:lnTo>
+                      <a:pt x="59402" y="122162"/>
+                    </a:lnTo>
+                    <a:lnTo>
+                      <a:pt x="72058" y="109505"/>
+                    </a:lnTo>
+                    <a:close/>
+                    <a:moveTo>
+                      <a:pt x="54867" y="1"/>
+                    </a:moveTo>
+                    <a:cubicBezTo>
+                      <a:pt x="43809" y="1"/>
+                      <a:pt x="34774" y="8580"/>
+                      <a:pt x="34676" y="19148"/>
+                    </a:cubicBezTo>
+                    <a:cubicBezTo>
+                      <a:pt x="24335" y="25542"/>
+                      <a:pt x="17485" y="36698"/>
+                      <a:pt x="17485" y="49387"/>
+                    </a:cubicBezTo>
+                    <a:cubicBezTo>
+                      <a:pt x="17485" y="52225"/>
+                      <a:pt x="17844" y="55063"/>
+                      <a:pt x="18529" y="57836"/>
+                    </a:cubicBezTo>
+                    <a:cubicBezTo>
+                      <a:pt x="16148" y="59434"/>
+                      <a:pt x="14647" y="62239"/>
+                      <a:pt x="14647" y="65403"/>
+                    </a:cubicBezTo>
+                    <a:lnTo>
+                      <a:pt x="14647" y="67589"/>
+                    </a:lnTo>
+                    <a:cubicBezTo>
+                      <a:pt x="14647" y="71830"/>
+                      <a:pt x="17485" y="75581"/>
+                      <a:pt x="21399" y="76527"/>
+                    </a:cubicBezTo>
+                    <a:cubicBezTo>
+                      <a:pt x="22081" y="76669"/>
+                      <a:pt x="22788" y="76761"/>
+                      <a:pt x="23497" y="76761"/>
+                    </a:cubicBezTo>
+                    <a:cubicBezTo>
+                      <a:pt x="23603" y="76761"/>
+                      <a:pt x="23708" y="76759"/>
+                      <a:pt x="23813" y="76755"/>
+                    </a:cubicBezTo>
+                    <a:cubicBezTo>
+                      <a:pt x="25444" y="85432"/>
+                      <a:pt x="30533" y="92706"/>
+                      <a:pt x="37514" y="97306"/>
+                    </a:cubicBezTo>
+                    <a:lnTo>
+                      <a:pt x="37514" y="102133"/>
+                    </a:lnTo>
+                    <a:cubicBezTo>
+                      <a:pt x="36796" y="102166"/>
+                      <a:pt x="36111" y="102460"/>
+                      <a:pt x="35556" y="103014"/>
+                    </a:cubicBezTo>
+                    <a:lnTo>
+                      <a:pt x="27401" y="111169"/>
+                    </a:lnTo>
+                    <a:lnTo>
+                      <a:pt x="12462" y="117693"/>
+                    </a:lnTo>
+                    <a:cubicBezTo>
+                      <a:pt x="4861" y="120988"/>
+                      <a:pt x="1" y="128784"/>
+                      <a:pt x="360" y="137069"/>
+                    </a:cubicBezTo>
+                    <a:lnTo>
+                      <a:pt x="2154" y="179671"/>
+                    </a:lnTo>
+                    <a:cubicBezTo>
+                      <a:pt x="2219" y="181334"/>
+                      <a:pt x="3589" y="182607"/>
+                      <a:pt x="5220" y="182607"/>
+                    </a:cubicBezTo>
+                    <a:lnTo>
+                      <a:pt x="5350" y="182607"/>
+                    </a:lnTo>
+                    <a:cubicBezTo>
+                      <a:pt x="7014" y="182541"/>
+                      <a:pt x="8319" y="181106"/>
+                      <a:pt x="8254" y="179410"/>
+                    </a:cubicBezTo>
+                    <a:lnTo>
+                      <a:pt x="6460" y="136808"/>
+                    </a:lnTo>
+                    <a:cubicBezTo>
+                      <a:pt x="6329" y="134068"/>
+                      <a:pt x="7047" y="131393"/>
+                      <a:pt x="8384" y="129110"/>
+                    </a:cubicBezTo>
+                    <a:lnTo>
+                      <a:pt x="16409" y="138733"/>
+                    </a:lnTo>
+                    <a:cubicBezTo>
+                      <a:pt x="18953" y="141799"/>
+                      <a:pt x="20356" y="145648"/>
+                      <a:pt x="20356" y="149595"/>
+                    </a:cubicBezTo>
+                    <a:lnTo>
+                      <a:pt x="20356" y="179540"/>
+                    </a:lnTo>
+                    <a:cubicBezTo>
+                      <a:pt x="20356" y="181237"/>
+                      <a:pt x="21726" y="182607"/>
+                      <a:pt x="23422" y="182607"/>
+                    </a:cubicBezTo>
+                    <a:cubicBezTo>
+                      <a:pt x="25085" y="182607"/>
+                      <a:pt x="26456" y="181237"/>
+                      <a:pt x="26456" y="179540"/>
+                    </a:cubicBezTo>
+                    <a:lnTo>
+                      <a:pt x="26456" y="149595"/>
+                    </a:lnTo>
+                    <a:cubicBezTo>
+                      <a:pt x="26456" y="144213"/>
+                      <a:pt x="24564" y="138961"/>
+                      <a:pt x="21106" y="134818"/>
+                    </a:cubicBezTo>
+                    <a:lnTo>
+                      <a:pt x="12592" y="124608"/>
+                    </a:lnTo>
+                    <a:cubicBezTo>
+                      <a:pt x="13310" y="124087"/>
+                      <a:pt x="14093" y="123662"/>
+                      <a:pt x="14908" y="123304"/>
+                    </a:cubicBezTo>
+                    <a:lnTo>
+                      <a:pt x="27923" y="117595"/>
+                    </a:lnTo>
+                    <a:lnTo>
+                      <a:pt x="37122" y="132535"/>
+                    </a:lnTo>
+                    <a:cubicBezTo>
+                      <a:pt x="38036" y="134003"/>
+                      <a:pt x="39536" y="135014"/>
+                      <a:pt x="41232" y="135275"/>
+                    </a:cubicBezTo>
+                    <a:cubicBezTo>
+                      <a:pt x="41559" y="135340"/>
+                      <a:pt x="41852" y="135340"/>
+                      <a:pt x="42146" y="135340"/>
+                    </a:cubicBezTo>
+                    <a:cubicBezTo>
+                      <a:pt x="43548" y="135340"/>
+                      <a:pt x="44918" y="134851"/>
+                      <a:pt x="45995" y="133938"/>
+                    </a:cubicBezTo>
+                    <a:lnTo>
+                      <a:pt x="51834" y="128947"/>
+                    </a:lnTo>
+                    <a:lnTo>
+                      <a:pt x="51834" y="179540"/>
+                    </a:lnTo>
+                    <a:cubicBezTo>
+                      <a:pt x="51834" y="181237"/>
+                      <a:pt x="53204" y="182607"/>
+                      <a:pt x="54900" y="182607"/>
+                    </a:cubicBezTo>
+                    <a:cubicBezTo>
+                      <a:pt x="56564" y="182607"/>
+                      <a:pt x="57934" y="181237"/>
+                      <a:pt x="57934" y="179540"/>
+                    </a:cubicBezTo>
+                    <a:lnTo>
+                      <a:pt x="57934" y="128947"/>
+                    </a:lnTo>
+                    <a:lnTo>
+                      <a:pt x="63773" y="133938"/>
+                    </a:lnTo>
+                    <a:cubicBezTo>
+                      <a:pt x="64849" y="134851"/>
+                      <a:pt x="66219" y="135340"/>
+                      <a:pt x="67622" y="135340"/>
+                    </a:cubicBezTo>
+                    <a:cubicBezTo>
+                      <a:pt x="67915" y="135340"/>
+                      <a:pt x="68209" y="135340"/>
+                      <a:pt x="68535" y="135275"/>
+                    </a:cubicBezTo>
+                    <a:cubicBezTo>
+                      <a:pt x="70231" y="135014"/>
+                      <a:pt x="71732" y="134003"/>
+                      <a:pt x="72645" y="132535"/>
+                    </a:cubicBezTo>
+                    <a:lnTo>
+                      <a:pt x="81844" y="117595"/>
+                    </a:lnTo>
+                    <a:lnTo>
+                      <a:pt x="94859" y="123304"/>
+                    </a:lnTo>
+                    <a:cubicBezTo>
+                      <a:pt x="95675" y="123662"/>
+                      <a:pt x="96458" y="124087"/>
+                      <a:pt x="97175" y="124608"/>
+                    </a:cubicBezTo>
+                    <a:lnTo>
+                      <a:pt x="88662" y="134818"/>
+                    </a:lnTo>
+                    <a:cubicBezTo>
+                      <a:pt x="85204" y="138961"/>
+                      <a:pt x="83312" y="144213"/>
+                      <a:pt x="83312" y="149595"/>
+                    </a:cubicBezTo>
+                    <a:lnTo>
+                      <a:pt x="83312" y="179540"/>
+                    </a:lnTo>
+                    <a:cubicBezTo>
+                      <a:pt x="83312" y="181237"/>
+                      <a:pt x="84682" y="182607"/>
+                      <a:pt x="86346" y="182607"/>
+                    </a:cubicBezTo>
+                    <a:cubicBezTo>
+                      <a:pt x="88042" y="182607"/>
+                      <a:pt x="89412" y="181237"/>
+                      <a:pt x="89412" y="179540"/>
+                    </a:cubicBezTo>
+                    <a:lnTo>
+                      <a:pt x="89412" y="149595"/>
+                    </a:lnTo>
+                    <a:cubicBezTo>
+                      <a:pt x="89412" y="145648"/>
+                      <a:pt x="90815" y="141799"/>
+                      <a:pt x="93359" y="138733"/>
+                    </a:cubicBezTo>
+                    <a:lnTo>
+                      <a:pt x="101383" y="129110"/>
+                    </a:lnTo>
+                    <a:cubicBezTo>
+                      <a:pt x="102721" y="131393"/>
+                      <a:pt x="103438" y="134068"/>
+                      <a:pt x="103308" y="136808"/>
+                    </a:cubicBezTo>
+                    <a:lnTo>
+                      <a:pt x="101514" y="179410"/>
+                    </a:lnTo>
+                    <a:cubicBezTo>
+                      <a:pt x="101449" y="181106"/>
+                      <a:pt x="102753" y="182541"/>
+                      <a:pt x="104450" y="182607"/>
+                    </a:cubicBezTo>
+                    <a:lnTo>
+                      <a:pt x="104580" y="182607"/>
+                    </a:lnTo>
+                    <a:cubicBezTo>
+                      <a:pt x="106178" y="182607"/>
+                      <a:pt x="107548" y="181334"/>
+                      <a:pt x="107614" y="179671"/>
+                    </a:cubicBezTo>
+                    <a:lnTo>
+                      <a:pt x="109440" y="137069"/>
+                    </a:lnTo>
+                    <a:cubicBezTo>
+                      <a:pt x="109767" y="128784"/>
+                      <a:pt x="104906" y="120988"/>
+                      <a:pt x="97306" y="117693"/>
+                    </a:cubicBezTo>
+                    <a:lnTo>
+                      <a:pt x="82366" y="111169"/>
+                    </a:lnTo>
+                    <a:lnTo>
+                      <a:pt x="74211" y="103014"/>
+                    </a:lnTo>
+                    <a:cubicBezTo>
+                      <a:pt x="73656" y="102460"/>
+                      <a:pt x="72971" y="102166"/>
+                      <a:pt x="72254" y="102133"/>
+                    </a:cubicBezTo>
+                    <a:lnTo>
+                      <a:pt x="72254" y="97306"/>
+                    </a:lnTo>
+                    <a:cubicBezTo>
+                      <a:pt x="79234" y="92706"/>
+                      <a:pt x="84323" y="85432"/>
+                      <a:pt x="85954" y="76755"/>
+                    </a:cubicBezTo>
+                    <a:cubicBezTo>
+                      <a:pt x="86059" y="76759"/>
+                      <a:pt x="86165" y="76761"/>
+                      <a:pt x="86270" y="76761"/>
+                    </a:cubicBezTo>
+                    <a:cubicBezTo>
+                      <a:pt x="86980" y="76761"/>
+                      <a:pt x="87686" y="76669"/>
+                      <a:pt x="88368" y="76527"/>
+                    </a:cubicBezTo>
+                    <a:cubicBezTo>
+                      <a:pt x="92282" y="75581"/>
+                      <a:pt x="95120" y="71830"/>
+                      <a:pt x="95120" y="67589"/>
+                    </a:cubicBezTo>
+                    <a:lnTo>
+                      <a:pt x="95120" y="65371"/>
+                    </a:lnTo>
+                    <a:cubicBezTo>
+                      <a:pt x="95120" y="62272"/>
+                      <a:pt x="93587" y="59467"/>
+                      <a:pt x="91206" y="57836"/>
+                    </a:cubicBezTo>
+                    <a:cubicBezTo>
+                      <a:pt x="91924" y="55063"/>
+                      <a:pt x="92282" y="52225"/>
+                      <a:pt x="92282" y="49387"/>
+                    </a:cubicBezTo>
+                    <a:cubicBezTo>
+                      <a:pt x="92282" y="36698"/>
+                      <a:pt x="85432" y="25542"/>
+                      <a:pt x="75092" y="19148"/>
+                    </a:cubicBezTo>
+                    <a:cubicBezTo>
+                      <a:pt x="74994" y="8580"/>
+                      <a:pt x="65958" y="1"/>
+                      <a:pt x="54867" y="1"/>
+                    </a:cubicBezTo>
+                    <a:close/>
+                  </a:path>
+                </a:pathLst>
+              </a:custGeom>
+              <a:solidFill>
+                <a:schemeClr val="tx1"/>
+              </a:solidFill>
+              <a:ln>
+                <a:noFill/>
+              </a:ln>
+            </p:spPr>
+            <p:txBody>
+              <a:bodyPr spcFirstLastPara="1" wrap="square" lIns="91425" tIns="91425" rIns="91425" bIns="91425" anchor="ctr" anchorCtr="0">
+                <a:noAutofit/>
+              </a:bodyPr>
+              <a:lstStyle/>
+              <a:p>
+                <a:pPr marL="0" lvl="0" indent="0" algn="l" rtl="0">
+                  <a:spcBef>
+                    <a:spcPts val="0"/>
+                  </a:spcBef>
+                  <a:spcAft>
+                    <a:spcPts val="0"/>
+                  </a:spcAft>
+                  <a:buNone/>
+                </a:pPr>
+                <a:endParaRPr/>
+              </a:p>
+            </p:txBody>
+          </p:sp>
+          <p:sp>
+            <p:nvSpPr>
+              <p:cNvPr id="15" name="Google Shape;424;p67">
+                <a:extLst>
+                  <a:ext uri="{FF2B5EF4-FFF2-40B4-BE49-F238E27FC236}">
+                    <a16:creationId xmlns:a16="http://schemas.microsoft.com/office/drawing/2014/main" id="{13F87287-9E0A-6AC4-6207-740A7C23FAB9}"/>
+                  </a:ext>
+                </a:extLst>
+              </p:cNvPr>
+              <p:cNvSpPr/>
+              <p:nvPr/>
+            </p:nvSpPr>
+            <p:spPr>
+              <a:xfrm>
+                <a:off x="1977575" y="4262600"/>
+                <a:ext cx="367000" cy="152500"/>
+              </a:xfrm>
+              <a:custGeom>
+                <a:avLst/>
+                <a:gdLst/>
+                <a:ahLst/>
+                <a:cxnLst/>
+                <a:rect l="l" t="t" r="r" b="b"/>
+                <a:pathLst>
+                  <a:path w="14680" h="6100" extrusionOk="0">
+                    <a:moveTo>
+                      <a:pt x="3066" y="0"/>
+                    </a:moveTo>
+                    <a:cubicBezTo>
+                      <a:pt x="1370" y="0"/>
+                      <a:pt x="0" y="1370"/>
+                      <a:pt x="0" y="3034"/>
+                    </a:cubicBezTo>
+                    <a:cubicBezTo>
+                      <a:pt x="0" y="4730"/>
+                      <a:pt x="1370" y="6100"/>
+                      <a:pt x="3066" y="6100"/>
+                    </a:cubicBezTo>
+                    <a:lnTo>
+                      <a:pt x="11645" y="6100"/>
+                    </a:lnTo>
+                    <a:cubicBezTo>
+                      <a:pt x="13309" y="6100"/>
+                      <a:pt x="14679" y="4730"/>
+                      <a:pt x="14679" y="3034"/>
+                    </a:cubicBezTo>
+                    <a:cubicBezTo>
+                      <a:pt x="14679" y="1370"/>
+                      <a:pt x="13309" y="0"/>
+                      <a:pt x="11645" y="0"/>
+                    </a:cubicBezTo>
+                    <a:close/>
+                  </a:path>
+                </a:pathLst>
+              </a:custGeom>
+              <a:solidFill>
+                <a:schemeClr val="dk2"/>
+              </a:solidFill>
+              <a:ln>
+                <a:noFill/>
+              </a:ln>
+            </p:spPr>
+            <p:txBody>
+              <a:bodyPr spcFirstLastPara="1" wrap="square" lIns="91425" tIns="91425" rIns="91425" bIns="91425" anchor="ctr" anchorCtr="0">
+                <a:noAutofit/>
+              </a:bodyPr>
+              <a:lstStyle/>
+              <a:p>
+                <a:pPr marL="0" lvl="0" indent="0" algn="l" rtl="0">
+                  <a:spcBef>
+                    <a:spcPts val="0"/>
+                  </a:spcBef>
+                  <a:spcAft>
+                    <a:spcPts val="0"/>
+                  </a:spcAft>
+                  <a:buNone/>
+                </a:pPr>
+                <a:endParaRPr/>
+              </a:p>
+            </p:txBody>
+          </p:sp>
+        </p:grpSp>
+        <p:grpSp>
+          <p:nvGrpSpPr>
+            <p:cNvPr id="16" name="Google Shape;425;p67">
+              <a:extLst>
+                <a:ext uri="{FF2B5EF4-FFF2-40B4-BE49-F238E27FC236}">
+                  <a16:creationId xmlns:a16="http://schemas.microsoft.com/office/drawing/2014/main" id="{F1C3F03E-0309-BB1E-05DF-948C366A72DF}"/>
+                </a:ext>
+              </a:extLst>
+            </p:cNvPr>
+            <p:cNvGrpSpPr/>
+            <p:nvPr/>
+          </p:nvGrpSpPr>
+          <p:grpSpPr>
+            <a:xfrm>
+              <a:off x="6079513" y="2258388"/>
+              <a:ext cx="576674" cy="614300"/>
+              <a:chOff x="1346375" y="238125"/>
+              <a:chExt cx="4899525" cy="5219200"/>
+            </a:xfrm>
+          </p:grpSpPr>
+          <p:sp>
+            <p:nvSpPr>
+              <p:cNvPr id="17" name="Google Shape;426;p67">
+                <a:extLst>
+                  <a:ext uri="{FF2B5EF4-FFF2-40B4-BE49-F238E27FC236}">
+                    <a16:creationId xmlns:a16="http://schemas.microsoft.com/office/drawing/2014/main" id="{2F7B7AA6-727B-F69A-7D5D-07B94F122799}"/>
+                  </a:ext>
+                </a:extLst>
+              </p:cNvPr>
+              <p:cNvSpPr/>
+              <p:nvPr/>
+            </p:nvSpPr>
+            <p:spPr>
+              <a:xfrm>
+                <a:off x="2181450" y="4177775"/>
+                <a:ext cx="453425" cy="152525"/>
+              </a:xfrm>
+              <a:custGeom>
+                <a:avLst/>
+                <a:gdLst/>
+                <a:ahLst/>
+                <a:cxnLst/>
+                <a:rect l="l" t="t" r="r" b="b"/>
+                <a:pathLst>
+                  <a:path w="18137" h="6101" extrusionOk="0">
+                    <a:moveTo>
+                      <a:pt x="3034" y="1"/>
+                    </a:moveTo>
+                    <a:cubicBezTo>
+                      <a:pt x="1370" y="1"/>
+                      <a:pt x="0" y="1371"/>
+                      <a:pt x="0" y="3034"/>
+                    </a:cubicBezTo>
+                    <a:cubicBezTo>
+                      <a:pt x="0" y="4730"/>
+                      <a:pt x="1370" y="6100"/>
+                      <a:pt x="3034" y="6100"/>
+                    </a:cubicBezTo>
+                    <a:lnTo>
+                      <a:pt x="15071" y="6100"/>
+                    </a:lnTo>
+                    <a:cubicBezTo>
+                      <a:pt x="16767" y="6100"/>
+                      <a:pt x="18137" y="4730"/>
+                      <a:pt x="18137" y="3034"/>
+                    </a:cubicBezTo>
+                    <a:cubicBezTo>
+                      <a:pt x="18137" y="1371"/>
+                      <a:pt x="16767" y="1"/>
+                      <a:pt x="15071" y="1"/>
+                    </a:cubicBezTo>
+                    <a:close/>
+                  </a:path>
+                </a:pathLst>
+              </a:custGeom>
+              <a:solidFill>
+                <a:schemeClr val="dk2"/>
+              </a:solidFill>
+              <a:ln>
+                <a:noFill/>
+              </a:ln>
+            </p:spPr>
+            <p:txBody>
+              <a:bodyPr spcFirstLastPara="1" wrap="square" lIns="91425" tIns="91425" rIns="91425" bIns="91425" anchor="ctr" anchorCtr="0">
+                <a:noAutofit/>
+              </a:bodyPr>
+              <a:lstStyle/>
+              <a:p>
+                <a:pPr marL="0" lvl="0" indent="0" algn="l" rtl="0">
+                  <a:spcBef>
+                    <a:spcPts val="0"/>
+                  </a:spcBef>
+                  <a:spcAft>
+                    <a:spcPts val="0"/>
+                  </a:spcAft>
+                  <a:buNone/>
+                </a:pPr>
+                <a:endParaRPr/>
+              </a:p>
+            </p:txBody>
+          </p:sp>
+          <p:sp>
+            <p:nvSpPr>
+              <p:cNvPr id="18" name="Google Shape;427;p67">
+                <a:extLst>
+                  <a:ext uri="{FF2B5EF4-FFF2-40B4-BE49-F238E27FC236}">
+                    <a16:creationId xmlns:a16="http://schemas.microsoft.com/office/drawing/2014/main" id="{57DE3E56-413A-F24D-BDD0-8540D34E03D3}"/>
+                  </a:ext>
+                </a:extLst>
+              </p:cNvPr>
+              <p:cNvSpPr/>
+              <p:nvPr/>
+            </p:nvSpPr>
+            <p:spPr>
+              <a:xfrm>
+                <a:off x="1346375" y="646650"/>
+                <a:ext cx="3324800" cy="4810675"/>
+              </a:xfrm>
+              <a:custGeom>
+                <a:avLst/>
+                <a:gdLst/>
+                <a:ahLst/>
+                <a:cxnLst/>
+                <a:rect l="l" t="t" r="r" b="b"/>
+                <a:pathLst>
+                  <a:path w="132992" h="192427" extrusionOk="0">
+                    <a:moveTo>
+                      <a:pt x="69836" y="6115"/>
+                    </a:moveTo>
+                    <a:cubicBezTo>
+                      <a:pt x="80734" y="6115"/>
+                      <a:pt x="89188" y="9251"/>
+                      <a:pt x="94402" y="15300"/>
+                    </a:cubicBezTo>
+                    <a:cubicBezTo>
+                      <a:pt x="100209" y="22020"/>
+                      <a:pt x="102133" y="32295"/>
+                      <a:pt x="100013" y="45180"/>
+                    </a:cubicBezTo>
+                    <a:cubicBezTo>
+                      <a:pt x="99859" y="45175"/>
+                      <a:pt x="99704" y="45172"/>
+                      <a:pt x="99547" y="45172"/>
+                    </a:cubicBezTo>
+                    <a:cubicBezTo>
+                      <a:pt x="98739" y="45172"/>
+                      <a:pt x="97892" y="45244"/>
+                      <a:pt x="97044" y="45408"/>
+                    </a:cubicBezTo>
+                    <a:lnTo>
+                      <a:pt x="93978" y="38036"/>
+                    </a:lnTo>
+                    <a:cubicBezTo>
+                      <a:pt x="93489" y="36869"/>
+                      <a:pt x="92345" y="36153"/>
+                      <a:pt x="91129" y="36153"/>
+                    </a:cubicBezTo>
+                    <a:cubicBezTo>
+                      <a:pt x="90884" y="36153"/>
+                      <a:pt x="90636" y="36182"/>
+                      <a:pt x="90390" y="36242"/>
+                    </a:cubicBezTo>
+                    <a:cubicBezTo>
+                      <a:pt x="90245" y="36291"/>
+                      <a:pt x="82913" y="38163"/>
+                      <a:pt x="74018" y="38163"/>
+                    </a:cubicBezTo>
+                    <a:cubicBezTo>
+                      <a:pt x="64914" y="38163"/>
+                      <a:pt x="54173" y="36202"/>
+                      <a:pt x="47821" y="28316"/>
+                    </a:cubicBezTo>
+                    <a:cubicBezTo>
+                      <a:pt x="47225" y="27570"/>
+                      <a:pt x="46341" y="27176"/>
+                      <a:pt x="45449" y="27176"/>
+                    </a:cubicBezTo>
+                    <a:cubicBezTo>
+                      <a:pt x="44780" y="27176"/>
+                      <a:pt x="44107" y="27398"/>
+                      <a:pt x="43548" y="27859"/>
+                    </a:cubicBezTo>
+                    <a:cubicBezTo>
+                      <a:pt x="42211" y="28903"/>
+                      <a:pt x="42015" y="30827"/>
+                      <a:pt x="43059" y="32132"/>
+                    </a:cubicBezTo>
+                    <a:cubicBezTo>
+                      <a:pt x="50920" y="41928"/>
+                      <a:pt x="63589" y="44314"/>
+                      <a:pt x="74062" y="44314"/>
+                    </a:cubicBezTo>
+                    <a:cubicBezTo>
+                      <a:pt x="80537" y="44314"/>
+                      <a:pt x="86173" y="43402"/>
+                      <a:pt x="89314" y="42766"/>
+                    </a:cubicBezTo>
+                    <a:lnTo>
+                      <a:pt x="91695" y="48475"/>
+                    </a:lnTo>
+                    <a:cubicBezTo>
+                      <a:pt x="92513" y="50439"/>
+                      <a:pt x="94405" y="51651"/>
+                      <a:pt x="96433" y="51651"/>
+                    </a:cubicBezTo>
+                    <a:cubicBezTo>
+                      <a:pt x="96830" y="51651"/>
+                      <a:pt x="97232" y="51604"/>
+                      <a:pt x="97632" y="51508"/>
+                    </a:cubicBezTo>
+                    <a:cubicBezTo>
+                      <a:pt x="98272" y="51359"/>
+                      <a:pt x="98941" y="51293"/>
+                      <a:pt x="99455" y="51293"/>
+                    </a:cubicBezTo>
+                    <a:cubicBezTo>
+                      <a:pt x="99725" y="51293"/>
+                      <a:pt x="99953" y="51311"/>
+                      <a:pt x="100111" y="51345"/>
+                    </a:cubicBezTo>
+                    <a:cubicBezTo>
+                      <a:pt x="101481" y="51606"/>
+                      <a:pt x="102492" y="52976"/>
+                      <a:pt x="102492" y="54509"/>
+                    </a:cubicBezTo>
+                    <a:lnTo>
+                      <a:pt x="102492" y="56858"/>
+                    </a:lnTo>
+                    <a:cubicBezTo>
+                      <a:pt x="102492" y="58456"/>
+                      <a:pt x="101481" y="59859"/>
+                      <a:pt x="100143" y="60120"/>
+                    </a:cubicBezTo>
+                    <a:cubicBezTo>
+                      <a:pt x="99952" y="60168"/>
+                      <a:pt x="99761" y="60198"/>
+                      <a:pt x="99570" y="60198"/>
+                    </a:cubicBezTo>
+                    <a:cubicBezTo>
+                      <a:pt x="99500" y="60198"/>
+                      <a:pt x="99430" y="60194"/>
+                      <a:pt x="99361" y="60185"/>
+                    </a:cubicBezTo>
+                    <a:cubicBezTo>
+                      <a:pt x="99216" y="60174"/>
+                      <a:pt x="99073" y="60169"/>
+                      <a:pt x="98930" y="60169"/>
+                    </a:cubicBezTo>
+                    <a:cubicBezTo>
+                      <a:pt x="96095" y="60169"/>
+                      <a:pt x="93528" y="62288"/>
+                      <a:pt x="93000" y="65176"/>
+                    </a:cubicBezTo>
+                    <a:cubicBezTo>
+                      <a:pt x="90651" y="77963"/>
+                      <a:pt x="79495" y="87227"/>
+                      <a:pt x="66512" y="87227"/>
+                    </a:cubicBezTo>
+                    <a:cubicBezTo>
+                      <a:pt x="53497" y="87227"/>
+                      <a:pt x="42341" y="77963"/>
+                      <a:pt x="39992" y="65176"/>
+                    </a:cubicBezTo>
+                    <a:cubicBezTo>
+                      <a:pt x="39464" y="62288"/>
+                      <a:pt x="36897" y="60169"/>
+                      <a:pt x="34062" y="60169"/>
+                    </a:cubicBezTo>
+                    <a:cubicBezTo>
+                      <a:pt x="33919" y="60169"/>
+                      <a:pt x="33776" y="60174"/>
+                      <a:pt x="33631" y="60185"/>
+                    </a:cubicBezTo>
+                    <a:cubicBezTo>
+                      <a:pt x="33562" y="60194"/>
+                      <a:pt x="33492" y="60198"/>
+                      <a:pt x="33422" y="60198"/>
+                    </a:cubicBezTo>
+                    <a:cubicBezTo>
+                      <a:pt x="33231" y="60198"/>
+                      <a:pt x="33040" y="60168"/>
+                      <a:pt x="32849" y="60120"/>
+                    </a:cubicBezTo>
+                    <a:cubicBezTo>
+                      <a:pt x="31511" y="59859"/>
+                      <a:pt x="30500" y="58456"/>
+                      <a:pt x="30500" y="56858"/>
+                    </a:cubicBezTo>
+                    <a:lnTo>
+                      <a:pt x="30500" y="54542"/>
+                    </a:lnTo>
+                    <a:cubicBezTo>
+                      <a:pt x="30500" y="52976"/>
+                      <a:pt x="31544" y="51574"/>
+                      <a:pt x="32881" y="51345"/>
+                    </a:cubicBezTo>
+                    <a:cubicBezTo>
+                      <a:pt x="33073" y="51312"/>
+                      <a:pt x="33264" y="51296"/>
+                      <a:pt x="33450" y="51296"/>
+                    </a:cubicBezTo>
+                    <a:cubicBezTo>
+                      <a:pt x="34374" y="51296"/>
+                      <a:pt x="35215" y="51695"/>
+                      <a:pt x="35784" y="52454"/>
+                    </a:cubicBezTo>
+                    <a:cubicBezTo>
+                      <a:pt x="36339" y="53205"/>
+                      <a:pt x="37122" y="53726"/>
+                      <a:pt x="37970" y="53987"/>
+                    </a:cubicBezTo>
+                    <a:cubicBezTo>
+                      <a:pt x="38379" y="54113"/>
+                      <a:pt x="38801" y="54175"/>
+                      <a:pt x="39221" y="54175"/>
+                    </a:cubicBezTo>
+                    <a:cubicBezTo>
+                      <a:pt x="40110" y="54175"/>
+                      <a:pt x="40991" y="53899"/>
+                      <a:pt x="41721" y="53368"/>
+                    </a:cubicBezTo>
+                    <a:cubicBezTo>
+                      <a:pt x="44200" y="51639"/>
+                      <a:pt x="46321" y="49388"/>
+                      <a:pt x="47984" y="46778"/>
+                    </a:cubicBezTo>
+                    <a:cubicBezTo>
+                      <a:pt x="48898" y="45343"/>
+                      <a:pt x="48474" y="43451"/>
+                      <a:pt x="47038" y="42538"/>
+                    </a:cubicBezTo>
+                    <a:cubicBezTo>
+                      <a:pt x="46531" y="42227"/>
+                      <a:pt x="45968" y="42079"/>
+                      <a:pt x="45412" y="42079"/>
+                    </a:cubicBezTo>
+                    <a:cubicBezTo>
+                      <a:pt x="44393" y="42079"/>
+                      <a:pt x="43400" y="42576"/>
+                      <a:pt x="42830" y="43484"/>
+                    </a:cubicBezTo>
+                    <a:cubicBezTo>
+                      <a:pt x="41884" y="44984"/>
+                      <a:pt x="40743" y="46322"/>
+                      <a:pt x="39438" y="47431"/>
+                    </a:cubicBezTo>
+                    <a:cubicBezTo>
+                      <a:pt x="38394" y="46517"/>
+                      <a:pt x="37154" y="45865"/>
+                      <a:pt x="35850" y="45506"/>
+                    </a:cubicBezTo>
+                    <a:cubicBezTo>
+                      <a:pt x="35002" y="42407"/>
+                      <a:pt x="33501" y="35525"/>
+                      <a:pt x="33501" y="27207"/>
+                    </a:cubicBezTo>
+                    <a:cubicBezTo>
+                      <a:pt x="33501" y="22216"/>
+                      <a:pt x="35034" y="18725"/>
+                      <a:pt x="38068" y="16768"/>
+                    </a:cubicBezTo>
+                    <a:cubicBezTo>
+                      <a:pt x="40449" y="15300"/>
+                      <a:pt x="42961" y="15235"/>
+                      <a:pt x="42961" y="15235"/>
+                    </a:cubicBezTo>
+                    <a:cubicBezTo>
+                      <a:pt x="43744" y="15235"/>
+                      <a:pt x="44494" y="14909"/>
+                      <a:pt x="45081" y="14387"/>
+                    </a:cubicBezTo>
+                    <a:cubicBezTo>
+                      <a:pt x="45146" y="14289"/>
+                      <a:pt x="52942" y="6950"/>
+                      <a:pt x="66675" y="6199"/>
+                    </a:cubicBezTo>
+                    <a:cubicBezTo>
+                      <a:pt x="67750" y="6143"/>
+                      <a:pt x="68804" y="6115"/>
+                      <a:pt x="69836" y="6115"/>
+                    </a:cubicBezTo>
+                    <a:close/>
+                    <a:moveTo>
+                      <a:pt x="84486" y="88043"/>
+                    </a:moveTo>
+                    <a:lnTo>
+                      <a:pt x="84486" y="94534"/>
+                    </a:lnTo>
+                    <a:lnTo>
+                      <a:pt x="66512" y="110289"/>
+                    </a:lnTo>
+                    <a:lnTo>
+                      <a:pt x="48506" y="94534"/>
+                    </a:lnTo>
+                    <a:lnTo>
+                      <a:pt x="48506" y="88043"/>
+                    </a:lnTo>
+                    <a:cubicBezTo>
+                      <a:pt x="53725" y="91402"/>
+                      <a:pt x="59923" y="93360"/>
+                      <a:pt x="66512" y="93360"/>
+                    </a:cubicBezTo>
+                    <a:cubicBezTo>
+                      <a:pt x="73069" y="93360"/>
+                      <a:pt x="79267" y="91402"/>
+                      <a:pt x="84486" y="88043"/>
+                    </a:cubicBezTo>
+                    <a:close/>
+                    <a:moveTo>
+                      <a:pt x="42602" y="97502"/>
+                    </a:moveTo>
+                    <a:lnTo>
+                      <a:pt x="62011" y="114497"/>
+                    </a:lnTo>
+                    <a:lnTo>
+                      <a:pt x="54508" y="122032"/>
+                    </a:lnTo>
+                    <a:cubicBezTo>
+                      <a:pt x="53915" y="122596"/>
+                      <a:pt x="53161" y="122890"/>
+                      <a:pt x="52367" y="122890"/>
+                    </a:cubicBezTo>
+                    <a:cubicBezTo>
+                      <a:pt x="52287" y="122890"/>
+                      <a:pt x="52207" y="122887"/>
+                      <a:pt x="52127" y="122881"/>
+                    </a:cubicBezTo>
+                    <a:cubicBezTo>
+                      <a:pt x="51246" y="122783"/>
+                      <a:pt x="50431" y="122293"/>
+                      <a:pt x="49941" y="121576"/>
+                    </a:cubicBezTo>
+                    <a:lnTo>
+                      <a:pt x="37383" y="102722"/>
+                    </a:lnTo>
+                    <a:lnTo>
+                      <a:pt x="42602" y="97502"/>
+                    </a:lnTo>
+                    <a:close/>
+                    <a:moveTo>
+                      <a:pt x="90390" y="97502"/>
+                    </a:moveTo>
+                    <a:lnTo>
+                      <a:pt x="95609" y="102722"/>
+                    </a:lnTo>
+                    <a:lnTo>
+                      <a:pt x="83051" y="121576"/>
+                    </a:lnTo>
+                    <a:cubicBezTo>
+                      <a:pt x="82561" y="122293"/>
+                      <a:pt x="81746" y="122783"/>
+                      <a:pt x="80865" y="122881"/>
+                    </a:cubicBezTo>
+                    <a:cubicBezTo>
+                      <a:pt x="80785" y="122887"/>
+                      <a:pt x="80705" y="122890"/>
+                      <a:pt x="80625" y="122890"/>
+                    </a:cubicBezTo>
+                    <a:cubicBezTo>
+                      <a:pt x="79831" y="122890"/>
+                      <a:pt x="79077" y="122596"/>
+                      <a:pt x="78484" y="122032"/>
+                    </a:cubicBezTo>
+                    <a:lnTo>
+                      <a:pt x="70981" y="114497"/>
+                    </a:lnTo>
+                    <a:lnTo>
+                      <a:pt x="90390" y="97502"/>
+                    </a:lnTo>
+                    <a:close/>
+                    <a:moveTo>
+                      <a:pt x="66512" y="118673"/>
+                    </a:moveTo>
+                    <a:lnTo>
+                      <a:pt x="69513" y="121674"/>
+                    </a:lnTo>
+                    <a:lnTo>
+                      <a:pt x="69709" y="126306"/>
+                    </a:lnTo>
+                    <a:lnTo>
+                      <a:pt x="63283" y="126306"/>
+                    </a:lnTo>
+                    <a:lnTo>
+                      <a:pt x="63479" y="121674"/>
+                    </a:lnTo>
+                    <a:lnTo>
+                      <a:pt x="66512" y="118673"/>
+                    </a:lnTo>
+                    <a:close/>
+                    <a:moveTo>
+                      <a:pt x="69887" y="1"/>
+                    </a:moveTo>
+                    <a:cubicBezTo>
+                      <a:pt x="68719" y="1"/>
+                      <a:pt x="67529" y="33"/>
+                      <a:pt x="66317" y="99"/>
+                    </a:cubicBezTo>
+                    <a:cubicBezTo>
+                      <a:pt x="52942" y="817"/>
+                      <a:pt x="44331" y="7015"/>
+                      <a:pt x="41689" y="9233"/>
+                    </a:cubicBezTo>
+                    <a:cubicBezTo>
+                      <a:pt x="37970" y="9690"/>
+                      <a:pt x="27368" y="12364"/>
+                      <a:pt x="27368" y="27207"/>
+                    </a:cubicBezTo>
+                    <a:cubicBezTo>
+                      <a:pt x="27368" y="35394"/>
+                      <a:pt x="28706" y="42212"/>
+                      <a:pt x="29652" y="45996"/>
+                    </a:cubicBezTo>
+                    <a:cubicBezTo>
+                      <a:pt x="26488" y="47463"/>
+                      <a:pt x="24367" y="50758"/>
+                      <a:pt x="24367" y="54542"/>
+                    </a:cubicBezTo>
+                    <a:lnTo>
+                      <a:pt x="24367" y="56858"/>
+                    </a:lnTo>
+                    <a:cubicBezTo>
+                      <a:pt x="24367" y="61360"/>
+                      <a:pt x="27434" y="65274"/>
+                      <a:pt x="31642" y="66122"/>
+                    </a:cubicBezTo>
+                    <a:cubicBezTo>
+                      <a:pt x="32198" y="66243"/>
+                      <a:pt x="32772" y="66310"/>
+                      <a:pt x="33351" y="66310"/>
+                    </a:cubicBezTo>
+                    <a:cubicBezTo>
+                      <a:pt x="33553" y="66310"/>
+                      <a:pt x="33755" y="66302"/>
+                      <a:pt x="33958" y="66285"/>
+                    </a:cubicBezTo>
+                    <a:cubicBezTo>
+                      <a:pt x="33958" y="66285"/>
+                      <a:pt x="33958" y="66318"/>
+                      <a:pt x="33990" y="66318"/>
+                    </a:cubicBezTo>
+                    <a:cubicBezTo>
+                      <a:pt x="35165" y="72744"/>
+                      <a:pt x="38166" y="78452"/>
+                      <a:pt x="42406" y="82954"/>
+                    </a:cubicBezTo>
+                    <a:lnTo>
+                      <a:pt x="42406" y="90261"/>
+                    </a:lnTo>
+                    <a:cubicBezTo>
+                      <a:pt x="41623" y="90261"/>
+                      <a:pt x="40873" y="90554"/>
+                      <a:pt x="40286" y="91141"/>
+                    </a:cubicBezTo>
+                    <a:lnTo>
+                      <a:pt x="31348" y="100079"/>
+                    </a:lnTo>
+                    <a:lnTo>
+                      <a:pt x="13831" y="106832"/>
+                    </a:lnTo>
+                    <a:cubicBezTo>
+                      <a:pt x="5415" y="110094"/>
+                      <a:pt x="0" y="118346"/>
+                      <a:pt x="359" y="127350"/>
+                    </a:cubicBezTo>
+                    <a:lnTo>
+                      <a:pt x="2838" y="189490"/>
+                    </a:lnTo>
+                    <a:cubicBezTo>
+                      <a:pt x="2904" y="191121"/>
+                      <a:pt x="4274" y="192426"/>
+                      <a:pt x="5905" y="192426"/>
+                    </a:cubicBezTo>
+                    <a:lnTo>
+                      <a:pt x="6002" y="192426"/>
+                    </a:lnTo>
+                    <a:cubicBezTo>
+                      <a:pt x="7699" y="192361"/>
+                      <a:pt x="9003" y="190926"/>
+                      <a:pt x="8938" y="189262"/>
+                    </a:cubicBezTo>
+                    <a:lnTo>
+                      <a:pt x="6459" y="127121"/>
+                    </a:lnTo>
+                    <a:cubicBezTo>
+                      <a:pt x="6394" y="125458"/>
+                      <a:pt x="6590" y="123859"/>
+                      <a:pt x="7046" y="122326"/>
+                    </a:cubicBezTo>
+                    <a:lnTo>
+                      <a:pt x="16995" y="132242"/>
+                    </a:lnTo>
+                    <a:cubicBezTo>
+                      <a:pt x="19801" y="135080"/>
+                      <a:pt x="21366" y="138832"/>
+                      <a:pt x="21366" y="142844"/>
+                    </a:cubicBezTo>
+                    <a:lnTo>
+                      <a:pt x="21366" y="189360"/>
+                    </a:lnTo>
+                    <a:cubicBezTo>
+                      <a:pt x="21366" y="191056"/>
+                      <a:pt x="22736" y="192426"/>
+                      <a:pt x="24433" y="192426"/>
+                    </a:cubicBezTo>
+                    <a:cubicBezTo>
+                      <a:pt x="26129" y="192426"/>
+                      <a:pt x="27499" y="191056"/>
+                      <a:pt x="27499" y="189360"/>
+                    </a:cubicBezTo>
+                    <a:lnTo>
+                      <a:pt x="27499" y="142844"/>
+                    </a:lnTo>
+                    <a:cubicBezTo>
+                      <a:pt x="27499" y="137201"/>
+                      <a:pt x="25281" y="131916"/>
+                      <a:pt x="21301" y="127937"/>
+                    </a:cubicBezTo>
+                    <a:lnTo>
+                      <a:pt x="10113" y="116715"/>
+                    </a:lnTo>
+                    <a:cubicBezTo>
+                      <a:pt x="11678" y="114889"/>
+                      <a:pt x="13701" y="113453"/>
+                      <a:pt x="16049" y="112540"/>
+                    </a:cubicBezTo>
+                    <a:lnTo>
+                      <a:pt x="32392" y="106244"/>
+                    </a:lnTo>
+                    <a:lnTo>
+                      <a:pt x="44853" y="124968"/>
+                    </a:lnTo>
+                    <a:cubicBezTo>
+                      <a:pt x="46386" y="127219"/>
+                      <a:pt x="48800" y="128687"/>
+                      <a:pt x="51507" y="128948"/>
+                    </a:cubicBezTo>
+                    <a:cubicBezTo>
+                      <a:pt x="51801" y="128980"/>
+                      <a:pt x="52127" y="129013"/>
+                      <a:pt x="52421" y="129013"/>
+                    </a:cubicBezTo>
+                    <a:cubicBezTo>
+                      <a:pt x="54084" y="129013"/>
+                      <a:pt x="55683" y="128524"/>
+                      <a:pt x="57118" y="127676"/>
+                    </a:cubicBezTo>
+                    <a:lnTo>
+                      <a:pt x="57118" y="127676"/>
+                    </a:lnTo>
+                    <a:lnTo>
+                      <a:pt x="54410" y="189229"/>
+                    </a:lnTo>
+                    <a:cubicBezTo>
+                      <a:pt x="54345" y="190926"/>
+                      <a:pt x="55650" y="192361"/>
+                      <a:pt x="57346" y="192426"/>
+                    </a:cubicBezTo>
+                    <a:lnTo>
+                      <a:pt x="57477" y="192426"/>
+                    </a:lnTo>
+                    <a:cubicBezTo>
+                      <a:pt x="59108" y="192426"/>
+                      <a:pt x="60478" y="191154"/>
+                      <a:pt x="60543" y="189490"/>
+                    </a:cubicBezTo>
+                    <a:lnTo>
+                      <a:pt x="63022" y="132406"/>
+                    </a:lnTo>
+                    <a:lnTo>
+                      <a:pt x="69970" y="132406"/>
+                    </a:lnTo>
+                    <a:lnTo>
+                      <a:pt x="72449" y="189490"/>
+                    </a:lnTo>
+                    <a:cubicBezTo>
+                      <a:pt x="72514" y="191154"/>
+                      <a:pt x="73884" y="192426"/>
+                      <a:pt x="75515" y="192426"/>
+                    </a:cubicBezTo>
+                    <a:lnTo>
+                      <a:pt x="75646" y="192426"/>
+                    </a:lnTo>
+                    <a:cubicBezTo>
+                      <a:pt x="77342" y="192361"/>
+                      <a:pt x="78647" y="190926"/>
+                      <a:pt x="78582" y="189229"/>
+                    </a:cubicBezTo>
+                    <a:lnTo>
+                      <a:pt x="75874" y="127676"/>
+                    </a:lnTo>
+                    <a:lnTo>
+                      <a:pt x="75874" y="127676"/>
+                    </a:lnTo>
+                    <a:cubicBezTo>
+                      <a:pt x="77309" y="128524"/>
+                      <a:pt x="78908" y="129013"/>
+                      <a:pt x="80571" y="129013"/>
+                    </a:cubicBezTo>
+                    <a:cubicBezTo>
+                      <a:pt x="80865" y="129013"/>
+                      <a:pt x="81191" y="128980"/>
+                      <a:pt x="81485" y="128948"/>
+                    </a:cubicBezTo>
+                    <a:cubicBezTo>
+                      <a:pt x="84192" y="128687"/>
+                      <a:pt x="86606" y="127219"/>
+                      <a:pt x="88139" y="124968"/>
+                    </a:cubicBezTo>
+                    <a:lnTo>
+                      <a:pt x="100600" y="106244"/>
+                    </a:lnTo>
+                    <a:lnTo>
+                      <a:pt x="116943" y="112540"/>
+                    </a:lnTo>
+                    <a:cubicBezTo>
+                      <a:pt x="119291" y="113453"/>
+                      <a:pt x="121314" y="114889"/>
+                      <a:pt x="122879" y="116715"/>
+                    </a:cubicBezTo>
+                    <a:lnTo>
+                      <a:pt x="111691" y="127937"/>
+                    </a:lnTo>
+                    <a:cubicBezTo>
+                      <a:pt x="107711" y="131916"/>
+                      <a:pt x="105493" y="137201"/>
+                      <a:pt x="105493" y="142844"/>
+                    </a:cubicBezTo>
+                    <a:lnTo>
+                      <a:pt x="105493" y="189360"/>
+                    </a:lnTo>
+                    <a:cubicBezTo>
+                      <a:pt x="105493" y="191056"/>
+                      <a:pt x="106863" y="192426"/>
+                      <a:pt x="108559" y="192426"/>
+                    </a:cubicBezTo>
+                    <a:cubicBezTo>
+                      <a:pt x="110256" y="192426"/>
+                      <a:pt x="111626" y="191056"/>
+                      <a:pt x="111626" y="189360"/>
+                    </a:cubicBezTo>
+                    <a:lnTo>
+                      <a:pt x="111626" y="142844"/>
+                    </a:lnTo>
+                    <a:cubicBezTo>
+                      <a:pt x="111626" y="138832"/>
+                      <a:pt x="113191" y="135080"/>
+                      <a:pt x="115997" y="132242"/>
+                    </a:cubicBezTo>
+                    <a:lnTo>
+                      <a:pt x="125946" y="122326"/>
+                    </a:lnTo>
+                    <a:cubicBezTo>
+                      <a:pt x="126402" y="123859"/>
+                      <a:pt x="126598" y="125458"/>
+                      <a:pt x="126533" y="127121"/>
+                    </a:cubicBezTo>
+                    <a:lnTo>
+                      <a:pt x="124054" y="189262"/>
+                    </a:lnTo>
+                    <a:cubicBezTo>
+                      <a:pt x="123989" y="190926"/>
+                      <a:pt x="125293" y="192361"/>
+                      <a:pt x="126990" y="192426"/>
+                    </a:cubicBezTo>
+                    <a:lnTo>
+                      <a:pt x="127087" y="192426"/>
+                    </a:lnTo>
+                    <a:cubicBezTo>
+                      <a:pt x="128718" y="192426"/>
+                      <a:pt x="130088" y="191121"/>
+                      <a:pt x="130154" y="189490"/>
+                    </a:cubicBezTo>
+                    <a:lnTo>
+                      <a:pt x="132633" y="127350"/>
+                    </a:lnTo>
+                    <a:cubicBezTo>
+                      <a:pt x="132992" y="118346"/>
+                      <a:pt x="127577" y="110094"/>
+                      <a:pt x="119161" y="106832"/>
+                    </a:cubicBezTo>
+                    <a:lnTo>
+                      <a:pt x="101644" y="100079"/>
+                    </a:lnTo>
+                    <a:lnTo>
+                      <a:pt x="92706" y="91141"/>
+                    </a:lnTo>
+                    <a:cubicBezTo>
+                      <a:pt x="92119" y="90554"/>
+                      <a:pt x="91369" y="90261"/>
+                      <a:pt x="90586" y="90261"/>
+                    </a:cubicBezTo>
+                    <a:lnTo>
+                      <a:pt x="90586" y="82954"/>
+                    </a:lnTo>
+                    <a:cubicBezTo>
+                      <a:pt x="94826" y="78452"/>
+                      <a:pt x="97827" y="72744"/>
+                      <a:pt x="99002" y="66318"/>
+                    </a:cubicBezTo>
+                    <a:cubicBezTo>
+                      <a:pt x="99034" y="66318"/>
+                      <a:pt x="99034" y="66285"/>
+                      <a:pt x="99034" y="66285"/>
+                    </a:cubicBezTo>
+                    <a:cubicBezTo>
+                      <a:pt x="99237" y="66302"/>
+                      <a:pt x="99439" y="66310"/>
+                      <a:pt x="99640" y="66310"/>
+                    </a:cubicBezTo>
+                    <a:cubicBezTo>
+                      <a:pt x="100220" y="66310"/>
+                      <a:pt x="100794" y="66243"/>
+                      <a:pt x="101350" y="66122"/>
+                    </a:cubicBezTo>
+                    <a:cubicBezTo>
+                      <a:pt x="105558" y="65274"/>
+                      <a:pt x="108625" y="61360"/>
+                      <a:pt x="108625" y="56858"/>
+                    </a:cubicBezTo>
+                    <a:lnTo>
+                      <a:pt x="108625" y="54509"/>
+                    </a:lnTo>
+                    <a:cubicBezTo>
+                      <a:pt x="108625" y="51867"/>
+                      <a:pt x="107515" y="49421"/>
+                      <a:pt x="105754" y="47724"/>
+                    </a:cubicBezTo>
+                    <a:cubicBezTo>
+                      <a:pt x="108625" y="32263"/>
+                      <a:pt x="106309" y="19704"/>
+                      <a:pt x="99034" y="11288"/>
+                    </a:cubicBezTo>
+                    <a:cubicBezTo>
+                      <a:pt x="92612" y="3880"/>
+                      <a:pt x="82579" y="1"/>
+                      <a:pt x="69887" y="1"/>
+                    </a:cubicBezTo>
+                    <a:close/>
+                  </a:path>
+                </a:pathLst>
+              </a:custGeom>
+              <a:solidFill>
+                <a:schemeClr val="tx1"/>
+              </a:solidFill>
+              <a:ln>
+                <a:noFill/>
+              </a:ln>
+            </p:spPr>
+            <p:txBody>
+              <a:bodyPr spcFirstLastPara="1" wrap="square" lIns="91425" tIns="91425" rIns="91425" bIns="91425" anchor="ctr" anchorCtr="0">
+                <a:noAutofit/>
+              </a:bodyPr>
+              <a:lstStyle/>
+              <a:p>
+                <a:pPr marL="0" lvl="0" indent="0" algn="l" rtl="0">
+                  <a:spcBef>
+                    <a:spcPts val="0"/>
+                  </a:spcBef>
+                  <a:spcAft>
+                    <a:spcPts val="0"/>
+                  </a:spcAft>
+                  <a:buNone/>
+                </a:pPr>
+                <a:endParaRPr dirty="0"/>
+              </a:p>
+            </p:txBody>
+          </p:sp>
+          <p:sp>
+            <p:nvSpPr>
+              <p:cNvPr id="19" name="Google Shape;428;p67">
+                <a:extLst>
+                  <a:ext uri="{FF2B5EF4-FFF2-40B4-BE49-F238E27FC236}">
+                    <a16:creationId xmlns:a16="http://schemas.microsoft.com/office/drawing/2014/main" id="{948E9D3B-165A-0C48-4FCE-E14786D46307}"/>
+                  </a:ext>
+                </a:extLst>
+              </p:cNvPr>
+              <p:cNvSpPr/>
+              <p:nvPr/>
+            </p:nvSpPr>
+            <p:spPr>
+              <a:xfrm>
+                <a:off x="3858100" y="238125"/>
+                <a:ext cx="2387800" cy="2767800"/>
+              </a:xfrm>
+              <a:custGeom>
+                <a:avLst/>
+                <a:gdLst/>
+                <a:ahLst/>
+                <a:cxnLst/>
+                <a:rect l="l" t="t" r="r" b="b"/>
+                <a:pathLst>
+                  <a:path w="95512" h="110712" extrusionOk="0">
+                    <a:moveTo>
+                      <a:pt x="40156" y="0"/>
+                    </a:moveTo>
+                    <a:cubicBezTo>
+                      <a:pt x="25477" y="0"/>
+                      <a:pt x="11646" y="5676"/>
+                      <a:pt x="1240" y="15984"/>
+                    </a:cubicBezTo>
+                    <a:cubicBezTo>
+                      <a:pt x="33" y="17191"/>
+                      <a:pt x="1" y="19115"/>
+                      <a:pt x="1208" y="20322"/>
+                    </a:cubicBezTo>
+                    <a:cubicBezTo>
+                      <a:pt x="1799" y="20930"/>
+                      <a:pt x="2588" y="21231"/>
+                      <a:pt x="3377" y="21231"/>
+                    </a:cubicBezTo>
+                    <a:cubicBezTo>
+                      <a:pt x="4154" y="21231"/>
+                      <a:pt x="4930" y="20938"/>
+                      <a:pt x="5513" y="20355"/>
+                    </a:cubicBezTo>
+                    <a:cubicBezTo>
+                      <a:pt x="14810" y="11156"/>
+                      <a:pt x="27108" y="6133"/>
+                      <a:pt x="40156" y="6133"/>
+                    </a:cubicBezTo>
+                    <a:cubicBezTo>
+                      <a:pt x="67295" y="6133"/>
+                      <a:pt x="89379" y="28216"/>
+                      <a:pt x="89379" y="55356"/>
+                    </a:cubicBezTo>
+                    <a:cubicBezTo>
+                      <a:pt x="89379" y="82496"/>
+                      <a:pt x="67295" y="104579"/>
+                      <a:pt x="40156" y="104579"/>
+                    </a:cubicBezTo>
+                    <a:cubicBezTo>
+                      <a:pt x="27956" y="104579"/>
+                      <a:pt x="16278" y="100110"/>
+                      <a:pt x="7210" y="91955"/>
+                    </a:cubicBezTo>
+                    <a:cubicBezTo>
+                      <a:pt x="6636" y="91427"/>
+                      <a:pt x="5910" y="91172"/>
+                      <a:pt x="5184" y="91172"/>
+                    </a:cubicBezTo>
+                    <a:cubicBezTo>
+                      <a:pt x="4341" y="91172"/>
+                      <a:pt x="3500" y="91517"/>
+                      <a:pt x="2904" y="92184"/>
+                    </a:cubicBezTo>
+                    <a:cubicBezTo>
+                      <a:pt x="1762" y="93423"/>
+                      <a:pt x="1860" y="95380"/>
+                      <a:pt x="3132" y="96490"/>
+                    </a:cubicBezTo>
+                    <a:cubicBezTo>
+                      <a:pt x="13309" y="105656"/>
+                      <a:pt x="26455" y="110712"/>
+                      <a:pt x="40156" y="110712"/>
+                    </a:cubicBezTo>
+                    <a:cubicBezTo>
+                      <a:pt x="70688" y="110712"/>
+                      <a:pt x="95512" y="85888"/>
+                      <a:pt x="95512" y="55356"/>
+                    </a:cubicBezTo>
+                    <a:cubicBezTo>
+                      <a:pt x="95512" y="24824"/>
+                      <a:pt x="70688" y="0"/>
+                      <a:pt x="40156" y="0"/>
+                    </a:cubicBezTo>
+                    <a:close/>
+                  </a:path>
+                </a:pathLst>
+              </a:custGeom>
+              <a:solidFill>
+                <a:schemeClr val="tx1"/>
+              </a:solidFill>
+              <a:ln>
+                <a:noFill/>
+              </a:ln>
+            </p:spPr>
+            <p:txBody>
+              <a:bodyPr spcFirstLastPara="1" wrap="square" lIns="91425" tIns="91425" rIns="91425" bIns="91425" anchor="ctr" anchorCtr="0">
+                <a:noAutofit/>
+              </a:bodyPr>
+              <a:lstStyle/>
+              <a:p>
+                <a:pPr marL="0" lvl="0" indent="0" algn="l" rtl="0">
+                  <a:spcBef>
+                    <a:spcPts val="0"/>
+                  </a:spcBef>
+                  <a:spcAft>
+                    <a:spcPts val="0"/>
+                  </a:spcAft>
+                  <a:buNone/>
+                </a:pPr>
+                <a:endParaRPr/>
+              </a:p>
+            </p:txBody>
+          </p:sp>
+          <p:sp>
+            <p:nvSpPr>
+              <p:cNvPr id="20" name="Google Shape;429;p67">
+                <a:extLst>
+                  <a:ext uri="{FF2B5EF4-FFF2-40B4-BE49-F238E27FC236}">
+                    <a16:creationId xmlns:a16="http://schemas.microsoft.com/office/drawing/2014/main" id="{D0162273-A3B5-9E22-433D-2A07CE58484C}"/>
+                  </a:ext>
+                </a:extLst>
+              </p:cNvPr>
+              <p:cNvSpPr/>
+              <p:nvPr/>
+            </p:nvSpPr>
+            <p:spPr>
+              <a:xfrm>
+                <a:off x="4213650" y="892150"/>
+                <a:ext cx="1378225" cy="1459750"/>
+              </a:xfrm>
+              <a:custGeom>
+                <a:avLst/>
+                <a:gdLst/>
+                <a:ahLst/>
+                <a:cxnLst/>
+                <a:rect l="l" t="t" r="r" b="b"/>
+                <a:pathLst>
+                  <a:path w="55129" h="58390" extrusionOk="0">
+                    <a:moveTo>
+                      <a:pt x="25934" y="0"/>
+                    </a:moveTo>
+                    <a:cubicBezTo>
+                      <a:pt x="24237" y="0"/>
+                      <a:pt x="22867" y="1370"/>
+                      <a:pt x="22867" y="3034"/>
+                    </a:cubicBezTo>
+                    <a:lnTo>
+                      <a:pt x="22867" y="26129"/>
+                    </a:lnTo>
+                    <a:lnTo>
+                      <a:pt x="3034" y="26129"/>
+                    </a:lnTo>
+                    <a:cubicBezTo>
+                      <a:pt x="1371" y="26129"/>
+                      <a:pt x="1" y="27499"/>
+                      <a:pt x="1" y="29195"/>
+                    </a:cubicBezTo>
+                    <a:cubicBezTo>
+                      <a:pt x="1" y="30891"/>
+                      <a:pt x="1371" y="32261"/>
+                      <a:pt x="3034" y="32261"/>
+                    </a:cubicBezTo>
+                    <a:lnTo>
+                      <a:pt x="22867" y="32261"/>
+                    </a:lnTo>
+                    <a:lnTo>
+                      <a:pt x="22867" y="55356"/>
+                    </a:lnTo>
+                    <a:cubicBezTo>
+                      <a:pt x="22867" y="57020"/>
+                      <a:pt x="24237" y="58390"/>
+                      <a:pt x="25934" y="58390"/>
+                    </a:cubicBezTo>
+                    <a:cubicBezTo>
+                      <a:pt x="27630" y="58390"/>
+                      <a:pt x="29000" y="57020"/>
+                      <a:pt x="29000" y="55356"/>
+                    </a:cubicBezTo>
+                    <a:lnTo>
+                      <a:pt x="29000" y="32261"/>
+                    </a:lnTo>
+                    <a:lnTo>
+                      <a:pt x="52062" y="32261"/>
+                    </a:lnTo>
+                    <a:cubicBezTo>
+                      <a:pt x="53758" y="32261"/>
+                      <a:pt x="55128" y="30891"/>
+                      <a:pt x="55128" y="29195"/>
+                    </a:cubicBezTo>
+                    <a:cubicBezTo>
+                      <a:pt x="55128" y="27499"/>
+                      <a:pt x="53758" y="26129"/>
+                      <a:pt x="52062" y="26129"/>
+                    </a:cubicBezTo>
+                    <a:lnTo>
+                      <a:pt x="29000" y="26129"/>
+                    </a:lnTo>
+                    <a:lnTo>
+                      <a:pt x="29000" y="3034"/>
+                    </a:lnTo>
+                    <a:cubicBezTo>
+                      <a:pt x="29000" y="1370"/>
+                      <a:pt x="27630" y="0"/>
+                      <a:pt x="25934" y="0"/>
+                    </a:cubicBezTo>
+                    <a:close/>
+                  </a:path>
+                </a:pathLst>
+              </a:custGeom>
+              <a:solidFill>
+                <a:schemeClr val="tx1"/>
+              </a:solidFill>
+              <a:ln>
+                <a:noFill/>
+              </a:ln>
+            </p:spPr>
+            <p:txBody>
+              <a:bodyPr spcFirstLastPara="1" wrap="square" lIns="91425" tIns="91425" rIns="91425" bIns="91425" anchor="ctr" anchorCtr="0">
+                <a:noAutofit/>
+              </a:bodyPr>
+              <a:lstStyle/>
+              <a:p>
+                <a:pPr marL="0" lvl="0" indent="0" algn="l" rtl="0">
+                  <a:spcBef>
+                    <a:spcPts val="0"/>
+                  </a:spcBef>
+                  <a:spcAft>
+                    <a:spcPts val="0"/>
+                  </a:spcAft>
+                  <a:buNone/>
+                </a:pPr>
+                <a:endParaRPr/>
+              </a:p>
+            </p:txBody>
+          </p:sp>
+        </p:grpSp>
+        <p:sp>
+          <p:nvSpPr>
+            <p:cNvPr id="21" name="Google Shape;435;p67">
+              <a:extLst>
+                <a:ext uri="{FF2B5EF4-FFF2-40B4-BE49-F238E27FC236}">
+                  <a16:creationId xmlns:a16="http://schemas.microsoft.com/office/drawing/2014/main" id="{D36880F0-12D7-F76D-9288-427951619AE4}"/>
+                </a:ext>
+              </a:extLst>
+            </p:cNvPr>
+            <p:cNvSpPr/>
+            <p:nvPr/>
+          </p:nvSpPr>
+          <p:spPr>
+            <a:xfrm>
+              <a:off x="2512650" y="3627674"/>
+              <a:ext cx="2472000" cy="1341000"/>
+            </a:xfrm>
+            <a:prstGeom prst="frame">
+              <a:avLst>
+                <a:gd name="adj1" fmla="val 2831"/>
+              </a:avLst>
+            </a:prstGeom>
+            <a:solidFill>
+              <a:schemeClr val="tx1"/>
+            </a:solidFill>
+            <a:ln>
+              <a:noFill/>
+            </a:ln>
+          </p:spPr>
+          <p:txBody>
+            <a:bodyPr spcFirstLastPara="1" wrap="square" lIns="91425" tIns="91425" rIns="91425" bIns="91425" anchor="ctr" anchorCtr="0">
+              <a:noAutofit/>
+            </a:bodyPr>
+            <a:lstStyle/>
+            <a:p>
+              <a:pPr marL="0" lvl="0" indent="0" algn="l" rtl="0">
+                <a:spcBef>
+                  <a:spcPts val="0"/>
+                </a:spcBef>
+                <a:spcAft>
+                  <a:spcPts val="0"/>
+                </a:spcAft>
+                <a:buNone/>
+              </a:pPr>
+              <a:endParaRPr/>
+            </a:p>
+          </p:txBody>
+        </p:sp>
+        <p:sp>
+          <p:nvSpPr>
+            <p:cNvPr id="22" name="Google Shape;436;p67">
+              <a:extLst>
+                <a:ext uri="{FF2B5EF4-FFF2-40B4-BE49-F238E27FC236}">
+                  <a16:creationId xmlns:a16="http://schemas.microsoft.com/office/drawing/2014/main" id="{1994E249-D92E-0279-5E27-D77857910852}"/>
+                </a:ext>
+              </a:extLst>
+            </p:cNvPr>
+            <p:cNvSpPr/>
+            <p:nvPr/>
+          </p:nvSpPr>
+          <p:spPr>
+            <a:xfrm>
+              <a:off x="5110941" y="3627674"/>
+              <a:ext cx="2472000" cy="1341000"/>
+            </a:xfrm>
+            <a:prstGeom prst="frame">
+              <a:avLst>
+                <a:gd name="adj1" fmla="val 2831"/>
+              </a:avLst>
+            </a:prstGeom>
+            <a:solidFill>
+              <a:schemeClr val="tx1"/>
+            </a:solidFill>
+            <a:ln>
+              <a:noFill/>
+            </a:ln>
+          </p:spPr>
+          <p:txBody>
+            <a:bodyPr spcFirstLastPara="1" wrap="square" lIns="91425" tIns="91425" rIns="91425" bIns="91425" anchor="ctr" anchorCtr="0">
+              <a:noAutofit/>
+            </a:bodyPr>
+            <a:lstStyle/>
+            <a:p>
+              <a:pPr marL="0" lvl="0" indent="0" algn="l" rtl="0">
+                <a:spcBef>
+                  <a:spcPts val="0"/>
+                </a:spcBef>
+                <a:spcAft>
+                  <a:spcPts val="0"/>
+                </a:spcAft>
+                <a:buNone/>
+              </a:pPr>
+              <a:endParaRPr/>
+            </a:p>
+          </p:txBody>
+        </p:sp>
+        <p:sp>
+          <p:nvSpPr>
+            <p:cNvPr id="23" name="Google Shape;437;p67">
+              <a:extLst>
+                <a:ext uri="{FF2B5EF4-FFF2-40B4-BE49-F238E27FC236}">
+                  <a16:creationId xmlns:a16="http://schemas.microsoft.com/office/drawing/2014/main" id="{2F725645-1041-2CAB-4816-A11BD15C8BA3}"/>
+                </a:ext>
+              </a:extLst>
+            </p:cNvPr>
+            <p:cNvSpPr/>
+            <p:nvPr/>
+          </p:nvSpPr>
+          <p:spPr>
+            <a:xfrm>
+              <a:off x="7719700" y="3627674"/>
+              <a:ext cx="2472000" cy="1341000"/>
+            </a:xfrm>
+            <a:prstGeom prst="frame">
+              <a:avLst>
+                <a:gd name="adj1" fmla="val 2831"/>
+              </a:avLst>
+            </a:prstGeom>
+            <a:solidFill>
+              <a:schemeClr val="tx1"/>
+            </a:solidFill>
+            <a:ln>
+              <a:noFill/>
+            </a:ln>
+          </p:spPr>
+          <p:txBody>
+            <a:bodyPr spcFirstLastPara="1" wrap="square" lIns="91425" tIns="91425" rIns="91425" bIns="91425" anchor="ctr" anchorCtr="0">
+              <a:noAutofit/>
+            </a:bodyPr>
+            <a:lstStyle/>
+            <a:p>
+              <a:pPr marL="0" lvl="0" indent="0" algn="l" rtl="0">
+                <a:spcBef>
+                  <a:spcPts val="0"/>
+                </a:spcBef>
+                <a:spcAft>
+                  <a:spcPts val="0"/>
+                </a:spcAft>
+                <a:buNone/>
+              </a:pPr>
+              <a:endParaRPr/>
+            </a:p>
+          </p:txBody>
+        </p:sp>
+        <p:grpSp>
+          <p:nvGrpSpPr>
+            <p:cNvPr id="26" name="Graphic 2" descr="Laptop outline">
+              <a:extLst>
+                <a:ext uri="{FF2B5EF4-FFF2-40B4-BE49-F238E27FC236}">
+                  <a16:creationId xmlns:a16="http://schemas.microsoft.com/office/drawing/2014/main" id="{5CF195BB-32D9-AA46-5B99-51F71D184A69}"/>
+                </a:ext>
+              </a:extLst>
+            </p:cNvPr>
+            <p:cNvGrpSpPr/>
+            <p:nvPr/>
+          </p:nvGrpSpPr>
+          <p:grpSpPr>
+            <a:xfrm>
+              <a:off x="8519273" y="2405586"/>
+              <a:ext cx="876300" cy="523817"/>
+              <a:chOff x="8519273" y="2405586"/>
+              <a:chExt cx="876300" cy="523817"/>
+            </a:xfrm>
+            <a:solidFill>
+              <a:schemeClr val="tx1"/>
+            </a:solidFill>
+          </p:grpSpPr>
+          <p:sp>
+            <p:nvSpPr>
+              <p:cNvPr id="27" name="Forma livre: Forma 26">
+                <a:extLst>
+                  <a:ext uri="{FF2B5EF4-FFF2-40B4-BE49-F238E27FC236}">
+                    <a16:creationId xmlns:a16="http://schemas.microsoft.com/office/drawing/2014/main" id="{3E0C3C97-26E8-919C-D330-10EEBE95C219}"/>
+                  </a:ext>
+                </a:extLst>
+              </p:cNvPr>
+              <p:cNvSpPr/>
+              <p:nvPr/>
+            </p:nvSpPr>
+            <p:spPr>
+              <a:xfrm>
+                <a:off x="8681198" y="2453211"/>
+                <a:ext cx="552450" cy="342995"/>
+              </a:xfrm>
+              <a:custGeom>
+                <a:avLst/>
+                <a:gdLst>
+                  <a:gd name="connsiteX0" fmla="*/ 552450 w 552450"/>
+                  <a:gd name="connsiteY0" fmla="*/ 342843 h 342995"/>
+                  <a:gd name="connsiteX1" fmla="*/ 552450 w 552450"/>
+                  <a:gd name="connsiteY1" fmla="*/ 0 h 342995"/>
+                  <a:gd name="connsiteX2" fmla="*/ 0 w 552450"/>
+                  <a:gd name="connsiteY2" fmla="*/ 0 h 342995"/>
+                  <a:gd name="connsiteX3" fmla="*/ 0 w 552450"/>
+                  <a:gd name="connsiteY3" fmla="*/ 342995 h 342995"/>
+                  <a:gd name="connsiteX4" fmla="*/ 19050 w 552450"/>
+                  <a:gd name="connsiteY4" fmla="*/ 19050 h 342995"/>
+                  <a:gd name="connsiteX5" fmla="*/ 533400 w 552450"/>
+                  <a:gd name="connsiteY5" fmla="*/ 19050 h 342995"/>
+                  <a:gd name="connsiteX6" fmla="*/ 533400 w 552450"/>
+                  <a:gd name="connsiteY6" fmla="*/ 323783 h 342995"/>
+                  <a:gd name="connsiteX7" fmla="*/ 19050 w 552450"/>
+                  <a:gd name="connsiteY7" fmla="*/ 323945 h 342995"/>
+                </a:gdLst>
+                <a:ahLst/>
+                <a:cxnLst>
+                  <a:cxn ang="0">
+                    <a:pos x="connsiteX0" y="connsiteY0"/>
+                  </a:cxn>
+                  <a:cxn ang="0">
+                    <a:pos x="connsiteX1" y="connsiteY1"/>
+                  </a:cxn>
+                  <a:cxn ang="0">
+                    <a:pos x="connsiteX2" y="connsiteY2"/>
+                  </a:cxn>
+                  <a:cxn ang="0">
+                    <a:pos x="connsiteX3" y="connsiteY3"/>
+                  </a:cxn>
+                  <a:cxn ang="0">
+                    <a:pos x="connsiteX4" y="connsiteY4"/>
+                  </a:cxn>
+                  <a:cxn ang="0">
+                    <a:pos x="connsiteX5" y="connsiteY5"/>
+                  </a:cxn>
+                  <a:cxn ang="0">
+                    <a:pos x="connsiteX6" y="connsiteY6"/>
+                  </a:cxn>
+                  <a:cxn ang="0">
+                    <a:pos x="connsiteX7" y="connsiteY7"/>
+                  </a:cxn>
+                </a:cxnLst>
+                <a:rect l="l" t="t" r="r" b="b"/>
+                <a:pathLst>
+                  <a:path w="552450" h="342995">
+                    <a:moveTo>
+                      <a:pt x="552450" y="342843"/>
+                    </a:moveTo>
+                    <a:lnTo>
+                      <a:pt x="552450" y="0"/>
+                    </a:lnTo>
+                    <a:lnTo>
+                      <a:pt x="0" y="0"/>
+                    </a:lnTo>
+                    <a:lnTo>
+                      <a:pt x="0" y="342995"/>
+                    </a:lnTo>
+                    <a:close/>
+                    <a:moveTo>
+                      <a:pt x="19050" y="19050"/>
+                    </a:moveTo>
+                    <a:lnTo>
+                      <a:pt x="533400" y="19050"/>
+                    </a:lnTo>
+                    <a:lnTo>
+                      <a:pt x="533400" y="323783"/>
+                    </a:lnTo>
+                    <a:lnTo>
+                      <a:pt x="19050" y="323945"/>
+                    </a:lnTo>
+                    <a:close/>
+                  </a:path>
+                </a:pathLst>
+              </a:custGeom>
+              <a:solidFill>
+                <a:schemeClr val="tx1"/>
+              </a:solidFill>
+              <a:ln w="12303" cap="flat">
+                <a:solidFill>
+                  <a:schemeClr val="bg2"/>
+                </a:solidFill>
+                <a:prstDash val="solid"/>
+                <a:miter/>
+              </a:ln>
+            </p:spPr>
+            <p:txBody>
+              <a:bodyPr rtlCol="0" anchor="ctr"/>
+              <a:lstStyle/>
+              <a:p>
+                <a:endParaRPr lang="pt-PT"/>
+              </a:p>
+            </p:txBody>
+          </p:sp>
+          <p:sp>
+            <p:nvSpPr>
+              <p:cNvPr id="28" name="Forma livre: Forma 27">
+                <a:extLst>
+                  <a:ext uri="{FF2B5EF4-FFF2-40B4-BE49-F238E27FC236}">
+                    <a16:creationId xmlns:a16="http://schemas.microsoft.com/office/drawing/2014/main" id="{8F902D64-0D87-DE13-A040-0E9B980B6EEC}"/>
+                  </a:ext>
+                </a:extLst>
+              </p:cNvPr>
+              <p:cNvSpPr/>
+              <p:nvPr/>
+            </p:nvSpPr>
+            <p:spPr>
+              <a:xfrm>
+                <a:off x="8633573" y="2405586"/>
+                <a:ext cx="647700" cy="428748"/>
+              </a:xfrm>
+              <a:custGeom>
+                <a:avLst/>
+                <a:gdLst>
+                  <a:gd name="connsiteX0" fmla="*/ 19050 w 647700"/>
+                  <a:gd name="connsiteY0" fmla="*/ 38100 h 428748"/>
+                  <a:gd name="connsiteX1" fmla="*/ 38100 w 647700"/>
+                  <a:gd name="connsiteY1" fmla="*/ 19050 h 428748"/>
+                  <a:gd name="connsiteX2" fmla="*/ 609600 w 647700"/>
+                  <a:gd name="connsiteY2" fmla="*/ 19050 h 428748"/>
+                  <a:gd name="connsiteX3" fmla="*/ 628650 w 647700"/>
+                  <a:gd name="connsiteY3" fmla="*/ 38100 h 428748"/>
+                  <a:gd name="connsiteX4" fmla="*/ 628650 w 647700"/>
+                  <a:gd name="connsiteY4" fmla="*/ 428749 h 428748"/>
+                  <a:gd name="connsiteX5" fmla="*/ 647700 w 647700"/>
+                  <a:gd name="connsiteY5" fmla="*/ 428749 h 428748"/>
+                  <a:gd name="connsiteX6" fmla="*/ 647700 w 647700"/>
+                  <a:gd name="connsiteY6" fmla="*/ 38100 h 428748"/>
+                  <a:gd name="connsiteX7" fmla="*/ 609600 w 647700"/>
+                  <a:gd name="connsiteY7" fmla="*/ 0 h 428748"/>
+                  <a:gd name="connsiteX8" fmla="*/ 38100 w 647700"/>
+                  <a:gd name="connsiteY8" fmla="*/ 0 h 428748"/>
+                  <a:gd name="connsiteX9" fmla="*/ 0 w 647700"/>
+                  <a:gd name="connsiteY9" fmla="*/ 38100 h 428748"/>
+                  <a:gd name="connsiteX10" fmla="*/ 0 w 647700"/>
+                  <a:gd name="connsiteY10" fmla="*/ 428749 h 428748"/>
+                  <a:gd name="connsiteX11" fmla="*/ 19050 w 647700"/>
+                  <a:gd name="connsiteY11" fmla="*/ 428749 h 428748"/>
+                </a:gdLst>
+                <a:ahLst/>
+                <a:cxnLst>
+                  <a:cxn ang="0">
+                    <a:pos x="connsiteX0" y="connsiteY0"/>
+                  </a:cxn>
+                  <a:cxn ang="0">
+                    <a:pos x="connsiteX1" y="connsiteY1"/>
+                  </a:cxn>
+                  <a:cxn ang="0">
+                    <a:pos x="connsiteX2" y="connsiteY2"/>
+                  </a:cxn>
+                  <a:cxn ang="0">
+                    <a:pos x="connsiteX3" y="connsiteY3"/>
+                  </a:cxn>
+                  <a:cxn ang="0">
+                    <a:pos x="connsiteX4" y="connsiteY4"/>
+                  </a:cxn>
+                  <a:cxn ang="0">
+                    <a:pos x="connsiteX5" y="connsiteY5"/>
+                  </a:cxn>
+                  <a:cxn ang="0">
+                    <a:pos x="connsiteX6" y="connsiteY6"/>
+                  </a:cxn>
+                  <a:cxn ang="0">
+                    <a:pos x="connsiteX7" y="connsiteY7"/>
+                  </a:cxn>
+                  <a:cxn ang="0">
+                    <a:pos x="connsiteX8" y="connsiteY8"/>
+                  </a:cxn>
+                  <a:cxn ang="0">
+                    <a:pos x="connsiteX9" y="connsiteY9"/>
+                  </a:cxn>
+                  <a:cxn ang="0">
+                    <a:pos x="connsiteX10" y="connsiteY10"/>
+                  </a:cxn>
+                  <a:cxn ang="0">
+                    <a:pos x="connsiteX11" y="connsiteY11"/>
+                  </a:cxn>
+                </a:cxnLst>
+                <a:rect l="l" t="t" r="r" b="b"/>
+                <a:pathLst>
+                  <a:path w="647700" h="428748">
+                    <a:moveTo>
+                      <a:pt x="19050" y="38100"/>
+                    </a:moveTo>
+                    <a:cubicBezTo>
+                      <a:pt x="19050" y="27579"/>
+                      <a:pt x="27579" y="19050"/>
+                      <a:pt x="38100" y="19050"/>
+                    </a:cubicBezTo>
+                    <a:lnTo>
+                      <a:pt x="609600" y="19050"/>
+                    </a:lnTo>
+                    <a:cubicBezTo>
+                      <a:pt x="620121" y="19050"/>
+                      <a:pt x="628650" y="27579"/>
+                      <a:pt x="628650" y="38100"/>
+                    </a:cubicBezTo>
+                    <a:lnTo>
+                      <a:pt x="628650" y="428749"/>
+                    </a:lnTo>
+                    <a:lnTo>
+                      <a:pt x="647700" y="428749"/>
+                    </a:lnTo>
+                    <a:lnTo>
+                      <a:pt x="647700" y="38100"/>
+                    </a:lnTo>
+                    <a:cubicBezTo>
+                      <a:pt x="647700" y="17058"/>
+                      <a:pt x="630642" y="0"/>
+                      <a:pt x="609600" y="0"/>
+                    </a:cubicBezTo>
+                    <a:lnTo>
+                      <a:pt x="38100" y="0"/>
+                    </a:lnTo>
+                    <a:cubicBezTo>
+                      <a:pt x="17058" y="0"/>
+                      <a:pt x="0" y="17058"/>
+                      <a:pt x="0" y="38100"/>
+                    </a:cubicBezTo>
+                    <a:lnTo>
+                      <a:pt x="0" y="428749"/>
+                    </a:lnTo>
+                    <a:lnTo>
+                      <a:pt x="19050" y="428749"/>
+                    </a:lnTo>
+                    <a:close/>
+                  </a:path>
+                </a:pathLst>
+              </a:custGeom>
+              <a:solidFill>
+                <a:schemeClr val="tx1"/>
+              </a:solidFill>
+              <a:ln w="12303" cap="flat">
+                <a:solidFill>
+                  <a:schemeClr val="bg2"/>
+                </a:solidFill>
+                <a:prstDash val="solid"/>
+                <a:miter/>
+              </a:ln>
+            </p:spPr>
+            <p:txBody>
+              <a:bodyPr rtlCol="0" anchor="ctr"/>
+              <a:lstStyle/>
+              <a:p>
+                <a:endParaRPr lang="pt-PT"/>
+              </a:p>
+            </p:txBody>
+          </p:sp>
+          <p:sp>
+            <p:nvSpPr>
+              <p:cNvPr id="29" name="Forma livre: Forma 28">
+                <a:extLst>
+                  <a:ext uri="{FF2B5EF4-FFF2-40B4-BE49-F238E27FC236}">
+                    <a16:creationId xmlns:a16="http://schemas.microsoft.com/office/drawing/2014/main" id="{2CD83DA1-C9E8-6BE4-312E-503160E6C067}"/>
+                  </a:ext>
+                </a:extLst>
+              </p:cNvPr>
+              <p:cNvSpPr/>
+              <p:nvPr/>
+            </p:nvSpPr>
+            <p:spPr>
+              <a:xfrm>
+                <a:off x="8519273" y="2862728"/>
+                <a:ext cx="876300" cy="66675"/>
+              </a:xfrm>
+              <a:custGeom>
+                <a:avLst/>
+                <a:gdLst>
+                  <a:gd name="connsiteX0" fmla="*/ 485775 w 876300"/>
+                  <a:gd name="connsiteY0" fmla="*/ 0 h 66675"/>
+                  <a:gd name="connsiteX1" fmla="*/ 485775 w 876300"/>
+                  <a:gd name="connsiteY1" fmla="*/ 19050 h 66675"/>
+                  <a:gd name="connsiteX2" fmla="*/ 390525 w 876300"/>
+                  <a:gd name="connsiteY2" fmla="*/ 19050 h 66675"/>
+                  <a:gd name="connsiteX3" fmla="*/ 390525 w 876300"/>
+                  <a:gd name="connsiteY3" fmla="*/ 0 h 66675"/>
+                  <a:gd name="connsiteX4" fmla="*/ 0 w 876300"/>
+                  <a:gd name="connsiteY4" fmla="*/ 0 h 66675"/>
+                  <a:gd name="connsiteX5" fmla="*/ 0 w 876300"/>
+                  <a:gd name="connsiteY5" fmla="*/ 19050 h 66675"/>
+                  <a:gd name="connsiteX6" fmla="*/ 47625 w 876300"/>
+                  <a:gd name="connsiteY6" fmla="*/ 66675 h 66675"/>
+                  <a:gd name="connsiteX7" fmla="*/ 828675 w 876300"/>
+                  <a:gd name="connsiteY7" fmla="*/ 66675 h 66675"/>
+                  <a:gd name="connsiteX8" fmla="*/ 876300 w 876300"/>
+                  <a:gd name="connsiteY8" fmla="*/ 19050 h 66675"/>
+                  <a:gd name="connsiteX9" fmla="*/ 876300 w 876300"/>
+                  <a:gd name="connsiteY9" fmla="*/ 0 h 66675"/>
+                  <a:gd name="connsiteX10" fmla="*/ 828675 w 876300"/>
+                  <a:gd name="connsiteY10" fmla="*/ 47625 h 66675"/>
+                  <a:gd name="connsiteX11" fmla="*/ 47625 w 876300"/>
+                  <a:gd name="connsiteY11" fmla="*/ 47625 h 66675"/>
+                  <a:gd name="connsiteX12" fmla="*/ 19050 w 876300"/>
+                  <a:gd name="connsiteY12" fmla="*/ 19050 h 66675"/>
+                  <a:gd name="connsiteX13" fmla="*/ 371475 w 876300"/>
+                  <a:gd name="connsiteY13" fmla="*/ 19050 h 66675"/>
+                  <a:gd name="connsiteX14" fmla="*/ 389265 w 876300"/>
+                  <a:gd name="connsiteY14" fmla="*/ 38100 h 66675"/>
+                  <a:gd name="connsiteX15" fmla="*/ 390525 w 876300"/>
+                  <a:gd name="connsiteY15" fmla="*/ 38100 h 66675"/>
+                  <a:gd name="connsiteX16" fmla="*/ 485775 w 876300"/>
+                  <a:gd name="connsiteY16" fmla="*/ 38100 h 66675"/>
+                  <a:gd name="connsiteX17" fmla="*/ 504825 w 876300"/>
+                  <a:gd name="connsiteY17" fmla="*/ 20310 h 66675"/>
+                  <a:gd name="connsiteX18" fmla="*/ 504825 w 876300"/>
+                  <a:gd name="connsiteY18" fmla="*/ 19050 h 66675"/>
+                  <a:gd name="connsiteX19" fmla="*/ 857250 w 876300"/>
+                  <a:gd name="connsiteY19" fmla="*/ 19050 h 66675"/>
+                  <a:gd name="connsiteX20" fmla="*/ 828675 w 876300"/>
+                  <a:gd name="connsiteY20" fmla="*/ 47625 h 66675"/>
+                </a:gdLst>
+                <a:ahLst/>
+                <a:cxnLst>
+                  <a:cxn ang="0">
+                    <a:pos x="connsiteX0" y="connsiteY0"/>
+                  </a:cxn>
+                  <a:cxn ang="0">
+                    <a:pos x="connsiteX1" y="connsiteY1"/>
+                  </a:cxn>
+                  <a:cxn ang="0">
+                    <a:pos x="connsiteX2" y="connsiteY2"/>
+                  </a:cxn>
+                  <a:cxn ang="0">
+                    <a:pos x="connsiteX3" y="connsiteY3"/>
+                  </a:cxn>
+                  <a:cxn ang="0">
+                    <a:pos x="connsiteX4" y="connsiteY4"/>
+                  </a:cxn>
+                  <a:cxn ang="0">
+                    <a:pos x="connsiteX5" y="connsiteY5"/>
+                  </a:cxn>
+                  <a:cxn ang="0">
+                    <a:pos x="connsiteX6" y="connsiteY6"/>
+                  </a:cxn>
+                  <a:cxn ang="0">
+                    <a:pos x="connsiteX7" y="connsiteY7"/>
+                  </a:cxn>
+                  <a:cxn ang="0">
+                    <a:pos x="connsiteX8" y="connsiteY8"/>
+                  </a:cxn>
+                  <a:cxn ang="0">
+                    <a:pos x="connsiteX9" y="connsiteY9"/>
+                  </a:cxn>
+                  <a:cxn ang="0">
+                    <a:pos x="connsiteX10" y="connsiteY10"/>
+                  </a:cxn>
+                  <a:cxn ang="0">
+                    <a:pos x="connsiteX11" y="connsiteY11"/>
+                  </a:cxn>
+                  <a:cxn ang="0">
+                    <a:pos x="connsiteX12" y="connsiteY12"/>
+                  </a:cxn>
+                  <a:cxn ang="0">
+                    <a:pos x="connsiteX13" y="connsiteY13"/>
+                  </a:cxn>
+                  <a:cxn ang="0">
+                    <a:pos x="connsiteX14" y="connsiteY14"/>
+                  </a:cxn>
+                  <a:cxn ang="0">
+                    <a:pos x="connsiteX15" y="connsiteY15"/>
+                  </a:cxn>
+                  <a:cxn ang="0">
+                    <a:pos x="connsiteX16" y="connsiteY16"/>
+                  </a:cxn>
+                  <a:cxn ang="0">
+                    <a:pos x="connsiteX17" y="connsiteY17"/>
+                  </a:cxn>
+                  <a:cxn ang="0">
+                    <a:pos x="connsiteX18" y="connsiteY18"/>
+                  </a:cxn>
+                  <a:cxn ang="0">
+                    <a:pos x="connsiteX19" y="connsiteY19"/>
+                  </a:cxn>
+                  <a:cxn ang="0">
+                    <a:pos x="connsiteX20" y="connsiteY20"/>
+                  </a:cxn>
+                </a:cxnLst>
+                <a:rect l="l" t="t" r="r" b="b"/>
+                <a:pathLst>
+                  <a:path w="876300" h="66675">
+                    <a:moveTo>
+                      <a:pt x="485775" y="0"/>
+                    </a:moveTo>
+                    <a:lnTo>
+                      <a:pt x="485775" y="19050"/>
+                    </a:lnTo>
+                    <a:lnTo>
+                      <a:pt x="390525" y="19050"/>
+                    </a:lnTo>
+                    <a:lnTo>
+                      <a:pt x="390525" y="0"/>
+                    </a:lnTo>
+                    <a:lnTo>
+                      <a:pt x="0" y="0"/>
+                    </a:lnTo>
+                    <a:lnTo>
+                      <a:pt x="0" y="19050"/>
+                    </a:lnTo>
+                    <a:cubicBezTo>
+                      <a:pt x="32" y="45340"/>
+                      <a:pt x="21336" y="66644"/>
+                      <a:pt x="47625" y="66675"/>
+                    </a:cubicBezTo>
+                    <a:lnTo>
+                      <a:pt x="828675" y="66675"/>
+                    </a:lnTo>
+                    <a:cubicBezTo>
+                      <a:pt x="854965" y="66644"/>
+                      <a:pt x="876269" y="45340"/>
+                      <a:pt x="876300" y="19050"/>
+                    </a:cubicBezTo>
+                    <a:lnTo>
+                      <a:pt x="876300" y="0"/>
+                    </a:lnTo>
+                    <a:close/>
+                    <a:moveTo>
+                      <a:pt x="828675" y="47625"/>
+                    </a:moveTo>
+                    <a:lnTo>
+                      <a:pt x="47625" y="47625"/>
+                    </a:lnTo>
+                    <a:cubicBezTo>
+                      <a:pt x="31844" y="47625"/>
+                      <a:pt x="19050" y="34832"/>
+                      <a:pt x="19050" y="19050"/>
+                    </a:cubicBezTo>
+                    <a:lnTo>
+                      <a:pt x="371475" y="19050"/>
+                    </a:lnTo>
+                    <a:cubicBezTo>
+                      <a:pt x="371127" y="29223"/>
+                      <a:pt x="379092" y="37752"/>
+                      <a:pt x="389265" y="38100"/>
+                    </a:cubicBezTo>
+                    <a:cubicBezTo>
+                      <a:pt x="389685" y="38114"/>
+                      <a:pt x="390105" y="38114"/>
+                      <a:pt x="390525" y="38100"/>
+                    </a:cubicBezTo>
+                    <a:lnTo>
+                      <a:pt x="485775" y="38100"/>
+                    </a:lnTo>
+                    <a:cubicBezTo>
+                      <a:pt x="495948" y="38448"/>
+                      <a:pt x="504477" y="30483"/>
+                      <a:pt x="504825" y="20310"/>
+                    </a:cubicBezTo>
+                    <a:cubicBezTo>
+                      <a:pt x="504839" y="19890"/>
+                      <a:pt x="504839" y="19470"/>
+                      <a:pt x="504825" y="19050"/>
+                    </a:cubicBezTo>
+                    <a:lnTo>
+                      <a:pt x="857250" y="19050"/>
+                    </a:lnTo>
+                    <a:cubicBezTo>
+                      <a:pt x="857250" y="34832"/>
+                      <a:pt x="844457" y="47625"/>
+                      <a:pt x="828675" y="47625"/>
+                    </a:cubicBezTo>
+                    <a:close/>
+                  </a:path>
+                </a:pathLst>
+              </a:custGeom>
+              <a:solidFill>
+                <a:schemeClr val="tx1"/>
+              </a:solidFill>
+              <a:ln w="12303" cap="flat">
+                <a:solidFill>
+                  <a:schemeClr val="bg2"/>
+                </a:solidFill>
+                <a:prstDash val="solid"/>
+                <a:miter/>
+              </a:ln>
+            </p:spPr>
+            <p:txBody>
+              <a:bodyPr rtlCol="0" anchor="ctr"/>
+              <a:lstStyle/>
+              <a:p>
+                <a:endParaRPr lang="pt-PT"/>
+              </a:p>
+            </p:txBody>
+          </p:sp>
+        </p:grpSp>
+      </p:grpSp>
+    </p:spTree>
+    <p:extLst>
+      <p:ext uri="{BB962C8B-B14F-4D97-AF65-F5344CB8AC3E}">
+        <p14:creationId xmlns:p14="http://schemas.microsoft.com/office/powerpoint/2010/main" val="654866306"/>
+      </p:ext>
+    </p:extLst>
+  </p:cSld>
+  <p:clrMapOvr>
+    <a:masterClrMapping/>
+  </p:clrMapOvr>
+</p:sld>
+</file>
+
 <file path=ppt/slides/slide7.xml><?xml version="1.0" encoding="utf-8"?>
 <p:sld xmlns:a="http://schemas.openxmlformats.org/drawingml/2006/main" xmlns:r="http://schemas.openxmlformats.org/officeDocument/2006/relationships" xmlns:p="http://schemas.openxmlformats.org/presentationml/2006/main">
   <p:cSld>
@@ -9676,8 +9768,8 @@
         </p:blipFill>
         <p:spPr>
           <a:xfrm>
-            <a:off x="4724400" y="190081"/>
-            <a:ext cx="6486229" cy="6439319"/>
+            <a:off x="4570890" y="76201"/>
+            <a:ext cx="6754450" cy="6705600"/>
           </a:xfrm>
           <a:prstGeom prst="rect">
             <a:avLst/>
